--- a/doc/pycolator_diagramm.pptx
+++ b/doc/pycolator_diagramm.pptx
@@ -5,11 +5,12 @@
     <p:sldMasterId id="2147483648" r:id="rId1"/>
   </p:sldMasterIdLst>
   <p:notesMasterIdLst>
-    <p:notesMasterId r:id="rId4"/>
+    <p:notesMasterId r:id="rId5"/>
   </p:notesMasterIdLst>
   <p:sldIdLst>
     <p:sldId id="257" r:id="rId2"/>
     <p:sldId id="258" r:id="rId3"/>
+    <p:sldId id="259" r:id="rId4"/>
   </p:sldIdLst>
   <p:sldSz cx="12192000" cy="6858000"/>
   <p:notesSz cx="6858000" cy="9144000"/>
@@ -9091,11 +9092,6 @@
                     </a:rPr>
                     <a:t>Cross-linked</a:t>
                   </a:r>
-                  <a:endParaRPr lang="en-US" sz="2000">
-                    <a:solidFill>
-                      <a:schemeClr val="tx1"/>
-                    </a:solidFill>
-                  </a:endParaRPr>
                 </a:p>
               </p:txBody>
             </p:sp>
@@ -9329,11 +9325,6 @@
                     </a:rPr>
                     <a:t>Linear</a:t>
                   </a:r>
-                  <a:endParaRPr lang="en-US" sz="2000">
-                    <a:solidFill>
-                      <a:schemeClr val="tx1"/>
-                    </a:solidFill>
-                  </a:endParaRPr>
                 </a:p>
               </p:txBody>
             </p:sp>
@@ -9567,11 +9558,6 @@
                     </a:rPr>
                     <a:t>Linear</a:t>
                   </a:r>
-                  <a:endParaRPr lang="en-US" sz="2000">
-                    <a:solidFill>
-                      <a:schemeClr val="tx1"/>
-                    </a:solidFill>
-                  </a:endParaRPr>
                 </a:p>
               </p:txBody>
             </p:sp>
@@ -9815,11 +9801,6 @@
                     </a:rPr>
                     <a:t>Cross-linked</a:t>
                   </a:r>
-                  <a:endParaRPr lang="en-US" sz="2000">
-                    <a:solidFill>
-                      <a:schemeClr val="tx1"/>
-                    </a:solidFill>
-                  </a:endParaRPr>
                 </a:p>
               </p:txBody>
             </p:sp>
@@ -10043,11 +10024,6 @@
                     </a:rPr>
                     <a:t>Linear</a:t>
                   </a:r>
-                  <a:endParaRPr lang="en-US" sz="2000">
-                    <a:solidFill>
-                      <a:schemeClr val="tx1"/>
-                    </a:solidFill>
-                  </a:endParaRPr>
                 </a:p>
               </p:txBody>
             </p:sp>
@@ -10281,11 +10257,6 @@
                     </a:rPr>
                     <a:t>Linear</a:t>
                   </a:r>
-                  <a:endParaRPr lang="en-US" sz="2000">
-                    <a:solidFill>
-                      <a:schemeClr val="tx1"/>
-                    </a:solidFill>
-                  </a:endParaRPr>
                 </a:p>
               </p:txBody>
             </p:sp>
@@ -10866,6 +10837,7576 @@
 </p:sld>
 </file>
 
+<file path=ppt/slides/slide3.xml><?xml version="1.0" encoding="utf-8"?>
+<p:sld xmlns:a="http://schemas.openxmlformats.org/drawingml/2006/main" xmlns:r="http://schemas.openxmlformats.org/officeDocument/2006/relationships" xmlns:p="http://schemas.openxmlformats.org/presentationml/2006/main">
+  <p:cSld>
+    <p:spTree>
+      <p:nvGrpSpPr>
+        <p:cNvPr id="1" name=""/>
+        <p:cNvGrpSpPr/>
+        <p:nvPr/>
+      </p:nvGrpSpPr>
+      <p:grpSpPr>
+        <a:xfrm>
+          <a:off x="0" y="0"/>
+          <a:ext cx="0" cy="0"/>
+          <a:chOff x="0" y="0"/>
+          <a:chExt cx="0" cy="0"/>
+        </a:xfrm>
+      </p:grpSpPr>
+      <p:grpSp>
+        <p:nvGrpSpPr>
+          <p:cNvPr id="4" name="Gruppieren 3"/>
+          <p:cNvGrpSpPr/>
+          <p:nvPr/>
+        </p:nvGrpSpPr>
+        <p:grpSpPr>
+          <a:xfrm>
+            <a:off x="86627" y="64008"/>
+            <a:ext cx="7140079" cy="6726615"/>
+            <a:chOff x="86627" y="76200"/>
+            <a:chExt cx="12018746" cy="6714423"/>
+          </a:xfrm>
+        </p:grpSpPr>
+        <p:sp>
+          <p:nvSpPr>
+            <p:cNvPr id="5" name="Abgerundetes Rechteck 4"/>
+            <p:cNvSpPr/>
+            <p:nvPr/>
+          </p:nvSpPr>
+          <p:spPr>
+            <a:xfrm>
+              <a:off x="308091" y="847558"/>
+              <a:ext cx="4549141" cy="458734"/>
+            </a:xfrm>
+            <a:prstGeom prst="roundRect">
+              <a:avLst/>
+            </a:prstGeom>
+          </p:spPr>
+          <p:style>
+            <a:lnRef idx="2">
+              <a:schemeClr val="accent1">
+                <a:shade val="50000"/>
+              </a:schemeClr>
+            </a:lnRef>
+            <a:fillRef idx="1">
+              <a:schemeClr val="accent1"/>
+            </a:fillRef>
+            <a:effectRef idx="0">
+              <a:schemeClr val="accent1"/>
+            </a:effectRef>
+            <a:fontRef idx="minor">
+              <a:schemeClr val="lt1"/>
+            </a:fontRef>
+          </p:style>
+          <p:txBody>
+            <a:bodyPr rtlCol="0" anchor="ctr"/>
+            <a:lstStyle/>
+            <a:p>
+              <a:pPr algn="ctr"/>
+              <a:endParaRPr lang="en-US"/>
+            </a:p>
+          </p:txBody>
+        </p:sp>
+        <p:grpSp>
+          <p:nvGrpSpPr>
+            <p:cNvPr id="6" name="Gruppieren 5"/>
+            <p:cNvGrpSpPr/>
+            <p:nvPr/>
+          </p:nvGrpSpPr>
+          <p:grpSpPr>
+            <a:xfrm>
+              <a:off x="5780754" y="2326979"/>
+              <a:ext cx="742956" cy="1580753"/>
+              <a:chOff x="5605774" y="996696"/>
+              <a:chExt cx="742956" cy="1834896"/>
+            </a:xfrm>
+          </p:grpSpPr>
+          <p:sp>
+            <p:nvSpPr>
+              <p:cNvPr id="109" name="Geschweifte Klammer links 108"/>
+              <p:cNvSpPr/>
+              <p:nvPr/>
+            </p:nvSpPr>
+            <p:spPr>
+              <a:xfrm>
+                <a:off x="5955030" y="996696"/>
+                <a:ext cx="393700" cy="1834896"/>
+              </a:xfrm>
+              <a:prstGeom prst="leftBrace">
+                <a:avLst>
+                  <a:gd name="adj1" fmla="val 8333"/>
+                  <a:gd name="adj2" fmla="val 15047"/>
+                </a:avLst>
+              </a:prstGeom>
+              <a:ln w="38100"/>
+            </p:spPr>
+            <p:style>
+              <a:lnRef idx="1">
+                <a:schemeClr val="accent1"/>
+              </a:lnRef>
+              <a:fillRef idx="0">
+                <a:schemeClr val="accent1"/>
+              </a:fillRef>
+              <a:effectRef idx="0">
+                <a:schemeClr val="accent1"/>
+              </a:effectRef>
+              <a:fontRef idx="minor">
+                <a:schemeClr val="tx1"/>
+              </a:fontRef>
+            </p:style>
+            <p:txBody>
+              <a:bodyPr rtlCol="0" anchor="ctr"/>
+              <a:lstStyle/>
+              <a:p>
+                <a:pPr algn="ctr"/>
+                <a:endParaRPr lang="en-US"/>
+              </a:p>
+            </p:txBody>
+          </p:sp>
+          <p:sp>
+            <p:nvSpPr>
+              <p:cNvPr id="110" name="Rechteck 109"/>
+              <p:cNvSpPr/>
+              <p:nvPr/>
+            </p:nvSpPr>
+            <p:spPr>
+              <a:xfrm>
+                <a:off x="5605774" y="1174750"/>
+                <a:ext cx="341639" cy="218712"/>
+              </a:xfrm>
+              <a:prstGeom prst="rect">
+                <a:avLst/>
+              </a:prstGeom>
+              <a:solidFill>
+                <a:schemeClr val="bg1"/>
+              </a:solidFill>
+              <a:ln>
+                <a:solidFill>
+                  <a:schemeClr val="bg1"/>
+                </a:solidFill>
+              </a:ln>
+            </p:spPr>
+            <p:style>
+              <a:lnRef idx="2">
+                <a:schemeClr val="accent1">
+                  <a:shade val="50000"/>
+                </a:schemeClr>
+              </a:lnRef>
+              <a:fillRef idx="1">
+                <a:schemeClr val="accent1"/>
+              </a:fillRef>
+              <a:effectRef idx="0">
+                <a:schemeClr val="accent1"/>
+              </a:effectRef>
+              <a:fontRef idx="minor">
+                <a:schemeClr val="lt1"/>
+              </a:fontRef>
+            </p:style>
+            <p:txBody>
+              <a:bodyPr rtlCol="0" anchor="ctr"/>
+              <a:lstStyle/>
+              <a:p>
+                <a:pPr algn="ctr"/>
+                <a:endParaRPr lang="en-US"/>
+              </a:p>
+            </p:txBody>
+          </p:sp>
+        </p:grpSp>
+        <p:grpSp>
+          <p:nvGrpSpPr>
+            <p:cNvPr id="7" name="Gruppieren 6"/>
+            <p:cNvGrpSpPr/>
+            <p:nvPr/>
+          </p:nvGrpSpPr>
+          <p:grpSpPr>
+            <a:xfrm>
+              <a:off x="308093" y="1915584"/>
+              <a:ext cx="4755367" cy="1434158"/>
+              <a:chOff x="308093" y="1131808"/>
+              <a:chExt cx="4755367" cy="1664732"/>
+            </a:xfrm>
+          </p:grpSpPr>
+          <p:sp>
+            <p:nvSpPr>
+              <p:cNvPr id="104" name="Abgerundetes Rechteck 103"/>
+              <p:cNvSpPr/>
+              <p:nvPr/>
+            </p:nvSpPr>
+            <p:spPr>
+              <a:xfrm>
+                <a:off x="308093" y="1609344"/>
+                <a:ext cx="1508760" cy="539496"/>
+              </a:xfrm>
+              <a:prstGeom prst="roundRect">
+                <a:avLst/>
+              </a:prstGeom>
+            </p:spPr>
+            <p:style>
+              <a:lnRef idx="2">
+                <a:schemeClr val="accent1">
+                  <a:shade val="50000"/>
+                </a:schemeClr>
+              </a:lnRef>
+              <a:fillRef idx="1">
+                <a:schemeClr val="accent1"/>
+              </a:fillRef>
+              <a:effectRef idx="0">
+                <a:schemeClr val="accent1"/>
+              </a:effectRef>
+              <a:fontRef idx="minor">
+                <a:schemeClr val="lt1"/>
+              </a:fontRef>
+            </p:style>
+            <p:txBody>
+              <a:bodyPr rtlCol="0" anchor="ctr"/>
+              <a:lstStyle/>
+              <a:p>
+                <a:pPr algn="ctr"/>
+                <a:endParaRPr lang="en-US"/>
+              </a:p>
+            </p:txBody>
+          </p:sp>
+          <p:sp>
+            <p:nvSpPr>
+              <p:cNvPr id="105" name="Abgerundetes Rechteck 104"/>
+              <p:cNvSpPr/>
+              <p:nvPr/>
+            </p:nvSpPr>
+            <p:spPr>
+              <a:xfrm>
+                <a:off x="1824473" y="1609344"/>
+                <a:ext cx="1508760" cy="539496"/>
+              </a:xfrm>
+              <a:prstGeom prst="roundRect">
+                <a:avLst/>
+              </a:prstGeom>
+            </p:spPr>
+            <p:style>
+              <a:lnRef idx="2">
+                <a:schemeClr val="accent1">
+                  <a:shade val="50000"/>
+                </a:schemeClr>
+              </a:lnRef>
+              <a:fillRef idx="1">
+                <a:schemeClr val="accent1"/>
+              </a:fillRef>
+              <a:effectRef idx="0">
+                <a:schemeClr val="accent1"/>
+              </a:effectRef>
+              <a:fontRef idx="minor">
+                <a:schemeClr val="lt1"/>
+              </a:fontRef>
+            </p:style>
+            <p:txBody>
+              <a:bodyPr rtlCol="0" anchor="ctr"/>
+              <a:lstStyle/>
+              <a:p>
+                <a:pPr algn="ctr"/>
+                <a:endParaRPr lang="en-US"/>
+              </a:p>
+            </p:txBody>
+          </p:sp>
+          <p:sp>
+            <p:nvSpPr>
+              <p:cNvPr id="106" name="Abgerundetes Rechteck 105"/>
+              <p:cNvSpPr/>
+              <p:nvPr/>
+            </p:nvSpPr>
+            <p:spPr>
+              <a:xfrm>
+                <a:off x="1824473" y="2257044"/>
+                <a:ext cx="1508760" cy="539496"/>
+              </a:xfrm>
+              <a:prstGeom prst="roundRect">
+                <a:avLst/>
+              </a:prstGeom>
+            </p:spPr>
+            <p:style>
+              <a:lnRef idx="2">
+                <a:schemeClr val="accent1">
+                  <a:shade val="50000"/>
+                </a:schemeClr>
+              </a:lnRef>
+              <a:fillRef idx="1">
+                <a:schemeClr val="accent1"/>
+              </a:fillRef>
+              <a:effectRef idx="0">
+                <a:schemeClr val="accent1"/>
+              </a:effectRef>
+              <a:fontRef idx="minor">
+                <a:schemeClr val="lt1"/>
+              </a:fontRef>
+            </p:style>
+            <p:txBody>
+              <a:bodyPr rtlCol="0" anchor="ctr"/>
+              <a:lstStyle/>
+              <a:p>
+                <a:pPr algn="ctr"/>
+                <a:endParaRPr lang="en-US"/>
+              </a:p>
+            </p:txBody>
+          </p:sp>
+          <p:sp>
+            <p:nvSpPr>
+              <p:cNvPr id="107" name="Textfeld 106"/>
+              <p:cNvSpPr txBox="1"/>
+              <p:nvPr/>
+            </p:nvSpPr>
+            <p:spPr>
+              <a:xfrm>
+                <a:off x="315713" y="1131808"/>
+                <a:ext cx="3017520" cy="369332"/>
+              </a:xfrm>
+              <a:prstGeom prst="rect">
+                <a:avLst/>
+              </a:prstGeom>
+              <a:noFill/>
+            </p:spPr>
+            <p:txBody>
+              <a:bodyPr wrap="square" rtlCol="0">
+                <a:spAutoFit/>
+              </a:bodyPr>
+              <a:lstStyle/>
+              <a:p>
+                <a:pPr algn="ctr"/>
+                <a:r>
+                  <a:rPr lang="en-US" b="1" smtClean="0">
+                    <a:solidFill>
+                      <a:schemeClr val="accent1"/>
+                    </a:solidFill>
+                  </a:rPr>
+                  <a:t>Training</a:t>
+                </a:r>
+                <a:endParaRPr lang="en-US" b="1">
+                  <a:solidFill>
+                    <a:schemeClr val="accent1"/>
+                  </a:solidFill>
+                </a:endParaRPr>
+              </a:p>
+            </p:txBody>
+          </p:sp>
+          <p:sp>
+            <p:nvSpPr>
+              <p:cNvPr id="108" name="Textfeld 107"/>
+              <p:cNvSpPr txBox="1"/>
+              <p:nvPr/>
+            </p:nvSpPr>
+            <p:spPr>
+              <a:xfrm>
+                <a:off x="3119390" y="1131808"/>
+                <a:ext cx="1944070" cy="427934"/>
+              </a:xfrm>
+              <a:prstGeom prst="rect">
+                <a:avLst/>
+              </a:prstGeom>
+              <a:noFill/>
+            </p:spPr>
+            <p:txBody>
+              <a:bodyPr wrap="square" rtlCol="0">
+                <a:spAutoFit/>
+              </a:bodyPr>
+              <a:lstStyle/>
+              <a:p>
+                <a:pPr algn="ctr"/>
+                <a:r>
+                  <a:rPr lang="en-US" b="1" smtClean="0">
+                    <a:solidFill>
+                      <a:schemeClr val="accent4"/>
+                    </a:solidFill>
+                  </a:rPr>
+                  <a:t>Validation</a:t>
+                </a:r>
+                <a:endParaRPr lang="en-US" b="1">
+                  <a:solidFill>
+                    <a:schemeClr val="accent4"/>
+                  </a:solidFill>
+                </a:endParaRPr>
+              </a:p>
+            </p:txBody>
+          </p:sp>
+        </p:grpSp>
+        <p:grpSp>
+          <p:nvGrpSpPr>
+            <p:cNvPr id="8" name="Gruppieren 7"/>
+            <p:cNvGrpSpPr/>
+            <p:nvPr/>
+          </p:nvGrpSpPr>
+          <p:grpSpPr>
+            <a:xfrm>
+              <a:off x="7712868" y="4366244"/>
+              <a:ext cx="3732454" cy="2302749"/>
+              <a:chOff x="7300671" y="3562349"/>
+              <a:chExt cx="3732454" cy="2672969"/>
+            </a:xfrm>
+          </p:grpSpPr>
+          <p:grpSp>
+            <p:nvGrpSpPr>
+              <p:cNvPr id="94" name="Gruppieren 93"/>
+              <p:cNvGrpSpPr/>
+              <p:nvPr/>
+            </p:nvGrpSpPr>
+            <p:grpSpPr>
+              <a:xfrm>
+                <a:off x="7327858" y="3587496"/>
+                <a:ext cx="3679376" cy="2262896"/>
+                <a:chOff x="7327858" y="3537448"/>
+                <a:chExt cx="3679376" cy="2262896"/>
+              </a:xfrm>
+            </p:grpSpPr>
+            <p:grpSp>
+              <p:nvGrpSpPr>
+                <p:cNvPr id="96" name="Gruppieren 95"/>
+                <p:cNvGrpSpPr/>
+                <p:nvPr/>
+              </p:nvGrpSpPr>
+              <p:grpSpPr>
+                <a:xfrm rot="10800000">
+                  <a:off x="8940944" y="3965448"/>
+                  <a:ext cx="557530" cy="1834896"/>
+                  <a:chOff x="5791200" y="996696"/>
+                  <a:chExt cx="557530" cy="1834896"/>
+                </a:xfrm>
+              </p:grpSpPr>
+              <p:sp>
+                <p:nvSpPr>
+                  <p:cNvPr id="102" name="Geschweifte Klammer links 101"/>
+                  <p:cNvSpPr/>
+                  <p:nvPr/>
+                </p:nvSpPr>
+                <p:spPr>
+                  <a:xfrm>
+                    <a:off x="5955030" y="996696"/>
+                    <a:ext cx="393700" cy="1834896"/>
+                  </a:xfrm>
+                  <a:prstGeom prst="leftBrace">
+                    <a:avLst>
+                      <a:gd name="adj1" fmla="val 8333"/>
+                      <a:gd name="adj2" fmla="val 51038"/>
+                    </a:avLst>
+                  </a:prstGeom>
+                  <a:ln w="38100"/>
+                </p:spPr>
+                <p:style>
+                  <a:lnRef idx="1">
+                    <a:schemeClr val="accent1"/>
+                  </a:lnRef>
+                  <a:fillRef idx="0">
+                    <a:schemeClr val="accent1"/>
+                  </a:fillRef>
+                  <a:effectRef idx="0">
+                    <a:schemeClr val="accent1"/>
+                  </a:effectRef>
+                  <a:fontRef idx="minor">
+                    <a:schemeClr val="tx1"/>
+                  </a:fontRef>
+                </p:style>
+                <p:txBody>
+                  <a:bodyPr rtlCol="0" anchor="ctr"/>
+                  <a:lstStyle/>
+                  <a:p>
+                    <a:pPr algn="ctr"/>
+                    <a:endParaRPr lang="en-US"/>
+                  </a:p>
+                </p:txBody>
+              </p:sp>
+              <p:sp>
+                <p:nvSpPr>
+                  <p:cNvPr id="103" name="Rechteck 102"/>
+                  <p:cNvSpPr/>
+                  <p:nvPr/>
+                </p:nvSpPr>
+                <p:spPr>
+                  <a:xfrm>
+                    <a:off x="5791200" y="1787144"/>
+                    <a:ext cx="156210" cy="254000"/>
+                  </a:xfrm>
+                  <a:prstGeom prst="rect">
+                    <a:avLst/>
+                  </a:prstGeom>
+                  <a:solidFill>
+                    <a:schemeClr val="bg1"/>
+                  </a:solidFill>
+                  <a:ln>
+                    <a:solidFill>
+                      <a:schemeClr val="bg1"/>
+                    </a:solidFill>
+                  </a:ln>
+                </p:spPr>
+                <p:style>
+                  <a:lnRef idx="2">
+                    <a:schemeClr val="accent1">
+                      <a:shade val="50000"/>
+                    </a:schemeClr>
+                  </a:lnRef>
+                  <a:fillRef idx="1">
+                    <a:schemeClr val="accent1"/>
+                  </a:fillRef>
+                  <a:effectRef idx="0">
+                    <a:schemeClr val="accent1"/>
+                  </a:effectRef>
+                  <a:fontRef idx="minor">
+                    <a:schemeClr val="lt1"/>
+                  </a:fontRef>
+                </p:style>
+                <p:txBody>
+                  <a:bodyPr rtlCol="0" anchor="ctr"/>
+                  <a:lstStyle/>
+                  <a:p>
+                    <a:pPr algn="ctr"/>
+                    <a:endParaRPr lang="en-US"/>
+                  </a:p>
+                </p:txBody>
+              </p:sp>
+            </p:grpSp>
+            <p:sp>
+              <p:nvSpPr>
+                <p:cNvPr id="97" name="Abgerundetes Rechteck 96"/>
+                <p:cNvSpPr/>
+                <p:nvPr/>
+              </p:nvSpPr>
+              <p:spPr>
+                <a:xfrm>
+                  <a:off x="7327858" y="3965448"/>
+                  <a:ext cx="1508760" cy="539496"/>
+                </a:xfrm>
+                <a:prstGeom prst="roundRect">
+                  <a:avLst/>
+                </a:prstGeom>
+                <a:solidFill>
+                  <a:schemeClr val="accent4"/>
+                </a:solidFill>
+              </p:spPr>
+              <p:style>
+                <a:lnRef idx="2">
+                  <a:schemeClr val="accent1">
+                    <a:shade val="50000"/>
+                  </a:schemeClr>
+                </a:lnRef>
+                <a:fillRef idx="1">
+                  <a:schemeClr val="accent1"/>
+                </a:fillRef>
+                <a:effectRef idx="0">
+                  <a:schemeClr val="accent1"/>
+                </a:effectRef>
+                <a:fontRef idx="minor">
+                  <a:schemeClr val="lt1"/>
+                </a:fontRef>
+              </p:style>
+              <p:txBody>
+                <a:bodyPr rtlCol="0" anchor="ctr"/>
+                <a:lstStyle/>
+                <a:p>
+                  <a:pPr algn="ctr"/>
+                  <a:endParaRPr lang="en-US"/>
+                </a:p>
+              </p:txBody>
+            </p:sp>
+            <p:sp>
+              <p:nvSpPr>
+                <p:cNvPr id="98" name="Abgerundetes Rechteck 97"/>
+                <p:cNvSpPr/>
+                <p:nvPr/>
+              </p:nvSpPr>
+              <p:spPr>
+                <a:xfrm>
+                  <a:off x="7327858" y="4613148"/>
+                  <a:ext cx="1508760" cy="539496"/>
+                </a:xfrm>
+                <a:prstGeom prst="roundRect">
+                  <a:avLst/>
+                </a:prstGeom>
+                <a:solidFill>
+                  <a:schemeClr val="accent4"/>
+                </a:solidFill>
+              </p:spPr>
+              <p:style>
+                <a:lnRef idx="2">
+                  <a:schemeClr val="accent1">
+                    <a:shade val="50000"/>
+                  </a:schemeClr>
+                </a:lnRef>
+                <a:fillRef idx="1">
+                  <a:schemeClr val="accent1"/>
+                </a:fillRef>
+                <a:effectRef idx="0">
+                  <a:schemeClr val="accent1"/>
+                </a:effectRef>
+                <a:fontRef idx="minor">
+                  <a:schemeClr val="lt1"/>
+                </a:fontRef>
+              </p:style>
+              <p:txBody>
+                <a:bodyPr rtlCol="0" anchor="ctr"/>
+                <a:lstStyle/>
+                <a:p>
+                  <a:pPr algn="ctr"/>
+                  <a:endParaRPr lang="en-US"/>
+                </a:p>
+              </p:txBody>
+            </p:sp>
+            <p:sp>
+              <p:nvSpPr>
+                <p:cNvPr id="99" name="Abgerundetes Rechteck 98"/>
+                <p:cNvSpPr/>
+                <p:nvPr/>
+              </p:nvSpPr>
+              <p:spPr>
+                <a:xfrm>
+                  <a:off x="7335478" y="5260848"/>
+                  <a:ext cx="1508760" cy="539496"/>
+                </a:xfrm>
+                <a:prstGeom prst="roundRect">
+                  <a:avLst/>
+                </a:prstGeom>
+                <a:solidFill>
+                  <a:schemeClr val="accent4"/>
+                </a:solidFill>
+              </p:spPr>
+              <p:style>
+                <a:lnRef idx="2">
+                  <a:schemeClr val="accent1">
+                    <a:shade val="50000"/>
+                  </a:schemeClr>
+                </a:lnRef>
+                <a:fillRef idx="1">
+                  <a:schemeClr val="accent1"/>
+                </a:fillRef>
+                <a:effectRef idx="0">
+                  <a:schemeClr val="accent1"/>
+                </a:effectRef>
+                <a:fontRef idx="minor">
+                  <a:schemeClr val="lt1"/>
+                </a:fontRef>
+              </p:style>
+              <p:txBody>
+                <a:bodyPr rtlCol="0" anchor="ctr"/>
+                <a:lstStyle/>
+                <a:p>
+                  <a:pPr algn="ctr"/>
+                  <a:endParaRPr lang="en-US"/>
+                </a:p>
+              </p:txBody>
+            </p:sp>
+            <p:sp>
+              <p:nvSpPr>
+                <p:cNvPr id="100" name="Abgerundetes Rechteck 99"/>
+                <p:cNvSpPr/>
+                <p:nvPr/>
+              </p:nvSpPr>
+              <p:spPr>
+                <a:xfrm>
+                  <a:off x="9498474" y="3965448"/>
+                  <a:ext cx="1508760" cy="1834896"/>
+                </a:xfrm>
+                <a:prstGeom prst="roundRect">
+                  <a:avLst/>
+                </a:prstGeom>
+                <a:solidFill>
+                  <a:schemeClr val="accent4"/>
+                </a:solidFill>
+              </p:spPr>
+              <p:style>
+                <a:lnRef idx="2">
+                  <a:schemeClr val="accent1">
+                    <a:shade val="50000"/>
+                  </a:schemeClr>
+                </a:lnRef>
+                <a:fillRef idx="1">
+                  <a:schemeClr val="accent1"/>
+                </a:fillRef>
+                <a:effectRef idx="0">
+                  <a:schemeClr val="accent1"/>
+                </a:effectRef>
+                <a:fontRef idx="minor">
+                  <a:schemeClr val="lt1"/>
+                </a:fontRef>
+              </p:style>
+              <p:txBody>
+                <a:bodyPr rtlCol="0" anchor="ctr"/>
+                <a:lstStyle/>
+                <a:p>
+                  <a:pPr algn="ctr"/>
+                  <a:endParaRPr lang="en-US"/>
+                </a:p>
+              </p:txBody>
+            </p:sp>
+            <p:sp>
+              <p:nvSpPr>
+                <p:cNvPr id="101" name="Textfeld 100"/>
+                <p:cNvSpPr txBox="1"/>
+                <p:nvPr/>
+              </p:nvSpPr>
+              <p:spPr>
+                <a:xfrm>
+                  <a:off x="7327858" y="3537448"/>
+                  <a:ext cx="3679376" cy="427934"/>
+                </a:xfrm>
+                <a:prstGeom prst="rect">
+                  <a:avLst/>
+                </a:prstGeom>
+                <a:noFill/>
+              </p:spPr>
+              <p:txBody>
+                <a:bodyPr wrap="square" rtlCol="0">
+                  <a:spAutoFit/>
+                </a:bodyPr>
+                <a:lstStyle/>
+                <a:p>
+                  <a:pPr algn="ctr"/>
+                  <a:r>
+                    <a:rPr lang="en-US" b="1" smtClean="0">
+                      <a:solidFill>
+                        <a:schemeClr val="accent4"/>
+                      </a:solidFill>
+                    </a:rPr>
+                    <a:t>Score</a:t>
+                  </a:r>
+                  <a:r>
+                    <a:rPr lang="en-US" smtClean="0"/>
+                    <a:t> </a:t>
+                  </a:r>
+                  <a:r>
+                    <a:rPr lang="en-US" sz="1600" b="1" smtClean="0">
+                      <a:solidFill>
+                        <a:schemeClr val="accent4"/>
+                      </a:solidFill>
+                    </a:rPr>
+                    <a:t>Normalization</a:t>
+                  </a:r>
+                  <a:endParaRPr lang="en-US" b="1">
+                    <a:solidFill>
+                      <a:schemeClr val="accent4"/>
+                    </a:solidFill>
+                  </a:endParaRPr>
+                </a:p>
+              </p:txBody>
+            </p:sp>
+          </p:grpSp>
+          <p:sp>
+            <p:nvSpPr>
+              <p:cNvPr id="95" name="Abgerundetes Rechteck 94"/>
+              <p:cNvSpPr/>
+              <p:nvPr/>
+            </p:nvSpPr>
+            <p:spPr>
+              <a:xfrm>
+                <a:off x="7300671" y="3562349"/>
+                <a:ext cx="3732454" cy="2672969"/>
+              </a:xfrm>
+              <a:prstGeom prst="roundRect">
+                <a:avLst/>
+              </a:prstGeom>
+              <a:noFill/>
+              <a:ln>
+                <a:solidFill>
+                  <a:schemeClr val="tx2"/>
+                </a:solidFill>
+              </a:ln>
+            </p:spPr>
+            <p:style>
+              <a:lnRef idx="2">
+                <a:schemeClr val="accent1">
+                  <a:shade val="50000"/>
+                </a:schemeClr>
+              </a:lnRef>
+              <a:fillRef idx="1">
+                <a:schemeClr val="accent1"/>
+              </a:fillRef>
+              <a:effectRef idx="0">
+                <a:schemeClr val="accent1"/>
+              </a:effectRef>
+              <a:fontRef idx="minor">
+                <a:schemeClr val="lt1"/>
+              </a:fontRef>
+            </p:style>
+            <p:txBody>
+              <a:bodyPr rtlCol="0" anchor="ctr"/>
+              <a:lstStyle/>
+              <a:p>
+                <a:pPr algn="ctr"/>
+                <a:endParaRPr lang="en-US"/>
+              </a:p>
+            </p:txBody>
+          </p:sp>
+        </p:grpSp>
+        <p:sp>
+          <p:nvSpPr>
+            <p:cNvPr id="9" name="Abgerundetes Rechteck 8"/>
+            <p:cNvSpPr/>
+            <p:nvPr/>
+          </p:nvSpPr>
+          <p:spPr>
+            <a:xfrm>
+              <a:off x="86627" y="76200"/>
+              <a:ext cx="12018746" cy="6714423"/>
+            </a:xfrm>
+            <a:prstGeom prst="roundRect">
+              <a:avLst/>
+            </a:prstGeom>
+            <a:noFill/>
+            <a:ln w="38100">
+              <a:solidFill>
+                <a:schemeClr val="tx1"/>
+              </a:solidFill>
+            </a:ln>
+          </p:spPr>
+          <p:style>
+            <a:lnRef idx="2">
+              <a:schemeClr val="accent1">
+                <a:shade val="50000"/>
+              </a:schemeClr>
+            </a:lnRef>
+            <a:fillRef idx="1">
+              <a:schemeClr val="accent1"/>
+            </a:fillRef>
+            <a:effectRef idx="0">
+              <a:schemeClr val="accent1"/>
+            </a:effectRef>
+            <a:fontRef idx="minor">
+              <a:schemeClr val="lt1"/>
+            </a:fontRef>
+          </p:style>
+          <p:txBody>
+            <a:bodyPr rtlCol="0" anchor="ctr"/>
+            <a:lstStyle/>
+            <a:p>
+              <a:pPr algn="ctr"/>
+              <a:endParaRPr lang="en-US"/>
+            </a:p>
+          </p:txBody>
+        </p:sp>
+        <p:sp>
+          <p:nvSpPr>
+            <p:cNvPr id="10" name="Abgerundetes Rechteck 9"/>
+            <p:cNvSpPr/>
+            <p:nvPr/>
+          </p:nvSpPr>
+          <p:spPr>
+            <a:xfrm>
+              <a:off x="308093" y="847558"/>
+              <a:ext cx="2263141" cy="458512"/>
+            </a:xfrm>
+            <a:prstGeom prst="roundRect">
+              <a:avLst/>
+            </a:prstGeom>
+            <a:pattFill prst="wdUpDiag">
+              <a:fgClr>
+                <a:schemeClr val="accent1"/>
+              </a:fgClr>
+              <a:bgClr>
+                <a:schemeClr val="tx1"/>
+              </a:bgClr>
+            </a:pattFill>
+          </p:spPr>
+          <p:style>
+            <a:lnRef idx="2">
+              <a:schemeClr val="accent1">
+                <a:shade val="50000"/>
+              </a:schemeClr>
+            </a:lnRef>
+            <a:fillRef idx="1">
+              <a:schemeClr val="accent1"/>
+            </a:fillRef>
+            <a:effectRef idx="0">
+              <a:schemeClr val="accent1"/>
+            </a:effectRef>
+            <a:fontRef idx="minor">
+              <a:schemeClr val="lt1"/>
+            </a:fontRef>
+          </p:style>
+          <p:txBody>
+            <a:bodyPr rtlCol="0" anchor="ctr"/>
+            <a:lstStyle/>
+            <a:p>
+              <a:pPr algn="ctr"/>
+              <a:endParaRPr lang="en-US"/>
+            </a:p>
+          </p:txBody>
+        </p:sp>
+        <p:sp>
+          <p:nvSpPr>
+            <p:cNvPr id="11" name="Abgerundetes Rechteck 10"/>
+            <p:cNvSpPr/>
+            <p:nvPr/>
+          </p:nvSpPr>
+          <p:spPr>
+            <a:xfrm>
+              <a:off x="2571234" y="850206"/>
+              <a:ext cx="2285999" cy="458512"/>
+            </a:xfrm>
+            <a:prstGeom prst="roundRect">
+              <a:avLst/>
+            </a:prstGeom>
+            <a:pattFill prst="wdUpDiag">
+              <a:fgClr>
+                <a:schemeClr val="accent1"/>
+              </a:fgClr>
+              <a:bgClr>
+                <a:schemeClr val="bg1"/>
+              </a:bgClr>
+            </a:pattFill>
+          </p:spPr>
+          <p:style>
+            <a:lnRef idx="2">
+              <a:schemeClr val="accent1">
+                <a:shade val="50000"/>
+              </a:schemeClr>
+            </a:lnRef>
+            <a:fillRef idx="1">
+              <a:schemeClr val="accent1"/>
+            </a:fillRef>
+            <a:effectRef idx="0">
+              <a:schemeClr val="accent1"/>
+            </a:effectRef>
+            <a:fontRef idx="minor">
+              <a:schemeClr val="lt1"/>
+            </a:fontRef>
+          </p:style>
+          <p:txBody>
+            <a:bodyPr rtlCol="0" anchor="ctr"/>
+            <a:lstStyle/>
+            <a:p>
+              <a:pPr algn="ctr"/>
+              <a:endParaRPr lang="en-US"/>
+            </a:p>
+          </p:txBody>
+        </p:sp>
+        <p:sp>
+          <p:nvSpPr>
+            <p:cNvPr id="12" name="Abgerundetes Rechteck 11"/>
+            <p:cNvSpPr/>
+            <p:nvPr/>
+          </p:nvSpPr>
+          <p:spPr>
+            <a:xfrm>
+              <a:off x="308092" y="2326979"/>
+              <a:ext cx="746761" cy="464329"/>
+            </a:xfrm>
+            <a:prstGeom prst="roundRect">
+              <a:avLst/>
+            </a:prstGeom>
+            <a:pattFill prst="dkUpDiag">
+              <a:fgClr>
+                <a:schemeClr val="tx1"/>
+              </a:fgClr>
+              <a:bgClr>
+                <a:schemeClr val="accent1"/>
+              </a:bgClr>
+            </a:pattFill>
+          </p:spPr>
+          <p:style>
+            <a:lnRef idx="2">
+              <a:schemeClr val="accent1">
+                <a:shade val="50000"/>
+              </a:schemeClr>
+            </a:lnRef>
+            <a:fillRef idx="1">
+              <a:schemeClr val="accent1"/>
+            </a:fillRef>
+            <a:effectRef idx="0">
+              <a:schemeClr val="accent1"/>
+            </a:effectRef>
+            <a:fontRef idx="minor">
+              <a:schemeClr val="lt1"/>
+            </a:fontRef>
+          </p:style>
+          <p:txBody>
+            <a:bodyPr rtlCol="0" anchor="ctr"/>
+            <a:lstStyle/>
+            <a:p>
+              <a:pPr algn="ctr"/>
+              <a:endParaRPr lang="en-US"/>
+            </a:p>
+          </p:txBody>
+        </p:sp>
+        <p:sp>
+          <p:nvSpPr>
+            <p:cNvPr id="13" name="Abgerundetes Rechteck 12"/>
+            <p:cNvSpPr/>
+            <p:nvPr/>
+          </p:nvSpPr>
+          <p:spPr>
+            <a:xfrm>
+              <a:off x="1054854" y="2326979"/>
+              <a:ext cx="761874" cy="464329"/>
+            </a:xfrm>
+            <a:prstGeom prst="roundRect">
+              <a:avLst/>
+            </a:prstGeom>
+            <a:pattFill prst="dkUpDiag">
+              <a:fgClr>
+                <a:schemeClr val="bg1"/>
+              </a:fgClr>
+              <a:bgClr>
+                <a:schemeClr val="accent1"/>
+              </a:bgClr>
+            </a:pattFill>
+          </p:spPr>
+          <p:style>
+            <a:lnRef idx="2">
+              <a:schemeClr val="accent1">
+                <a:shade val="50000"/>
+              </a:schemeClr>
+            </a:lnRef>
+            <a:fillRef idx="1">
+              <a:schemeClr val="accent1"/>
+            </a:fillRef>
+            <a:effectRef idx="0">
+              <a:schemeClr val="accent1"/>
+            </a:effectRef>
+            <a:fontRef idx="minor">
+              <a:schemeClr val="lt1"/>
+            </a:fontRef>
+          </p:style>
+          <p:txBody>
+            <a:bodyPr rtlCol="0" anchor="ctr"/>
+            <a:lstStyle/>
+            <a:p>
+              <a:pPr algn="ctr"/>
+              <a:endParaRPr lang="en-US"/>
+            </a:p>
+          </p:txBody>
+        </p:sp>
+        <p:sp>
+          <p:nvSpPr>
+            <p:cNvPr id="14" name="Abgerundetes Rechteck 13"/>
+            <p:cNvSpPr/>
+            <p:nvPr/>
+          </p:nvSpPr>
+          <p:spPr>
+            <a:xfrm>
+              <a:off x="1824472" y="2326979"/>
+              <a:ext cx="746761" cy="464329"/>
+            </a:xfrm>
+            <a:prstGeom prst="roundRect">
+              <a:avLst/>
+            </a:prstGeom>
+            <a:pattFill prst="dkUpDiag">
+              <a:fgClr>
+                <a:schemeClr val="tx1"/>
+              </a:fgClr>
+              <a:bgClr>
+                <a:schemeClr val="accent1"/>
+              </a:bgClr>
+            </a:pattFill>
+          </p:spPr>
+          <p:style>
+            <a:lnRef idx="2">
+              <a:schemeClr val="accent1">
+                <a:shade val="50000"/>
+              </a:schemeClr>
+            </a:lnRef>
+            <a:fillRef idx="1">
+              <a:schemeClr val="accent1"/>
+            </a:fillRef>
+            <a:effectRef idx="0">
+              <a:schemeClr val="accent1"/>
+            </a:effectRef>
+            <a:fontRef idx="minor">
+              <a:schemeClr val="lt1"/>
+            </a:fontRef>
+          </p:style>
+          <p:txBody>
+            <a:bodyPr rtlCol="0" anchor="ctr"/>
+            <a:lstStyle/>
+            <a:p>
+              <a:pPr algn="ctr"/>
+              <a:endParaRPr lang="en-US"/>
+            </a:p>
+          </p:txBody>
+        </p:sp>
+        <p:sp>
+          <p:nvSpPr>
+            <p:cNvPr id="15" name="Abgerundetes Rechteck 14"/>
+            <p:cNvSpPr/>
+            <p:nvPr/>
+          </p:nvSpPr>
+          <p:spPr>
+            <a:xfrm>
+              <a:off x="2571234" y="2326979"/>
+              <a:ext cx="761874" cy="464329"/>
+            </a:xfrm>
+            <a:prstGeom prst="roundRect">
+              <a:avLst/>
+            </a:prstGeom>
+            <a:pattFill prst="dkUpDiag">
+              <a:fgClr>
+                <a:schemeClr val="bg1"/>
+              </a:fgClr>
+              <a:bgClr>
+                <a:schemeClr val="accent1"/>
+              </a:bgClr>
+            </a:pattFill>
+          </p:spPr>
+          <p:style>
+            <a:lnRef idx="2">
+              <a:schemeClr val="accent1">
+                <a:shade val="50000"/>
+              </a:schemeClr>
+            </a:lnRef>
+            <a:fillRef idx="1">
+              <a:schemeClr val="accent1"/>
+            </a:fillRef>
+            <a:effectRef idx="0">
+              <a:schemeClr val="accent1"/>
+            </a:effectRef>
+            <a:fontRef idx="minor">
+              <a:schemeClr val="lt1"/>
+            </a:fontRef>
+          </p:style>
+          <p:txBody>
+            <a:bodyPr rtlCol="0" anchor="ctr"/>
+            <a:lstStyle/>
+            <a:p>
+              <a:pPr algn="ctr"/>
+              <a:endParaRPr lang="en-US"/>
+            </a:p>
+          </p:txBody>
+        </p:sp>
+        <p:grpSp>
+          <p:nvGrpSpPr>
+            <p:cNvPr id="16" name="Gruppieren 15"/>
+            <p:cNvGrpSpPr/>
+            <p:nvPr/>
+          </p:nvGrpSpPr>
+          <p:grpSpPr>
+            <a:xfrm>
+              <a:off x="1824471" y="2883384"/>
+              <a:ext cx="1508636" cy="464329"/>
+              <a:chOff x="1824471" y="2255204"/>
+              <a:chExt cx="1508636" cy="538981"/>
+            </a:xfrm>
+          </p:grpSpPr>
+          <p:sp>
+            <p:nvSpPr>
+              <p:cNvPr id="92" name="Abgerundetes Rechteck 91"/>
+              <p:cNvSpPr/>
+              <p:nvPr/>
+            </p:nvSpPr>
+            <p:spPr>
+              <a:xfrm>
+                <a:off x="1824471" y="2255204"/>
+                <a:ext cx="746761" cy="538981"/>
+              </a:xfrm>
+              <a:prstGeom prst="roundRect">
+                <a:avLst/>
+              </a:prstGeom>
+              <a:pattFill prst="dkUpDiag">
+                <a:fgClr>
+                  <a:schemeClr val="tx1"/>
+                </a:fgClr>
+                <a:bgClr>
+                  <a:schemeClr val="accent1"/>
+                </a:bgClr>
+              </a:pattFill>
+            </p:spPr>
+            <p:style>
+              <a:lnRef idx="2">
+                <a:schemeClr val="accent1">
+                  <a:shade val="50000"/>
+                </a:schemeClr>
+              </a:lnRef>
+              <a:fillRef idx="1">
+                <a:schemeClr val="accent1"/>
+              </a:fillRef>
+              <a:effectRef idx="0">
+                <a:schemeClr val="accent1"/>
+              </a:effectRef>
+              <a:fontRef idx="minor">
+                <a:schemeClr val="lt1"/>
+              </a:fontRef>
+            </p:style>
+            <p:txBody>
+              <a:bodyPr rtlCol="0" anchor="ctr"/>
+              <a:lstStyle/>
+              <a:p>
+                <a:pPr algn="ctr"/>
+                <a:endParaRPr lang="en-US"/>
+              </a:p>
+            </p:txBody>
+          </p:sp>
+          <p:sp>
+            <p:nvSpPr>
+              <p:cNvPr id="93" name="Abgerundetes Rechteck 92"/>
+              <p:cNvSpPr/>
+              <p:nvPr/>
+            </p:nvSpPr>
+            <p:spPr>
+              <a:xfrm>
+                <a:off x="2571233" y="2255204"/>
+                <a:ext cx="761874" cy="538981"/>
+              </a:xfrm>
+              <a:prstGeom prst="roundRect">
+                <a:avLst/>
+              </a:prstGeom>
+              <a:pattFill prst="dkUpDiag">
+                <a:fgClr>
+                  <a:schemeClr val="bg1"/>
+                </a:fgClr>
+                <a:bgClr>
+                  <a:schemeClr val="accent1"/>
+                </a:bgClr>
+              </a:pattFill>
+            </p:spPr>
+            <p:style>
+              <a:lnRef idx="2">
+                <a:schemeClr val="accent1">
+                  <a:shade val="50000"/>
+                </a:schemeClr>
+              </a:lnRef>
+              <a:fillRef idx="1">
+                <a:schemeClr val="accent1"/>
+              </a:fillRef>
+              <a:effectRef idx="0">
+                <a:schemeClr val="accent1"/>
+              </a:effectRef>
+              <a:fontRef idx="minor">
+                <a:schemeClr val="lt1"/>
+              </a:fontRef>
+            </p:style>
+            <p:txBody>
+              <a:bodyPr rtlCol="0" anchor="ctr"/>
+              <a:lstStyle/>
+              <a:p>
+                <a:pPr algn="ctr"/>
+                <a:endParaRPr lang="en-US"/>
+              </a:p>
+            </p:txBody>
+          </p:sp>
+        </p:grpSp>
+        <p:grpSp>
+          <p:nvGrpSpPr>
+            <p:cNvPr id="17" name="Gruppieren 16"/>
+            <p:cNvGrpSpPr/>
+            <p:nvPr/>
+          </p:nvGrpSpPr>
+          <p:grpSpPr>
+            <a:xfrm>
+              <a:off x="3344379" y="2883384"/>
+              <a:ext cx="1508762" cy="466358"/>
+              <a:chOff x="3344379" y="2255204"/>
+              <a:chExt cx="1508762" cy="541336"/>
+            </a:xfrm>
+          </p:grpSpPr>
+          <p:sp>
+            <p:nvSpPr>
+              <p:cNvPr id="89" name="Abgerundetes Rechteck 88"/>
+              <p:cNvSpPr/>
+              <p:nvPr/>
+            </p:nvSpPr>
+            <p:spPr>
+              <a:xfrm>
+                <a:off x="3344381" y="2257044"/>
+                <a:ext cx="1508760" cy="539496"/>
+              </a:xfrm>
+              <a:prstGeom prst="roundRect">
+                <a:avLst/>
+              </a:prstGeom>
+            </p:spPr>
+            <p:style>
+              <a:lnRef idx="2">
+                <a:schemeClr val="accent1">
+                  <a:shade val="50000"/>
+                </a:schemeClr>
+              </a:lnRef>
+              <a:fillRef idx="1">
+                <a:schemeClr val="accent1"/>
+              </a:fillRef>
+              <a:effectRef idx="0">
+                <a:schemeClr val="accent1"/>
+              </a:effectRef>
+              <a:fontRef idx="minor">
+                <a:schemeClr val="lt1"/>
+              </a:fontRef>
+            </p:style>
+            <p:txBody>
+              <a:bodyPr rtlCol="0" anchor="ctr"/>
+              <a:lstStyle/>
+              <a:p>
+                <a:pPr algn="ctr"/>
+                <a:endParaRPr lang="en-US"/>
+              </a:p>
+            </p:txBody>
+          </p:sp>
+          <p:sp>
+            <p:nvSpPr>
+              <p:cNvPr id="90" name="Abgerundetes Rechteck 89"/>
+              <p:cNvSpPr/>
+              <p:nvPr/>
+            </p:nvSpPr>
+            <p:spPr>
+              <a:xfrm>
+                <a:off x="3344379" y="2255204"/>
+                <a:ext cx="746761" cy="538981"/>
+              </a:xfrm>
+              <a:prstGeom prst="roundRect">
+                <a:avLst/>
+              </a:prstGeom>
+              <a:pattFill prst="dkUpDiag">
+                <a:fgClr>
+                  <a:schemeClr val="tx1"/>
+                </a:fgClr>
+                <a:bgClr>
+                  <a:schemeClr val="accent1"/>
+                </a:bgClr>
+              </a:pattFill>
+            </p:spPr>
+            <p:style>
+              <a:lnRef idx="2">
+                <a:schemeClr val="accent1">
+                  <a:shade val="50000"/>
+                </a:schemeClr>
+              </a:lnRef>
+              <a:fillRef idx="1">
+                <a:schemeClr val="accent1"/>
+              </a:fillRef>
+              <a:effectRef idx="0">
+                <a:schemeClr val="accent1"/>
+              </a:effectRef>
+              <a:fontRef idx="minor">
+                <a:schemeClr val="lt1"/>
+              </a:fontRef>
+            </p:style>
+            <p:txBody>
+              <a:bodyPr rtlCol="0" anchor="ctr"/>
+              <a:lstStyle/>
+              <a:p>
+                <a:pPr algn="ctr"/>
+                <a:endParaRPr lang="en-US"/>
+              </a:p>
+            </p:txBody>
+          </p:sp>
+          <p:sp>
+            <p:nvSpPr>
+              <p:cNvPr id="91" name="Abgerundetes Rechteck 90"/>
+              <p:cNvSpPr/>
+              <p:nvPr/>
+            </p:nvSpPr>
+            <p:spPr>
+              <a:xfrm>
+                <a:off x="4091141" y="2255204"/>
+                <a:ext cx="761874" cy="538981"/>
+              </a:xfrm>
+              <a:prstGeom prst="roundRect">
+                <a:avLst/>
+              </a:prstGeom>
+              <a:pattFill prst="dkUpDiag">
+                <a:fgClr>
+                  <a:schemeClr val="bg1"/>
+                </a:fgClr>
+                <a:bgClr>
+                  <a:schemeClr val="accent1"/>
+                </a:bgClr>
+              </a:pattFill>
+            </p:spPr>
+            <p:style>
+              <a:lnRef idx="2">
+                <a:schemeClr val="accent1">
+                  <a:shade val="50000"/>
+                </a:schemeClr>
+              </a:lnRef>
+              <a:fillRef idx="1">
+                <a:schemeClr val="accent1"/>
+              </a:fillRef>
+              <a:effectRef idx="0">
+                <a:schemeClr val="accent1"/>
+              </a:effectRef>
+              <a:fontRef idx="minor">
+                <a:schemeClr val="lt1"/>
+              </a:fontRef>
+            </p:style>
+            <p:txBody>
+              <a:bodyPr rtlCol="0" anchor="ctr"/>
+              <a:lstStyle/>
+              <a:p>
+                <a:pPr algn="ctr"/>
+                <a:endParaRPr lang="en-US"/>
+              </a:p>
+            </p:txBody>
+          </p:sp>
+        </p:grpSp>
+        <p:grpSp>
+          <p:nvGrpSpPr>
+            <p:cNvPr id="18" name="Gruppieren 17"/>
+            <p:cNvGrpSpPr/>
+            <p:nvPr/>
+          </p:nvGrpSpPr>
+          <p:grpSpPr>
+            <a:xfrm>
+              <a:off x="324252" y="3438331"/>
+              <a:ext cx="1508762" cy="466358"/>
+              <a:chOff x="324252" y="2899372"/>
+              <a:chExt cx="1508762" cy="541336"/>
+            </a:xfrm>
+          </p:grpSpPr>
+          <p:sp>
+            <p:nvSpPr>
+              <p:cNvPr id="86" name="Abgerundetes Rechteck 85"/>
+              <p:cNvSpPr/>
+              <p:nvPr/>
+            </p:nvSpPr>
+            <p:spPr>
+              <a:xfrm>
+                <a:off x="324254" y="2901212"/>
+                <a:ext cx="1508760" cy="539496"/>
+              </a:xfrm>
+              <a:prstGeom prst="roundRect">
+                <a:avLst/>
+              </a:prstGeom>
+            </p:spPr>
+            <p:style>
+              <a:lnRef idx="2">
+                <a:schemeClr val="accent1">
+                  <a:shade val="50000"/>
+                </a:schemeClr>
+              </a:lnRef>
+              <a:fillRef idx="1">
+                <a:schemeClr val="accent1"/>
+              </a:fillRef>
+              <a:effectRef idx="0">
+                <a:schemeClr val="accent1"/>
+              </a:effectRef>
+              <a:fontRef idx="minor">
+                <a:schemeClr val="lt1"/>
+              </a:fontRef>
+            </p:style>
+            <p:txBody>
+              <a:bodyPr rtlCol="0" anchor="ctr"/>
+              <a:lstStyle/>
+              <a:p>
+                <a:pPr algn="ctr"/>
+                <a:endParaRPr lang="en-US"/>
+              </a:p>
+            </p:txBody>
+          </p:sp>
+          <p:sp>
+            <p:nvSpPr>
+              <p:cNvPr id="87" name="Abgerundetes Rechteck 86"/>
+              <p:cNvSpPr/>
+              <p:nvPr/>
+            </p:nvSpPr>
+            <p:spPr>
+              <a:xfrm>
+                <a:off x="324252" y="2899372"/>
+                <a:ext cx="746761" cy="538981"/>
+              </a:xfrm>
+              <a:prstGeom prst="roundRect">
+                <a:avLst/>
+              </a:prstGeom>
+              <a:pattFill prst="dkUpDiag">
+                <a:fgClr>
+                  <a:schemeClr val="tx1"/>
+                </a:fgClr>
+                <a:bgClr>
+                  <a:schemeClr val="accent1"/>
+                </a:bgClr>
+              </a:pattFill>
+            </p:spPr>
+            <p:style>
+              <a:lnRef idx="2">
+                <a:schemeClr val="accent1">
+                  <a:shade val="50000"/>
+                </a:schemeClr>
+              </a:lnRef>
+              <a:fillRef idx="1">
+                <a:schemeClr val="accent1"/>
+              </a:fillRef>
+              <a:effectRef idx="0">
+                <a:schemeClr val="accent1"/>
+              </a:effectRef>
+              <a:fontRef idx="minor">
+                <a:schemeClr val="lt1"/>
+              </a:fontRef>
+            </p:style>
+            <p:txBody>
+              <a:bodyPr rtlCol="0" anchor="ctr"/>
+              <a:lstStyle/>
+              <a:p>
+                <a:pPr algn="ctr"/>
+                <a:endParaRPr lang="en-US"/>
+              </a:p>
+            </p:txBody>
+          </p:sp>
+          <p:sp>
+            <p:nvSpPr>
+              <p:cNvPr id="88" name="Abgerundetes Rechteck 87"/>
+              <p:cNvSpPr/>
+              <p:nvPr/>
+            </p:nvSpPr>
+            <p:spPr>
+              <a:xfrm>
+                <a:off x="1071014" y="2899372"/>
+                <a:ext cx="761874" cy="538981"/>
+              </a:xfrm>
+              <a:prstGeom prst="roundRect">
+                <a:avLst/>
+              </a:prstGeom>
+              <a:pattFill prst="dkUpDiag">
+                <a:fgClr>
+                  <a:schemeClr val="bg1"/>
+                </a:fgClr>
+                <a:bgClr>
+                  <a:schemeClr val="accent1"/>
+                </a:bgClr>
+              </a:pattFill>
+            </p:spPr>
+            <p:style>
+              <a:lnRef idx="2">
+                <a:schemeClr val="accent1">
+                  <a:shade val="50000"/>
+                </a:schemeClr>
+              </a:lnRef>
+              <a:fillRef idx="1">
+                <a:schemeClr val="accent1"/>
+              </a:fillRef>
+              <a:effectRef idx="0">
+                <a:schemeClr val="accent1"/>
+              </a:effectRef>
+              <a:fontRef idx="minor">
+                <a:schemeClr val="lt1"/>
+              </a:fontRef>
+            </p:style>
+            <p:txBody>
+              <a:bodyPr rtlCol="0" anchor="ctr"/>
+              <a:lstStyle/>
+              <a:p>
+                <a:pPr algn="ctr"/>
+                <a:endParaRPr lang="en-US"/>
+              </a:p>
+            </p:txBody>
+          </p:sp>
+        </p:grpSp>
+        <p:grpSp>
+          <p:nvGrpSpPr>
+            <p:cNvPr id="19" name="Gruppieren 18"/>
+            <p:cNvGrpSpPr/>
+            <p:nvPr/>
+          </p:nvGrpSpPr>
+          <p:grpSpPr>
+            <a:xfrm>
+              <a:off x="3340852" y="3444032"/>
+              <a:ext cx="1508762" cy="466358"/>
+              <a:chOff x="3340852" y="2905990"/>
+              <a:chExt cx="1508762" cy="541336"/>
+            </a:xfrm>
+          </p:grpSpPr>
+          <p:sp>
+            <p:nvSpPr>
+              <p:cNvPr id="83" name="Abgerundetes Rechteck 82"/>
+              <p:cNvSpPr/>
+              <p:nvPr/>
+            </p:nvSpPr>
+            <p:spPr>
+              <a:xfrm>
+                <a:off x="3340854" y="2907830"/>
+                <a:ext cx="1508760" cy="539496"/>
+              </a:xfrm>
+              <a:prstGeom prst="roundRect">
+                <a:avLst/>
+              </a:prstGeom>
+            </p:spPr>
+            <p:style>
+              <a:lnRef idx="2">
+                <a:schemeClr val="accent1">
+                  <a:shade val="50000"/>
+                </a:schemeClr>
+              </a:lnRef>
+              <a:fillRef idx="1">
+                <a:schemeClr val="accent1"/>
+              </a:fillRef>
+              <a:effectRef idx="0">
+                <a:schemeClr val="accent1"/>
+              </a:effectRef>
+              <a:fontRef idx="minor">
+                <a:schemeClr val="lt1"/>
+              </a:fontRef>
+            </p:style>
+            <p:txBody>
+              <a:bodyPr rtlCol="0" anchor="ctr"/>
+              <a:lstStyle/>
+              <a:p>
+                <a:pPr algn="ctr"/>
+                <a:endParaRPr lang="en-US"/>
+              </a:p>
+            </p:txBody>
+          </p:sp>
+          <p:sp>
+            <p:nvSpPr>
+              <p:cNvPr id="84" name="Abgerundetes Rechteck 83"/>
+              <p:cNvSpPr/>
+              <p:nvPr/>
+            </p:nvSpPr>
+            <p:spPr>
+              <a:xfrm>
+                <a:off x="3340852" y="2905990"/>
+                <a:ext cx="746761" cy="538981"/>
+              </a:xfrm>
+              <a:prstGeom prst="roundRect">
+                <a:avLst/>
+              </a:prstGeom>
+              <a:pattFill prst="dkUpDiag">
+                <a:fgClr>
+                  <a:schemeClr val="tx1"/>
+                </a:fgClr>
+                <a:bgClr>
+                  <a:schemeClr val="accent1"/>
+                </a:bgClr>
+              </a:pattFill>
+            </p:spPr>
+            <p:style>
+              <a:lnRef idx="2">
+                <a:schemeClr val="accent1">
+                  <a:shade val="50000"/>
+                </a:schemeClr>
+              </a:lnRef>
+              <a:fillRef idx="1">
+                <a:schemeClr val="accent1"/>
+              </a:fillRef>
+              <a:effectRef idx="0">
+                <a:schemeClr val="accent1"/>
+              </a:effectRef>
+              <a:fontRef idx="minor">
+                <a:schemeClr val="lt1"/>
+              </a:fontRef>
+            </p:style>
+            <p:txBody>
+              <a:bodyPr rtlCol="0" anchor="ctr"/>
+              <a:lstStyle/>
+              <a:p>
+                <a:pPr algn="ctr"/>
+                <a:endParaRPr lang="en-US"/>
+              </a:p>
+            </p:txBody>
+          </p:sp>
+          <p:sp>
+            <p:nvSpPr>
+              <p:cNvPr id="85" name="Abgerundetes Rechteck 84"/>
+              <p:cNvSpPr/>
+              <p:nvPr/>
+            </p:nvSpPr>
+            <p:spPr>
+              <a:xfrm>
+                <a:off x="4087614" y="2905990"/>
+                <a:ext cx="761874" cy="538981"/>
+              </a:xfrm>
+              <a:prstGeom prst="roundRect">
+                <a:avLst/>
+              </a:prstGeom>
+              <a:pattFill prst="dkUpDiag">
+                <a:fgClr>
+                  <a:schemeClr val="bg1"/>
+                </a:fgClr>
+                <a:bgClr>
+                  <a:schemeClr val="accent1"/>
+                </a:bgClr>
+              </a:pattFill>
+            </p:spPr>
+            <p:style>
+              <a:lnRef idx="2">
+                <a:schemeClr val="accent1">
+                  <a:shade val="50000"/>
+                </a:schemeClr>
+              </a:lnRef>
+              <a:fillRef idx="1">
+                <a:schemeClr val="accent1"/>
+              </a:fillRef>
+              <a:effectRef idx="0">
+                <a:schemeClr val="accent1"/>
+              </a:effectRef>
+              <a:fontRef idx="minor">
+                <a:schemeClr val="lt1"/>
+              </a:fontRef>
+            </p:style>
+            <p:txBody>
+              <a:bodyPr rtlCol="0" anchor="ctr"/>
+              <a:lstStyle/>
+              <a:p>
+                <a:pPr algn="ctr"/>
+                <a:endParaRPr lang="en-US"/>
+              </a:p>
+            </p:txBody>
+          </p:sp>
+        </p:grpSp>
+        <p:grpSp>
+          <p:nvGrpSpPr>
+            <p:cNvPr id="20" name="Gruppieren 19"/>
+            <p:cNvGrpSpPr/>
+            <p:nvPr/>
+          </p:nvGrpSpPr>
+          <p:grpSpPr>
+            <a:xfrm>
+              <a:off x="3333107" y="2332341"/>
+              <a:ext cx="1508762" cy="466358"/>
+              <a:chOff x="3333107" y="1615568"/>
+              <a:chExt cx="1508762" cy="541336"/>
+            </a:xfrm>
+          </p:grpSpPr>
+          <p:sp>
+            <p:nvSpPr>
+              <p:cNvPr id="80" name="Abgerundetes Rechteck 79"/>
+              <p:cNvSpPr/>
+              <p:nvPr/>
+            </p:nvSpPr>
+            <p:spPr>
+              <a:xfrm>
+                <a:off x="3333109" y="1617408"/>
+                <a:ext cx="1508760" cy="539496"/>
+              </a:xfrm>
+              <a:prstGeom prst="roundRect">
+                <a:avLst/>
+              </a:prstGeom>
+              <a:solidFill>
+                <a:schemeClr val="accent4"/>
+              </a:solidFill>
+            </p:spPr>
+            <p:style>
+              <a:lnRef idx="2">
+                <a:schemeClr val="accent1">
+                  <a:shade val="50000"/>
+                </a:schemeClr>
+              </a:lnRef>
+              <a:fillRef idx="1">
+                <a:schemeClr val="accent1"/>
+              </a:fillRef>
+              <a:effectRef idx="0">
+                <a:schemeClr val="accent1"/>
+              </a:effectRef>
+              <a:fontRef idx="minor">
+                <a:schemeClr val="lt1"/>
+              </a:fontRef>
+            </p:style>
+            <p:txBody>
+              <a:bodyPr rtlCol="0" anchor="ctr"/>
+              <a:lstStyle/>
+              <a:p>
+                <a:pPr algn="ctr"/>
+                <a:endParaRPr lang="en-US"/>
+              </a:p>
+            </p:txBody>
+          </p:sp>
+          <p:sp>
+            <p:nvSpPr>
+              <p:cNvPr id="81" name="Abgerundetes Rechteck 80"/>
+              <p:cNvSpPr/>
+              <p:nvPr/>
+            </p:nvSpPr>
+            <p:spPr>
+              <a:xfrm>
+                <a:off x="3333107" y="1615568"/>
+                <a:ext cx="746761" cy="538981"/>
+              </a:xfrm>
+              <a:prstGeom prst="roundRect">
+                <a:avLst/>
+              </a:prstGeom>
+              <a:pattFill prst="dkUpDiag">
+                <a:fgClr>
+                  <a:schemeClr val="tx1"/>
+                </a:fgClr>
+                <a:bgClr>
+                  <a:schemeClr val="accent4"/>
+                </a:bgClr>
+              </a:pattFill>
+            </p:spPr>
+            <p:style>
+              <a:lnRef idx="2">
+                <a:schemeClr val="accent1">
+                  <a:shade val="50000"/>
+                </a:schemeClr>
+              </a:lnRef>
+              <a:fillRef idx="1">
+                <a:schemeClr val="accent1"/>
+              </a:fillRef>
+              <a:effectRef idx="0">
+                <a:schemeClr val="accent1"/>
+              </a:effectRef>
+              <a:fontRef idx="minor">
+                <a:schemeClr val="lt1"/>
+              </a:fontRef>
+            </p:style>
+            <p:txBody>
+              <a:bodyPr rtlCol="0" anchor="ctr"/>
+              <a:lstStyle/>
+              <a:p>
+                <a:pPr algn="ctr"/>
+                <a:endParaRPr lang="en-US"/>
+              </a:p>
+            </p:txBody>
+          </p:sp>
+          <p:sp>
+            <p:nvSpPr>
+              <p:cNvPr id="82" name="Abgerundetes Rechteck 81"/>
+              <p:cNvSpPr/>
+              <p:nvPr/>
+            </p:nvSpPr>
+            <p:spPr>
+              <a:xfrm>
+                <a:off x="4079869" y="1615568"/>
+                <a:ext cx="761874" cy="538981"/>
+              </a:xfrm>
+              <a:prstGeom prst="roundRect">
+                <a:avLst/>
+              </a:prstGeom>
+              <a:pattFill prst="dkUpDiag">
+                <a:fgClr>
+                  <a:schemeClr val="bg1"/>
+                </a:fgClr>
+                <a:bgClr>
+                  <a:schemeClr val="accent4"/>
+                </a:bgClr>
+              </a:pattFill>
+            </p:spPr>
+            <p:style>
+              <a:lnRef idx="2">
+                <a:schemeClr val="accent1">
+                  <a:shade val="50000"/>
+                </a:schemeClr>
+              </a:lnRef>
+              <a:fillRef idx="1">
+                <a:schemeClr val="accent1"/>
+              </a:fillRef>
+              <a:effectRef idx="0">
+                <a:schemeClr val="accent1"/>
+              </a:effectRef>
+              <a:fontRef idx="minor">
+                <a:schemeClr val="lt1"/>
+              </a:fontRef>
+            </p:style>
+            <p:txBody>
+              <a:bodyPr rtlCol="0" anchor="ctr"/>
+              <a:lstStyle/>
+              <a:p>
+                <a:pPr algn="ctr"/>
+                <a:endParaRPr lang="en-US"/>
+              </a:p>
+            </p:txBody>
+          </p:sp>
+        </p:grpSp>
+        <p:grpSp>
+          <p:nvGrpSpPr>
+            <p:cNvPr id="21" name="Gruppieren 20"/>
+            <p:cNvGrpSpPr/>
+            <p:nvPr/>
+          </p:nvGrpSpPr>
+          <p:grpSpPr>
+            <a:xfrm>
+              <a:off x="1821883" y="3447558"/>
+              <a:ext cx="1508762" cy="466358"/>
+              <a:chOff x="1821883" y="2910082"/>
+              <a:chExt cx="1508762" cy="541336"/>
+            </a:xfrm>
+          </p:grpSpPr>
+          <p:sp>
+            <p:nvSpPr>
+              <p:cNvPr id="77" name="Abgerundetes Rechteck 76"/>
+              <p:cNvSpPr/>
+              <p:nvPr/>
+            </p:nvSpPr>
+            <p:spPr>
+              <a:xfrm>
+                <a:off x="1821885" y="2911922"/>
+                <a:ext cx="1508760" cy="539496"/>
+              </a:xfrm>
+              <a:prstGeom prst="roundRect">
+                <a:avLst/>
+              </a:prstGeom>
+              <a:solidFill>
+                <a:schemeClr val="accent4"/>
+              </a:solidFill>
+            </p:spPr>
+            <p:style>
+              <a:lnRef idx="2">
+                <a:schemeClr val="accent1">
+                  <a:shade val="50000"/>
+                </a:schemeClr>
+              </a:lnRef>
+              <a:fillRef idx="1">
+                <a:schemeClr val="accent1"/>
+              </a:fillRef>
+              <a:effectRef idx="0">
+                <a:schemeClr val="accent1"/>
+              </a:effectRef>
+              <a:fontRef idx="minor">
+                <a:schemeClr val="lt1"/>
+              </a:fontRef>
+            </p:style>
+            <p:txBody>
+              <a:bodyPr rtlCol="0" anchor="ctr"/>
+              <a:lstStyle/>
+              <a:p>
+                <a:pPr algn="ctr"/>
+                <a:endParaRPr lang="en-US"/>
+              </a:p>
+            </p:txBody>
+          </p:sp>
+          <p:sp>
+            <p:nvSpPr>
+              <p:cNvPr id="78" name="Abgerundetes Rechteck 77"/>
+              <p:cNvSpPr/>
+              <p:nvPr/>
+            </p:nvSpPr>
+            <p:spPr>
+              <a:xfrm>
+                <a:off x="1821883" y="2910082"/>
+                <a:ext cx="746761" cy="538981"/>
+              </a:xfrm>
+              <a:prstGeom prst="roundRect">
+                <a:avLst/>
+              </a:prstGeom>
+              <a:pattFill prst="dkUpDiag">
+                <a:fgClr>
+                  <a:schemeClr val="tx2">
+                    <a:lumMod val="50000"/>
+                  </a:schemeClr>
+                </a:fgClr>
+                <a:bgClr>
+                  <a:schemeClr val="accent4"/>
+                </a:bgClr>
+              </a:pattFill>
+            </p:spPr>
+            <p:style>
+              <a:lnRef idx="2">
+                <a:schemeClr val="accent1">
+                  <a:shade val="50000"/>
+                </a:schemeClr>
+              </a:lnRef>
+              <a:fillRef idx="1">
+                <a:schemeClr val="accent1"/>
+              </a:fillRef>
+              <a:effectRef idx="0">
+                <a:schemeClr val="accent1"/>
+              </a:effectRef>
+              <a:fontRef idx="minor">
+                <a:schemeClr val="lt1"/>
+              </a:fontRef>
+            </p:style>
+            <p:txBody>
+              <a:bodyPr rtlCol="0" anchor="ctr"/>
+              <a:lstStyle/>
+              <a:p>
+                <a:pPr algn="ctr"/>
+                <a:endParaRPr lang="en-US"/>
+              </a:p>
+            </p:txBody>
+          </p:sp>
+          <p:sp>
+            <p:nvSpPr>
+              <p:cNvPr id="79" name="Abgerundetes Rechteck 78"/>
+              <p:cNvSpPr/>
+              <p:nvPr/>
+            </p:nvSpPr>
+            <p:spPr>
+              <a:xfrm>
+                <a:off x="2568645" y="2910082"/>
+                <a:ext cx="761874" cy="538981"/>
+              </a:xfrm>
+              <a:prstGeom prst="roundRect">
+                <a:avLst/>
+              </a:prstGeom>
+              <a:pattFill prst="dkUpDiag">
+                <a:fgClr>
+                  <a:schemeClr val="bg1"/>
+                </a:fgClr>
+                <a:bgClr>
+                  <a:schemeClr val="accent4"/>
+                </a:bgClr>
+              </a:pattFill>
+            </p:spPr>
+            <p:style>
+              <a:lnRef idx="2">
+                <a:schemeClr val="accent1">
+                  <a:shade val="50000"/>
+                </a:schemeClr>
+              </a:lnRef>
+              <a:fillRef idx="1">
+                <a:schemeClr val="accent1"/>
+              </a:fillRef>
+              <a:effectRef idx="0">
+                <a:schemeClr val="accent1"/>
+              </a:effectRef>
+              <a:fontRef idx="minor">
+                <a:schemeClr val="lt1"/>
+              </a:fontRef>
+            </p:style>
+            <p:txBody>
+              <a:bodyPr rtlCol="0" anchor="ctr"/>
+              <a:lstStyle/>
+              <a:p>
+                <a:pPr algn="ctr"/>
+                <a:endParaRPr lang="en-US"/>
+              </a:p>
+            </p:txBody>
+          </p:sp>
+        </p:grpSp>
+        <p:sp>
+          <p:nvSpPr>
+            <p:cNvPr id="22" name="Abgerundetes Rechteck 21"/>
+            <p:cNvSpPr/>
+            <p:nvPr/>
+          </p:nvSpPr>
+          <p:spPr>
+            <a:xfrm>
+              <a:off x="317634" y="2884969"/>
+              <a:ext cx="1508760" cy="464773"/>
+            </a:xfrm>
+            <a:prstGeom prst="roundRect">
+              <a:avLst/>
+            </a:prstGeom>
+            <a:solidFill>
+              <a:schemeClr val="accent4"/>
+            </a:solidFill>
+          </p:spPr>
+          <p:style>
+            <a:lnRef idx="2">
+              <a:schemeClr val="accent1">
+                <a:shade val="50000"/>
+              </a:schemeClr>
+            </a:lnRef>
+            <a:fillRef idx="1">
+              <a:schemeClr val="accent1"/>
+            </a:fillRef>
+            <a:effectRef idx="0">
+              <a:schemeClr val="accent1"/>
+            </a:effectRef>
+            <a:fontRef idx="minor">
+              <a:schemeClr val="lt1"/>
+            </a:fontRef>
+          </p:style>
+          <p:txBody>
+            <a:bodyPr rtlCol="0" anchor="ctr"/>
+            <a:lstStyle/>
+            <a:p>
+              <a:pPr algn="ctr"/>
+              <a:endParaRPr lang="en-US"/>
+            </a:p>
+          </p:txBody>
+        </p:sp>
+        <p:sp>
+          <p:nvSpPr>
+            <p:cNvPr id="23" name="Abgerundetes Rechteck 22"/>
+            <p:cNvSpPr/>
+            <p:nvPr/>
+          </p:nvSpPr>
+          <p:spPr>
+            <a:xfrm>
+              <a:off x="317632" y="2883384"/>
+              <a:ext cx="746761" cy="464329"/>
+            </a:xfrm>
+            <a:prstGeom prst="roundRect">
+              <a:avLst/>
+            </a:prstGeom>
+            <a:pattFill prst="dkUpDiag">
+              <a:fgClr>
+                <a:schemeClr val="tx2">
+                  <a:lumMod val="50000"/>
+                </a:schemeClr>
+              </a:fgClr>
+              <a:bgClr>
+                <a:schemeClr val="accent4"/>
+              </a:bgClr>
+            </a:pattFill>
+          </p:spPr>
+          <p:style>
+            <a:lnRef idx="2">
+              <a:schemeClr val="accent1">
+                <a:shade val="50000"/>
+              </a:schemeClr>
+            </a:lnRef>
+            <a:fillRef idx="1">
+              <a:schemeClr val="accent1"/>
+            </a:fillRef>
+            <a:effectRef idx="0">
+              <a:schemeClr val="accent1"/>
+            </a:effectRef>
+            <a:fontRef idx="minor">
+              <a:schemeClr val="lt1"/>
+            </a:fontRef>
+          </p:style>
+          <p:txBody>
+            <a:bodyPr rtlCol="0" anchor="ctr"/>
+            <a:lstStyle/>
+            <a:p>
+              <a:pPr algn="ctr"/>
+              <a:endParaRPr lang="en-US"/>
+            </a:p>
+          </p:txBody>
+        </p:sp>
+        <p:sp>
+          <p:nvSpPr>
+            <p:cNvPr id="24" name="Abgerundetes Rechteck 23"/>
+            <p:cNvSpPr/>
+            <p:nvPr/>
+          </p:nvSpPr>
+          <p:spPr>
+            <a:xfrm>
+              <a:off x="1064394" y="2883384"/>
+              <a:ext cx="761874" cy="464329"/>
+            </a:xfrm>
+            <a:prstGeom prst="roundRect">
+              <a:avLst/>
+            </a:prstGeom>
+            <a:pattFill prst="dkUpDiag">
+              <a:fgClr>
+                <a:schemeClr val="bg1"/>
+              </a:fgClr>
+              <a:bgClr>
+                <a:schemeClr val="accent4"/>
+              </a:bgClr>
+            </a:pattFill>
+          </p:spPr>
+          <p:style>
+            <a:lnRef idx="2">
+              <a:schemeClr val="accent1">
+                <a:shade val="50000"/>
+              </a:schemeClr>
+            </a:lnRef>
+            <a:fillRef idx="1">
+              <a:schemeClr val="accent1"/>
+            </a:fillRef>
+            <a:effectRef idx="0">
+              <a:schemeClr val="accent1"/>
+            </a:effectRef>
+            <a:fontRef idx="minor">
+              <a:schemeClr val="lt1"/>
+            </a:fontRef>
+          </p:style>
+          <p:txBody>
+            <a:bodyPr rtlCol="0" anchor="ctr"/>
+            <a:lstStyle/>
+            <a:p>
+              <a:pPr algn="ctr"/>
+              <a:endParaRPr lang="en-US"/>
+            </a:p>
+          </p:txBody>
+        </p:sp>
+        <p:sp>
+          <p:nvSpPr>
+            <p:cNvPr id="25" name="Pfeil nach rechts 24"/>
+            <p:cNvSpPr/>
+            <p:nvPr/>
+          </p:nvSpPr>
+          <p:spPr>
+            <a:xfrm rot="5400000">
+              <a:off x="2353302" y="1421381"/>
+              <a:ext cx="443481" cy="544037"/>
+            </a:xfrm>
+            <a:prstGeom prst="rightArrow">
+              <a:avLst/>
+            </a:prstGeom>
+          </p:spPr>
+          <p:style>
+            <a:lnRef idx="2">
+              <a:schemeClr val="accent1">
+                <a:shade val="50000"/>
+              </a:schemeClr>
+            </a:lnRef>
+            <a:fillRef idx="1">
+              <a:schemeClr val="accent1"/>
+            </a:fillRef>
+            <a:effectRef idx="0">
+              <a:schemeClr val="accent1"/>
+            </a:effectRef>
+            <a:fontRef idx="minor">
+              <a:schemeClr val="lt1"/>
+            </a:fontRef>
+          </p:style>
+          <p:txBody>
+            <a:bodyPr rtlCol="0" anchor="ctr"/>
+            <a:lstStyle/>
+            <a:p>
+              <a:pPr algn="ctr"/>
+              <a:endParaRPr lang="en-US"/>
+            </a:p>
+          </p:txBody>
+        </p:sp>
+        <p:sp>
+          <p:nvSpPr>
+            <p:cNvPr id="26" name="Textfeld 25"/>
+            <p:cNvSpPr txBox="1"/>
+            <p:nvPr/>
+          </p:nvSpPr>
+          <p:spPr>
+            <a:xfrm>
+              <a:off x="308092" y="404711"/>
+              <a:ext cx="4541396" cy="318178"/>
+            </a:xfrm>
+            <a:prstGeom prst="rect">
+              <a:avLst/>
+            </a:prstGeom>
+            <a:noFill/>
+          </p:spPr>
+          <p:txBody>
+            <a:bodyPr wrap="square" rtlCol="0">
+              <a:spAutoFit/>
+            </a:bodyPr>
+            <a:lstStyle/>
+            <a:p>
+              <a:pPr algn="ctr"/>
+              <a:r>
+                <a:rPr lang="en-US" b="1" smtClean="0">
+                  <a:solidFill>
+                    <a:schemeClr val="accent1"/>
+                  </a:solidFill>
+                </a:rPr>
+                <a:t>Whole Dataset</a:t>
+              </a:r>
+              <a:endParaRPr lang="en-US" b="1">
+                <a:solidFill>
+                  <a:schemeClr val="accent1"/>
+                </a:solidFill>
+              </a:endParaRPr>
+            </a:p>
+          </p:txBody>
+        </p:sp>
+        <p:grpSp>
+          <p:nvGrpSpPr>
+            <p:cNvPr id="27" name="Gruppieren 26"/>
+            <p:cNvGrpSpPr/>
+            <p:nvPr/>
+          </p:nvGrpSpPr>
+          <p:grpSpPr>
+            <a:xfrm>
+              <a:off x="7305390" y="1915584"/>
+              <a:ext cx="4576730" cy="1996392"/>
+              <a:chOff x="7305390" y="1131808"/>
+              <a:chExt cx="4576730" cy="2317358"/>
+            </a:xfrm>
+          </p:grpSpPr>
+          <p:grpSp>
+            <p:nvGrpSpPr>
+              <p:cNvPr id="43" name="Gruppieren 42"/>
+              <p:cNvGrpSpPr/>
+              <p:nvPr/>
+            </p:nvGrpSpPr>
+            <p:grpSpPr>
+              <a:xfrm>
+                <a:off x="7314990" y="1131808"/>
+                <a:ext cx="4567130" cy="2312432"/>
+                <a:chOff x="7314990" y="1131808"/>
+                <a:chExt cx="4567130" cy="2312432"/>
+              </a:xfrm>
+            </p:grpSpPr>
+            <p:sp>
+              <p:nvSpPr>
+                <p:cNvPr id="69" name="Abgerundetes Rechteck 68"/>
+                <p:cNvSpPr/>
+                <p:nvPr/>
+              </p:nvSpPr>
+              <p:spPr>
+                <a:xfrm>
+                  <a:off x="10365740" y="1609344"/>
+                  <a:ext cx="1508760" cy="539496"/>
+                </a:xfrm>
+                <a:prstGeom prst="roundRect">
+                  <a:avLst/>
+                </a:prstGeom>
+                <a:solidFill>
+                  <a:schemeClr val="accent4"/>
+                </a:solidFill>
+              </p:spPr>
+              <p:style>
+                <a:lnRef idx="2">
+                  <a:schemeClr val="accent1">
+                    <a:shade val="50000"/>
+                  </a:schemeClr>
+                </a:lnRef>
+                <a:fillRef idx="1">
+                  <a:schemeClr val="accent1"/>
+                </a:fillRef>
+                <a:effectRef idx="0">
+                  <a:schemeClr val="accent1"/>
+                </a:effectRef>
+                <a:fontRef idx="minor">
+                  <a:schemeClr val="lt1"/>
+                </a:fontRef>
+              </p:style>
+              <p:txBody>
+                <a:bodyPr rtlCol="0" anchor="ctr"/>
+                <a:lstStyle/>
+                <a:p>
+                  <a:pPr algn="ctr"/>
+                  <a:endParaRPr lang="en-US"/>
+                </a:p>
+              </p:txBody>
+            </p:sp>
+            <p:sp>
+              <p:nvSpPr>
+                <p:cNvPr id="70" name="Abgerundetes Rechteck 69"/>
+                <p:cNvSpPr/>
+                <p:nvPr/>
+              </p:nvSpPr>
+              <p:spPr>
+                <a:xfrm>
+                  <a:off x="10365740" y="2257044"/>
+                  <a:ext cx="1508760" cy="539496"/>
+                </a:xfrm>
+                <a:prstGeom prst="roundRect">
+                  <a:avLst/>
+                </a:prstGeom>
+                <a:solidFill>
+                  <a:schemeClr val="accent4"/>
+                </a:solidFill>
+              </p:spPr>
+              <p:style>
+                <a:lnRef idx="2">
+                  <a:schemeClr val="accent1">
+                    <a:shade val="50000"/>
+                  </a:schemeClr>
+                </a:lnRef>
+                <a:fillRef idx="1">
+                  <a:schemeClr val="accent1"/>
+                </a:fillRef>
+                <a:effectRef idx="0">
+                  <a:schemeClr val="accent1"/>
+                </a:effectRef>
+                <a:fontRef idx="minor">
+                  <a:schemeClr val="lt1"/>
+                </a:fontRef>
+              </p:style>
+              <p:txBody>
+                <a:bodyPr rtlCol="0" anchor="ctr"/>
+                <a:lstStyle/>
+                <a:p>
+                  <a:pPr algn="ctr"/>
+                  <a:endParaRPr lang="en-US"/>
+                </a:p>
+              </p:txBody>
+            </p:sp>
+            <p:sp>
+              <p:nvSpPr>
+                <p:cNvPr id="71" name="Abgerundetes Rechteck 70"/>
+                <p:cNvSpPr/>
+                <p:nvPr/>
+              </p:nvSpPr>
+              <p:spPr>
+                <a:xfrm>
+                  <a:off x="10373360" y="2904744"/>
+                  <a:ext cx="1508760" cy="539496"/>
+                </a:xfrm>
+                <a:prstGeom prst="roundRect">
+                  <a:avLst/>
+                </a:prstGeom>
+                <a:solidFill>
+                  <a:schemeClr val="accent4"/>
+                </a:solidFill>
+              </p:spPr>
+              <p:style>
+                <a:lnRef idx="2">
+                  <a:schemeClr val="accent1">
+                    <a:shade val="50000"/>
+                  </a:schemeClr>
+                </a:lnRef>
+                <a:fillRef idx="1">
+                  <a:schemeClr val="accent1"/>
+                </a:fillRef>
+                <a:effectRef idx="0">
+                  <a:schemeClr val="accent1"/>
+                </a:effectRef>
+                <a:fontRef idx="minor">
+                  <a:schemeClr val="lt1"/>
+                </a:fontRef>
+              </p:style>
+              <p:txBody>
+                <a:bodyPr rtlCol="0" anchor="ctr"/>
+                <a:lstStyle/>
+                <a:p>
+                  <a:pPr algn="ctr"/>
+                  <a:endParaRPr lang="en-US"/>
+                </a:p>
+              </p:txBody>
+            </p:sp>
+            <p:sp>
+              <p:nvSpPr>
+                <p:cNvPr id="72" name="Abgerundetes Rechteck 71"/>
+                <p:cNvSpPr/>
+                <p:nvPr/>
+              </p:nvSpPr>
+              <p:spPr>
+                <a:xfrm>
+                  <a:off x="9353594" y="1609344"/>
+                  <a:ext cx="1004400" cy="539496"/>
+                </a:xfrm>
+                <a:prstGeom prst="roundRect">
+                  <a:avLst/>
+                </a:prstGeom>
+                <a:solidFill>
+                  <a:srgbClr val="C00000"/>
+                </a:solidFill>
+              </p:spPr>
+              <p:style>
+                <a:lnRef idx="2">
+                  <a:schemeClr val="accent1">
+                    <a:shade val="50000"/>
+                  </a:schemeClr>
+                </a:lnRef>
+                <a:fillRef idx="1">
+                  <a:schemeClr val="accent1"/>
+                </a:fillRef>
+                <a:effectRef idx="0">
+                  <a:schemeClr val="accent1"/>
+                </a:effectRef>
+                <a:fontRef idx="minor">
+                  <a:schemeClr val="lt1"/>
+                </a:fontRef>
+              </p:style>
+              <p:txBody>
+                <a:bodyPr rtlCol="0" anchor="ctr"/>
+                <a:lstStyle/>
+                <a:p>
+                  <a:pPr algn="ctr"/>
+                  <a:endParaRPr lang="en-US"/>
+                </a:p>
+              </p:txBody>
+            </p:sp>
+            <p:sp>
+              <p:nvSpPr>
+                <p:cNvPr id="73" name="Abgerundetes Rechteck 72"/>
+                <p:cNvSpPr/>
+                <p:nvPr/>
+              </p:nvSpPr>
+              <p:spPr>
+                <a:xfrm>
+                  <a:off x="7314990" y="2257044"/>
+                  <a:ext cx="1004400" cy="539496"/>
+                </a:xfrm>
+                <a:prstGeom prst="roundRect">
+                  <a:avLst/>
+                </a:prstGeom>
+                <a:solidFill>
+                  <a:srgbClr val="C00000"/>
+                </a:solidFill>
+              </p:spPr>
+              <p:style>
+                <a:lnRef idx="2">
+                  <a:schemeClr val="accent1">
+                    <a:shade val="50000"/>
+                  </a:schemeClr>
+                </a:lnRef>
+                <a:fillRef idx="1">
+                  <a:schemeClr val="accent1"/>
+                </a:fillRef>
+                <a:effectRef idx="0">
+                  <a:schemeClr val="accent1"/>
+                </a:effectRef>
+                <a:fontRef idx="minor">
+                  <a:schemeClr val="lt1"/>
+                </a:fontRef>
+              </p:style>
+              <p:txBody>
+                <a:bodyPr rtlCol="0" anchor="ctr"/>
+                <a:lstStyle/>
+                <a:p>
+                  <a:pPr algn="ctr"/>
+                  <a:endParaRPr lang="en-US"/>
+                </a:p>
+              </p:txBody>
+            </p:sp>
+            <p:sp>
+              <p:nvSpPr>
+                <p:cNvPr id="74" name="Abgerundetes Rechteck 73"/>
+                <p:cNvSpPr/>
+                <p:nvPr/>
+              </p:nvSpPr>
+              <p:spPr>
+                <a:xfrm>
+                  <a:off x="8334882" y="2904744"/>
+                  <a:ext cx="1028955" cy="539496"/>
+                </a:xfrm>
+                <a:prstGeom prst="roundRect">
+                  <a:avLst/>
+                </a:prstGeom>
+                <a:solidFill>
+                  <a:srgbClr val="C00000"/>
+                </a:solidFill>
+              </p:spPr>
+              <p:style>
+                <a:lnRef idx="2">
+                  <a:schemeClr val="accent1">
+                    <a:shade val="50000"/>
+                  </a:schemeClr>
+                </a:lnRef>
+                <a:fillRef idx="1">
+                  <a:schemeClr val="accent1"/>
+                </a:fillRef>
+                <a:effectRef idx="0">
+                  <a:schemeClr val="accent1"/>
+                </a:effectRef>
+                <a:fontRef idx="minor">
+                  <a:schemeClr val="lt1"/>
+                </a:fontRef>
+              </p:style>
+              <p:txBody>
+                <a:bodyPr rtlCol="0" anchor="ctr"/>
+                <a:lstStyle/>
+                <a:p>
+                  <a:pPr algn="ctr"/>
+                  <a:endParaRPr lang="en-US"/>
+                </a:p>
+              </p:txBody>
+            </p:sp>
+            <p:sp>
+              <p:nvSpPr>
+                <p:cNvPr id="75" name="Textfeld 74"/>
+                <p:cNvSpPr txBox="1"/>
+                <p:nvPr/>
+              </p:nvSpPr>
+              <p:spPr>
+                <a:xfrm>
+                  <a:off x="7314990" y="1131808"/>
+                  <a:ext cx="2043723" cy="369332"/>
+                </a:xfrm>
+                <a:prstGeom prst="rect">
+                  <a:avLst/>
+                </a:prstGeom>
+                <a:noFill/>
+              </p:spPr>
+              <p:txBody>
+                <a:bodyPr wrap="square" rtlCol="0">
+                  <a:spAutoFit/>
+                </a:bodyPr>
+                <a:lstStyle/>
+                <a:p>
+                  <a:pPr algn="ctr"/>
+                  <a:r>
+                    <a:rPr lang="en-US" b="1" smtClean="0">
+                      <a:solidFill>
+                        <a:schemeClr val="accent1"/>
+                      </a:solidFill>
+                    </a:rPr>
+                    <a:t>Training</a:t>
+                  </a:r>
+                  <a:endParaRPr lang="en-US" b="1">
+                    <a:solidFill>
+                      <a:schemeClr val="accent1"/>
+                    </a:solidFill>
+                  </a:endParaRPr>
+                </a:p>
+              </p:txBody>
+            </p:sp>
+            <p:sp>
+              <p:nvSpPr>
+                <p:cNvPr id="76" name="Textfeld 75"/>
+                <p:cNvSpPr txBox="1"/>
+                <p:nvPr/>
+              </p:nvSpPr>
+              <p:spPr>
+                <a:xfrm>
+                  <a:off x="9268843" y="1131808"/>
+                  <a:ext cx="1895231" cy="427934"/>
+                </a:xfrm>
+                <a:prstGeom prst="rect">
+                  <a:avLst/>
+                </a:prstGeom>
+                <a:noFill/>
+              </p:spPr>
+              <p:txBody>
+                <a:bodyPr wrap="square" rtlCol="0">
+                  <a:spAutoFit/>
+                </a:bodyPr>
+                <a:lstStyle/>
+                <a:p>
+                  <a:pPr algn="ctr"/>
+                  <a:r>
+                    <a:rPr lang="en-US" smtClean="0">
+                      <a:solidFill>
+                        <a:srgbClr val="C00000"/>
+                      </a:solidFill>
+                    </a:rPr>
+                    <a:t>Validation</a:t>
+                  </a:r>
+                  <a:endParaRPr lang="en-US">
+                    <a:solidFill>
+                      <a:srgbClr val="C00000"/>
+                    </a:solidFill>
+                  </a:endParaRPr>
+                </a:p>
+              </p:txBody>
+            </p:sp>
+          </p:grpSp>
+          <p:grpSp>
+            <p:nvGrpSpPr>
+              <p:cNvPr id="44" name="Gruppieren 43"/>
+              <p:cNvGrpSpPr/>
+              <p:nvPr/>
+            </p:nvGrpSpPr>
+            <p:grpSpPr>
+              <a:xfrm>
+                <a:off x="7314990" y="2907830"/>
+                <a:ext cx="1014770" cy="541336"/>
+                <a:chOff x="7314990" y="2907830"/>
+                <a:chExt cx="1014770" cy="541336"/>
+              </a:xfrm>
+            </p:grpSpPr>
+            <p:sp>
+              <p:nvSpPr>
+                <p:cNvPr id="66" name="Abgerundetes Rechteck 65"/>
+                <p:cNvSpPr/>
+                <p:nvPr/>
+              </p:nvSpPr>
+              <p:spPr>
+                <a:xfrm>
+                  <a:off x="7314991" y="2909670"/>
+                  <a:ext cx="1014769" cy="539496"/>
+                </a:xfrm>
+                <a:prstGeom prst="roundRect">
+                  <a:avLst/>
+                </a:prstGeom>
+              </p:spPr>
+              <p:style>
+                <a:lnRef idx="2">
+                  <a:schemeClr val="accent1">
+                    <a:shade val="50000"/>
+                  </a:schemeClr>
+                </a:lnRef>
+                <a:fillRef idx="1">
+                  <a:schemeClr val="accent1"/>
+                </a:fillRef>
+                <a:effectRef idx="0">
+                  <a:schemeClr val="accent1"/>
+                </a:effectRef>
+                <a:fontRef idx="minor">
+                  <a:schemeClr val="lt1"/>
+                </a:fontRef>
+              </p:style>
+              <p:txBody>
+                <a:bodyPr rtlCol="0" anchor="ctr"/>
+                <a:lstStyle/>
+                <a:p>
+                  <a:pPr algn="ctr"/>
+                  <a:endParaRPr lang="en-US"/>
+                </a:p>
+              </p:txBody>
+            </p:sp>
+            <p:sp>
+              <p:nvSpPr>
+                <p:cNvPr id="67" name="Abgerundetes Rechteck 66"/>
+                <p:cNvSpPr/>
+                <p:nvPr/>
+              </p:nvSpPr>
+              <p:spPr>
+                <a:xfrm>
+                  <a:off x="7314990" y="2907830"/>
+                  <a:ext cx="502260" cy="538981"/>
+                </a:xfrm>
+                <a:prstGeom prst="roundRect">
+                  <a:avLst/>
+                </a:prstGeom>
+                <a:pattFill prst="dkUpDiag">
+                  <a:fgClr>
+                    <a:schemeClr val="tx1"/>
+                  </a:fgClr>
+                  <a:bgClr>
+                    <a:schemeClr val="accent1"/>
+                  </a:bgClr>
+                </a:pattFill>
+              </p:spPr>
+              <p:style>
+                <a:lnRef idx="2">
+                  <a:schemeClr val="accent1">
+                    <a:shade val="50000"/>
+                  </a:schemeClr>
+                </a:lnRef>
+                <a:fillRef idx="1">
+                  <a:schemeClr val="accent1"/>
+                </a:fillRef>
+                <a:effectRef idx="0">
+                  <a:schemeClr val="accent1"/>
+                </a:effectRef>
+                <a:fontRef idx="minor">
+                  <a:schemeClr val="lt1"/>
+                </a:fontRef>
+              </p:style>
+              <p:txBody>
+                <a:bodyPr rtlCol="0" anchor="ctr"/>
+                <a:lstStyle/>
+                <a:p>
+                  <a:pPr algn="ctr"/>
+                  <a:endParaRPr lang="en-US"/>
+                </a:p>
+              </p:txBody>
+            </p:sp>
+            <p:sp>
+              <p:nvSpPr>
+                <p:cNvPr id="68" name="Abgerundetes Rechteck 67"/>
+                <p:cNvSpPr/>
+                <p:nvPr/>
+              </p:nvSpPr>
+              <p:spPr>
+                <a:xfrm>
+                  <a:off x="7817251" y="2907830"/>
+                  <a:ext cx="512425" cy="538981"/>
+                </a:xfrm>
+                <a:prstGeom prst="roundRect">
+                  <a:avLst/>
+                </a:prstGeom>
+                <a:pattFill prst="dkUpDiag">
+                  <a:fgClr>
+                    <a:schemeClr val="bg1"/>
+                  </a:fgClr>
+                  <a:bgClr>
+                    <a:schemeClr val="accent1"/>
+                  </a:bgClr>
+                </a:pattFill>
+              </p:spPr>
+              <p:style>
+                <a:lnRef idx="2">
+                  <a:schemeClr val="accent1">
+                    <a:shade val="50000"/>
+                  </a:schemeClr>
+                </a:lnRef>
+                <a:fillRef idx="1">
+                  <a:schemeClr val="accent1"/>
+                </a:fillRef>
+                <a:effectRef idx="0">
+                  <a:schemeClr val="accent1"/>
+                </a:effectRef>
+                <a:fontRef idx="minor">
+                  <a:schemeClr val="lt1"/>
+                </a:fontRef>
+              </p:style>
+              <p:txBody>
+                <a:bodyPr rtlCol="0" anchor="ctr"/>
+                <a:lstStyle/>
+                <a:p>
+                  <a:pPr algn="ctr"/>
+                  <a:endParaRPr lang="en-US"/>
+                </a:p>
+              </p:txBody>
+            </p:sp>
+          </p:grpSp>
+          <p:sp>
+            <p:nvSpPr>
+              <p:cNvPr id="45" name="Abgerundetes Rechteck 44"/>
+              <p:cNvSpPr/>
+              <p:nvPr/>
+            </p:nvSpPr>
+            <p:spPr>
+              <a:xfrm>
+                <a:off x="8320780" y="2253958"/>
+                <a:ext cx="1014769" cy="539496"/>
+              </a:xfrm>
+              <a:prstGeom prst="roundRect">
+                <a:avLst/>
+              </a:prstGeom>
+            </p:spPr>
+            <p:style>
+              <a:lnRef idx="2">
+                <a:schemeClr val="accent1">
+                  <a:shade val="50000"/>
+                </a:schemeClr>
+              </a:lnRef>
+              <a:fillRef idx="1">
+                <a:schemeClr val="accent1"/>
+              </a:fillRef>
+              <a:effectRef idx="0">
+                <a:schemeClr val="accent1"/>
+              </a:effectRef>
+              <a:fontRef idx="minor">
+                <a:schemeClr val="lt1"/>
+              </a:fontRef>
+            </p:style>
+            <p:txBody>
+              <a:bodyPr rtlCol="0" anchor="ctr"/>
+              <a:lstStyle/>
+              <a:p>
+                <a:pPr algn="ctr"/>
+                <a:endParaRPr lang="en-US"/>
+              </a:p>
+            </p:txBody>
+          </p:sp>
+          <p:sp>
+            <p:nvSpPr>
+              <p:cNvPr id="46" name="Abgerundetes Rechteck 45"/>
+              <p:cNvSpPr/>
+              <p:nvPr/>
+            </p:nvSpPr>
+            <p:spPr>
+              <a:xfrm>
+                <a:off x="8320779" y="2252118"/>
+                <a:ext cx="502260" cy="538981"/>
+              </a:xfrm>
+              <a:prstGeom prst="roundRect">
+                <a:avLst/>
+              </a:prstGeom>
+              <a:pattFill prst="dkUpDiag">
+                <a:fgClr>
+                  <a:schemeClr val="tx1"/>
+                </a:fgClr>
+                <a:bgClr>
+                  <a:schemeClr val="accent1"/>
+                </a:bgClr>
+              </a:pattFill>
+            </p:spPr>
+            <p:style>
+              <a:lnRef idx="2">
+                <a:schemeClr val="accent1">
+                  <a:shade val="50000"/>
+                </a:schemeClr>
+              </a:lnRef>
+              <a:fillRef idx="1">
+                <a:schemeClr val="accent1"/>
+              </a:fillRef>
+              <a:effectRef idx="0">
+                <a:schemeClr val="accent1"/>
+              </a:effectRef>
+              <a:fontRef idx="minor">
+                <a:schemeClr val="lt1"/>
+              </a:fontRef>
+            </p:style>
+            <p:txBody>
+              <a:bodyPr rtlCol="0" anchor="ctr"/>
+              <a:lstStyle/>
+              <a:p>
+                <a:pPr algn="ctr"/>
+                <a:endParaRPr lang="en-US"/>
+              </a:p>
+            </p:txBody>
+          </p:sp>
+          <p:sp>
+            <p:nvSpPr>
+              <p:cNvPr id="47" name="Abgerundetes Rechteck 46"/>
+              <p:cNvSpPr/>
+              <p:nvPr/>
+            </p:nvSpPr>
+            <p:spPr>
+              <a:xfrm>
+                <a:off x="8823040" y="2252118"/>
+                <a:ext cx="512425" cy="538981"/>
+              </a:xfrm>
+              <a:prstGeom prst="roundRect">
+                <a:avLst/>
+              </a:prstGeom>
+              <a:pattFill prst="dkUpDiag">
+                <a:fgClr>
+                  <a:schemeClr val="bg1"/>
+                </a:fgClr>
+                <a:bgClr>
+                  <a:schemeClr val="accent1"/>
+                </a:bgClr>
+              </a:pattFill>
+            </p:spPr>
+            <p:style>
+              <a:lnRef idx="2">
+                <a:schemeClr val="accent1">
+                  <a:shade val="50000"/>
+                </a:schemeClr>
+              </a:lnRef>
+              <a:fillRef idx="1">
+                <a:schemeClr val="accent1"/>
+              </a:fillRef>
+              <a:effectRef idx="0">
+                <a:schemeClr val="accent1"/>
+              </a:effectRef>
+              <a:fontRef idx="minor">
+                <a:schemeClr val="lt1"/>
+              </a:fontRef>
+            </p:style>
+            <p:txBody>
+              <a:bodyPr rtlCol="0" anchor="ctr"/>
+              <a:lstStyle/>
+              <a:p>
+                <a:pPr algn="ctr"/>
+                <a:endParaRPr lang="en-US"/>
+              </a:p>
+            </p:txBody>
+          </p:sp>
+          <p:sp>
+            <p:nvSpPr>
+              <p:cNvPr id="48" name="Abgerundetes Rechteck 47"/>
+              <p:cNvSpPr/>
+              <p:nvPr/>
+            </p:nvSpPr>
+            <p:spPr>
+              <a:xfrm>
+                <a:off x="9349582" y="2255118"/>
+                <a:ext cx="1014769" cy="539496"/>
+              </a:xfrm>
+              <a:prstGeom prst="roundRect">
+                <a:avLst/>
+              </a:prstGeom>
+            </p:spPr>
+            <p:style>
+              <a:lnRef idx="2">
+                <a:schemeClr val="accent1">
+                  <a:shade val="50000"/>
+                </a:schemeClr>
+              </a:lnRef>
+              <a:fillRef idx="1">
+                <a:schemeClr val="accent1"/>
+              </a:fillRef>
+              <a:effectRef idx="0">
+                <a:schemeClr val="accent1"/>
+              </a:effectRef>
+              <a:fontRef idx="minor">
+                <a:schemeClr val="lt1"/>
+              </a:fontRef>
+            </p:style>
+            <p:txBody>
+              <a:bodyPr rtlCol="0" anchor="ctr"/>
+              <a:lstStyle/>
+              <a:p>
+                <a:pPr algn="ctr"/>
+                <a:endParaRPr lang="en-US"/>
+              </a:p>
+            </p:txBody>
+          </p:sp>
+          <p:sp>
+            <p:nvSpPr>
+              <p:cNvPr id="49" name="Abgerundetes Rechteck 48"/>
+              <p:cNvSpPr/>
+              <p:nvPr/>
+            </p:nvSpPr>
+            <p:spPr>
+              <a:xfrm>
+                <a:off x="9349581" y="2253278"/>
+                <a:ext cx="502260" cy="538981"/>
+              </a:xfrm>
+              <a:prstGeom prst="roundRect">
+                <a:avLst/>
+              </a:prstGeom>
+              <a:pattFill prst="dkUpDiag">
+                <a:fgClr>
+                  <a:schemeClr val="tx1"/>
+                </a:fgClr>
+                <a:bgClr>
+                  <a:schemeClr val="accent1"/>
+                </a:bgClr>
+              </a:pattFill>
+            </p:spPr>
+            <p:style>
+              <a:lnRef idx="2">
+                <a:schemeClr val="accent1">
+                  <a:shade val="50000"/>
+                </a:schemeClr>
+              </a:lnRef>
+              <a:fillRef idx="1">
+                <a:schemeClr val="accent1"/>
+              </a:fillRef>
+              <a:effectRef idx="0">
+                <a:schemeClr val="accent1"/>
+              </a:effectRef>
+              <a:fontRef idx="minor">
+                <a:schemeClr val="lt1"/>
+              </a:fontRef>
+            </p:style>
+            <p:txBody>
+              <a:bodyPr rtlCol="0" anchor="ctr"/>
+              <a:lstStyle/>
+              <a:p>
+                <a:pPr algn="ctr"/>
+                <a:endParaRPr lang="en-US"/>
+              </a:p>
+            </p:txBody>
+          </p:sp>
+          <p:sp>
+            <p:nvSpPr>
+              <p:cNvPr id="50" name="Abgerundetes Rechteck 49"/>
+              <p:cNvSpPr/>
+              <p:nvPr/>
+            </p:nvSpPr>
+            <p:spPr>
+              <a:xfrm>
+                <a:off x="9851842" y="2253278"/>
+                <a:ext cx="512425" cy="538981"/>
+              </a:xfrm>
+              <a:prstGeom prst="roundRect">
+                <a:avLst/>
+              </a:prstGeom>
+              <a:pattFill prst="dkUpDiag">
+                <a:fgClr>
+                  <a:schemeClr val="bg1"/>
+                </a:fgClr>
+                <a:bgClr>
+                  <a:schemeClr val="accent1"/>
+                </a:bgClr>
+              </a:pattFill>
+            </p:spPr>
+            <p:style>
+              <a:lnRef idx="2">
+                <a:schemeClr val="accent1">
+                  <a:shade val="50000"/>
+                </a:schemeClr>
+              </a:lnRef>
+              <a:fillRef idx="1">
+                <a:schemeClr val="accent1"/>
+              </a:fillRef>
+              <a:effectRef idx="0">
+                <a:schemeClr val="accent1"/>
+              </a:effectRef>
+              <a:fontRef idx="minor">
+                <a:schemeClr val="lt1"/>
+              </a:fontRef>
+            </p:style>
+            <p:txBody>
+              <a:bodyPr rtlCol="0" anchor="ctr"/>
+              <a:lstStyle/>
+              <a:p>
+                <a:pPr algn="ctr"/>
+                <a:endParaRPr lang="en-US"/>
+              </a:p>
+            </p:txBody>
+          </p:sp>
+          <p:sp>
+            <p:nvSpPr>
+              <p:cNvPr id="51" name="Abgerundetes Rechteck 50"/>
+              <p:cNvSpPr/>
+              <p:nvPr/>
+            </p:nvSpPr>
+            <p:spPr>
+              <a:xfrm>
+                <a:off x="9358675" y="2899052"/>
+                <a:ext cx="1014769" cy="539496"/>
+              </a:xfrm>
+              <a:prstGeom prst="roundRect">
+                <a:avLst/>
+              </a:prstGeom>
+            </p:spPr>
+            <p:style>
+              <a:lnRef idx="2">
+                <a:schemeClr val="accent1">
+                  <a:shade val="50000"/>
+                </a:schemeClr>
+              </a:lnRef>
+              <a:fillRef idx="1">
+                <a:schemeClr val="accent1"/>
+              </a:fillRef>
+              <a:effectRef idx="0">
+                <a:schemeClr val="accent1"/>
+              </a:effectRef>
+              <a:fontRef idx="minor">
+                <a:schemeClr val="lt1"/>
+              </a:fontRef>
+            </p:style>
+            <p:txBody>
+              <a:bodyPr rtlCol="0" anchor="ctr"/>
+              <a:lstStyle/>
+              <a:p>
+                <a:pPr algn="ctr"/>
+                <a:endParaRPr lang="en-US"/>
+              </a:p>
+            </p:txBody>
+          </p:sp>
+          <p:sp>
+            <p:nvSpPr>
+              <p:cNvPr id="52" name="Abgerundetes Rechteck 51"/>
+              <p:cNvSpPr/>
+              <p:nvPr/>
+            </p:nvSpPr>
+            <p:spPr>
+              <a:xfrm>
+                <a:off x="9358674" y="2897212"/>
+                <a:ext cx="502260" cy="538981"/>
+              </a:xfrm>
+              <a:prstGeom prst="roundRect">
+                <a:avLst/>
+              </a:prstGeom>
+              <a:pattFill prst="dkUpDiag">
+                <a:fgClr>
+                  <a:schemeClr val="tx1"/>
+                </a:fgClr>
+                <a:bgClr>
+                  <a:schemeClr val="accent1"/>
+                </a:bgClr>
+              </a:pattFill>
+            </p:spPr>
+            <p:style>
+              <a:lnRef idx="2">
+                <a:schemeClr val="accent1">
+                  <a:shade val="50000"/>
+                </a:schemeClr>
+              </a:lnRef>
+              <a:fillRef idx="1">
+                <a:schemeClr val="accent1"/>
+              </a:fillRef>
+              <a:effectRef idx="0">
+                <a:schemeClr val="accent1"/>
+              </a:effectRef>
+              <a:fontRef idx="minor">
+                <a:schemeClr val="lt1"/>
+              </a:fontRef>
+            </p:style>
+            <p:txBody>
+              <a:bodyPr rtlCol="0" anchor="ctr"/>
+              <a:lstStyle/>
+              <a:p>
+                <a:pPr algn="ctr"/>
+                <a:endParaRPr lang="en-US"/>
+              </a:p>
+            </p:txBody>
+          </p:sp>
+          <p:sp>
+            <p:nvSpPr>
+              <p:cNvPr id="53" name="Abgerundetes Rechteck 52"/>
+              <p:cNvSpPr/>
+              <p:nvPr/>
+            </p:nvSpPr>
+            <p:spPr>
+              <a:xfrm>
+                <a:off x="9860935" y="2897212"/>
+                <a:ext cx="512425" cy="538981"/>
+              </a:xfrm>
+              <a:prstGeom prst="roundRect">
+                <a:avLst/>
+              </a:prstGeom>
+              <a:pattFill prst="dkUpDiag">
+                <a:fgClr>
+                  <a:schemeClr val="bg1"/>
+                </a:fgClr>
+                <a:bgClr>
+                  <a:schemeClr val="accent1"/>
+                </a:bgClr>
+              </a:pattFill>
+            </p:spPr>
+            <p:style>
+              <a:lnRef idx="2">
+                <a:schemeClr val="accent1">
+                  <a:shade val="50000"/>
+                </a:schemeClr>
+              </a:lnRef>
+              <a:fillRef idx="1">
+                <a:schemeClr val="accent1"/>
+              </a:fillRef>
+              <a:effectRef idx="0">
+                <a:schemeClr val="accent1"/>
+              </a:effectRef>
+              <a:fontRef idx="minor">
+                <a:schemeClr val="lt1"/>
+              </a:fontRef>
+            </p:style>
+            <p:txBody>
+              <a:bodyPr rtlCol="0" anchor="ctr"/>
+              <a:lstStyle/>
+              <a:p>
+                <a:pPr algn="ctr"/>
+                <a:endParaRPr lang="en-US"/>
+              </a:p>
+            </p:txBody>
+          </p:sp>
+          <p:sp>
+            <p:nvSpPr>
+              <p:cNvPr id="54" name="Abgerundetes Rechteck 53"/>
+              <p:cNvSpPr/>
+              <p:nvPr/>
+            </p:nvSpPr>
+            <p:spPr>
+              <a:xfrm>
+                <a:off x="8338456" y="1607178"/>
+                <a:ext cx="1014769" cy="539496"/>
+              </a:xfrm>
+              <a:prstGeom prst="roundRect">
+                <a:avLst/>
+              </a:prstGeom>
+            </p:spPr>
+            <p:style>
+              <a:lnRef idx="2">
+                <a:schemeClr val="accent1">
+                  <a:shade val="50000"/>
+                </a:schemeClr>
+              </a:lnRef>
+              <a:fillRef idx="1">
+                <a:schemeClr val="accent1"/>
+              </a:fillRef>
+              <a:effectRef idx="0">
+                <a:schemeClr val="accent1"/>
+              </a:effectRef>
+              <a:fontRef idx="minor">
+                <a:schemeClr val="lt1"/>
+              </a:fontRef>
+            </p:style>
+            <p:txBody>
+              <a:bodyPr rtlCol="0" anchor="ctr"/>
+              <a:lstStyle/>
+              <a:p>
+                <a:pPr algn="ctr"/>
+                <a:endParaRPr lang="en-US"/>
+              </a:p>
+            </p:txBody>
+          </p:sp>
+          <p:sp>
+            <p:nvSpPr>
+              <p:cNvPr id="55" name="Abgerundetes Rechteck 54"/>
+              <p:cNvSpPr/>
+              <p:nvPr/>
+            </p:nvSpPr>
+            <p:spPr>
+              <a:xfrm>
+                <a:off x="8338455" y="1605338"/>
+                <a:ext cx="502260" cy="538981"/>
+              </a:xfrm>
+              <a:prstGeom prst="roundRect">
+                <a:avLst/>
+              </a:prstGeom>
+              <a:pattFill prst="dkUpDiag">
+                <a:fgClr>
+                  <a:schemeClr val="tx1"/>
+                </a:fgClr>
+                <a:bgClr>
+                  <a:schemeClr val="accent1"/>
+                </a:bgClr>
+              </a:pattFill>
+            </p:spPr>
+            <p:style>
+              <a:lnRef idx="2">
+                <a:schemeClr val="accent1">
+                  <a:shade val="50000"/>
+                </a:schemeClr>
+              </a:lnRef>
+              <a:fillRef idx="1">
+                <a:schemeClr val="accent1"/>
+              </a:fillRef>
+              <a:effectRef idx="0">
+                <a:schemeClr val="accent1"/>
+              </a:effectRef>
+              <a:fontRef idx="minor">
+                <a:schemeClr val="lt1"/>
+              </a:fontRef>
+            </p:style>
+            <p:txBody>
+              <a:bodyPr rtlCol="0" anchor="ctr"/>
+              <a:lstStyle/>
+              <a:p>
+                <a:pPr algn="ctr"/>
+                <a:endParaRPr lang="en-US"/>
+              </a:p>
+            </p:txBody>
+          </p:sp>
+          <p:sp>
+            <p:nvSpPr>
+              <p:cNvPr id="56" name="Abgerundetes Rechteck 55"/>
+              <p:cNvSpPr/>
+              <p:nvPr/>
+            </p:nvSpPr>
+            <p:spPr>
+              <a:xfrm>
+                <a:off x="8840716" y="1605338"/>
+                <a:ext cx="512425" cy="538981"/>
+              </a:xfrm>
+              <a:prstGeom prst="roundRect">
+                <a:avLst/>
+              </a:prstGeom>
+              <a:pattFill prst="dkUpDiag">
+                <a:fgClr>
+                  <a:schemeClr val="bg1"/>
+                </a:fgClr>
+                <a:bgClr>
+                  <a:schemeClr val="accent1"/>
+                </a:bgClr>
+              </a:pattFill>
+            </p:spPr>
+            <p:style>
+              <a:lnRef idx="2">
+                <a:schemeClr val="accent1">
+                  <a:shade val="50000"/>
+                </a:schemeClr>
+              </a:lnRef>
+              <a:fillRef idx="1">
+                <a:schemeClr val="accent1"/>
+              </a:fillRef>
+              <a:effectRef idx="0">
+                <a:schemeClr val="accent1"/>
+              </a:effectRef>
+              <a:fontRef idx="minor">
+                <a:schemeClr val="lt1"/>
+              </a:fontRef>
+            </p:style>
+            <p:txBody>
+              <a:bodyPr rtlCol="0" anchor="ctr"/>
+              <a:lstStyle/>
+              <a:p>
+                <a:pPr algn="ctr"/>
+                <a:endParaRPr lang="en-US"/>
+              </a:p>
+            </p:txBody>
+          </p:sp>
+          <p:sp>
+            <p:nvSpPr>
+              <p:cNvPr id="57" name="Abgerundetes Rechteck 56"/>
+              <p:cNvSpPr/>
+              <p:nvPr/>
+            </p:nvSpPr>
+            <p:spPr>
+              <a:xfrm>
+                <a:off x="7314773" y="1598246"/>
+                <a:ext cx="1014769" cy="539496"/>
+              </a:xfrm>
+              <a:prstGeom prst="roundRect">
+                <a:avLst/>
+              </a:prstGeom>
+            </p:spPr>
+            <p:style>
+              <a:lnRef idx="2">
+                <a:schemeClr val="accent1">
+                  <a:shade val="50000"/>
+                </a:schemeClr>
+              </a:lnRef>
+              <a:fillRef idx="1">
+                <a:schemeClr val="accent1"/>
+              </a:fillRef>
+              <a:effectRef idx="0">
+                <a:schemeClr val="accent1"/>
+              </a:effectRef>
+              <a:fontRef idx="minor">
+                <a:schemeClr val="lt1"/>
+              </a:fontRef>
+            </p:style>
+            <p:txBody>
+              <a:bodyPr rtlCol="0" anchor="ctr"/>
+              <a:lstStyle/>
+              <a:p>
+                <a:pPr algn="ctr"/>
+                <a:endParaRPr lang="en-US"/>
+              </a:p>
+            </p:txBody>
+          </p:sp>
+          <p:sp>
+            <p:nvSpPr>
+              <p:cNvPr id="58" name="Abgerundetes Rechteck 57"/>
+              <p:cNvSpPr/>
+              <p:nvPr/>
+            </p:nvSpPr>
+            <p:spPr>
+              <a:xfrm>
+                <a:off x="7314772" y="1596406"/>
+                <a:ext cx="502260" cy="538981"/>
+              </a:xfrm>
+              <a:prstGeom prst="roundRect">
+                <a:avLst/>
+              </a:prstGeom>
+              <a:pattFill prst="dkUpDiag">
+                <a:fgClr>
+                  <a:schemeClr val="tx1"/>
+                </a:fgClr>
+                <a:bgClr>
+                  <a:schemeClr val="accent1"/>
+                </a:bgClr>
+              </a:pattFill>
+            </p:spPr>
+            <p:style>
+              <a:lnRef idx="2">
+                <a:schemeClr val="accent1">
+                  <a:shade val="50000"/>
+                </a:schemeClr>
+              </a:lnRef>
+              <a:fillRef idx="1">
+                <a:schemeClr val="accent1"/>
+              </a:fillRef>
+              <a:effectRef idx="0">
+                <a:schemeClr val="accent1"/>
+              </a:effectRef>
+              <a:fontRef idx="minor">
+                <a:schemeClr val="lt1"/>
+              </a:fontRef>
+            </p:style>
+            <p:txBody>
+              <a:bodyPr rtlCol="0" anchor="ctr"/>
+              <a:lstStyle/>
+              <a:p>
+                <a:pPr algn="ctr"/>
+                <a:endParaRPr lang="en-US"/>
+              </a:p>
+            </p:txBody>
+          </p:sp>
+          <p:sp>
+            <p:nvSpPr>
+              <p:cNvPr id="59" name="Abgerundetes Rechteck 58"/>
+              <p:cNvSpPr/>
+              <p:nvPr/>
+            </p:nvSpPr>
+            <p:spPr>
+              <a:xfrm>
+                <a:off x="7817033" y="1596406"/>
+                <a:ext cx="512425" cy="538981"/>
+              </a:xfrm>
+              <a:prstGeom prst="roundRect">
+                <a:avLst/>
+              </a:prstGeom>
+              <a:pattFill prst="dkUpDiag">
+                <a:fgClr>
+                  <a:schemeClr val="bg1"/>
+                </a:fgClr>
+                <a:bgClr>
+                  <a:schemeClr val="accent1"/>
+                </a:bgClr>
+              </a:pattFill>
+            </p:spPr>
+            <p:style>
+              <a:lnRef idx="2">
+                <a:schemeClr val="accent1">
+                  <a:shade val="50000"/>
+                </a:schemeClr>
+              </a:lnRef>
+              <a:fillRef idx="1">
+                <a:schemeClr val="accent1"/>
+              </a:fillRef>
+              <a:effectRef idx="0">
+                <a:schemeClr val="accent1"/>
+              </a:effectRef>
+              <a:fontRef idx="minor">
+                <a:schemeClr val="lt1"/>
+              </a:fontRef>
+            </p:style>
+            <p:txBody>
+              <a:bodyPr rtlCol="0" anchor="ctr"/>
+              <a:lstStyle/>
+              <a:p>
+                <a:pPr algn="ctr"/>
+                <a:endParaRPr lang="en-US"/>
+              </a:p>
+            </p:txBody>
+          </p:sp>
+          <p:sp>
+            <p:nvSpPr>
+              <p:cNvPr id="60" name="Abgerundetes Rechteck 59"/>
+              <p:cNvSpPr/>
+              <p:nvPr/>
+            </p:nvSpPr>
+            <p:spPr>
+              <a:xfrm>
+                <a:off x="8335841" y="2907830"/>
+                <a:ext cx="502260" cy="538981"/>
+              </a:xfrm>
+              <a:prstGeom prst="roundRect">
+                <a:avLst/>
+              </a:prstGeom>
+              <a:pattFill prst="dkUpDiag">
+                <a:fgClr>
+                  <a:schemeClr val="tx1"/>
+                </a:fgClr>
+                <a:bgClr>
+                  <a:srgbClr val="C00000"/>
+                </a:bgClr>
+              </a:pattFill>
+            </p:spPr>
+            <p:style>
+              <a:lnRef idx="2">
+                <a:schemeClr val="accent1">
+                  <a:shade val="50000"/>
+                </a:schemeClr>
+              </a:lnRef>
+              <a:fillRef idx="1">
+                <a:schemeClr val="accent1"/>
+              </a:fillRef>
+              <a:effectRef idx="0">
+                <a:schemeClr val="accent1"/>
+              </a:effectRef>
+              <a:fontRef idx="minor">
+                <a:schemeClr val="lt1"/>
+              </a:fontRef>
+            </p:style>
+            <p:txBody>
+              <a:bodyPr rtlCol="0" anchor="ctr"/>
+              <a:lstStyle/>
+              <a:p>
+                <a:pPr algn="ctr"/>
+                <a:endParaRPr lang="en-US"/>
+              </a:p>
+            </p:txBody>
+          </p:sp>
+          <p:sp>
+            <p:nvSpPr>
+              <p:cNvPr id="61" name="Abgerundetes Rechteck 60"/>
+              <p:cNvSpPr/>
+              <p:nvPr/>
+            </p:nvSpPr>
+            <p:spPr>
+              <a:xfrm>
+                <a:off x="8838102" y="2907830"/>
+                <a:ext cx="512425" cy="538981"/>
+              </a:xfrm>
+              <a:prstGeom prst="roundRect">
+                <a:avLst/>
+              </a:prstGeom>
+              <a:pattFill prst="dkUpDiag">
+                <a:fgClr>
+                  <a:schemeClr val="bg1"/>
+                </a:fgClr>
+                <a:bgClr>
+                  <a:srgbClr val="C00000"/>
+                </a:bgClr>
+              </a:pattFill>
+            </p:spPr>
+            <p:style>
+              <a:lnRef idx="2">
+                <a:schemeClr val="accent1">
+                  <a:shade val="50000"/>
+                </a:schemeClr>
+              </a:lnRef>
+              <a:fillRef idx="1">
+                <a:schemeClr val="accent1"/>
+              </a:fillRef>
+              <a:effectRef idx="0">
+                <a:schemeClr val="accent1"/>
+              </a:effectRef>
+              <a:fontRef idx="minor">
+                <a:schemeClr val="lt1"/>
+              </a:fontRef>
+            </p:style>
+            <p:txBody>
+              <a:bodyPr rtlCol="0" anchor="ctr"/>
+              <a:lstStyle/>
+              <a:p>
+                <a:pPr algn="ctr"/>
+                <a:endParaRPr lang="en-US"/>
+              </a:p>
+            </p:txBody>
+          </p:sp>
+          <p:sp>
+            <p:nvSpPr>
+              <p:cNvPr id="62" name="Abgerundetes Rechteck 61"/>
+              <p:cNvSpPr/>
+              <p:nvPr/>
+            </p:nvSpPr>
+            <p:spPr>
+              <a:xfrm>
+                <a:off x="7305390" y="2256590"/>
+                <a:ext cx="502260" cy="538981"/>
+              </a:xfrm>
+              <a:prstGeom prst="roundRect">
+                <a:avLst/>
+              </a:prstGeom>
+              <a:pattFill prst="dkUpDiag">
+                <a:fgClr>
+                  <a:schemeClr val="tx1"/>
+                </a:fgClr>
+                <a:bgClr>
+                  <a:srgbClr val="C00000"/>
+                </a:bgClr>
+              </a:pattFill>
+            </p:spPr>
+            <p:style>
+              <a:lnRef idx="2">
+                <a:schemeClr val="accent1">
+                  <a:shade val="50000"/>
+                </a:schemeClr>
+              </a:lnRef>
+              <a:fillRef idx="1">
+                <a:schemeClr val="accent1"/>
+              </a:fillRef>
+              <a:effectRef idx="0">
+                <a:schemeClr val="accent1"/>
+              </a:effectRef>
+              <a:fontRef idx="minor">
+                <a:schemeClr val="lt1"/>
+              </a:fontRef>
+            </p:style>
+            <p:txBody>
+              <a:bodyPr rtlCol="0" anchor="ctr"/>
+              <a:lstStyle/>
+              <a:p>
+                <a:pPr algn="ctr"/>
+                <a:endParaRPr lang="en-US"/>
+              </a:p>
+            </p:txBody>
+          </p:sp>
+          <p:sp>
+            <p:nvSpPr>
+              <p:cNvPr id="63" name="Abgerundetes Rechteck 62"/>
+              <p:cNvSpPr/>
+              <p:nvPr/>
+            </p:nvSpPr>
+            <p:spPr>
+              <a:xfrm>
+                <a:off x="7807651" y="2256590"/>
+                <a:ext cx="512425" cy="538981"/>
+              </a:xfrm>
+              <a:prstGeom prst="roundRect">
+                <a:avLst/>
+              </a:prstGeom>
+              <a:pattFill prst="dkUpDiag">
+                <a:fgClr>
+                  <a:schemeClr val="bg1"/>
+                </a:fgClr>
+                <a:bgClr>
+                  <a:srgbClr val="C00000"/>
+                </a:bgClr>
+              </a:pattFill>
+            </p:spPr>
+            <p:style>
+              <a:lnRef idx="2">
+                <a:schemeClr val="accent1">
+                  <a:shade val="50000"/>
+                </a:schemeClr>
+              </a:lnRef>
+              <a:fillRef idx="1">
+                <a:schemeClr val="accent1"/>
+              </a:fillRef>
+              <a:effectRef idx="0">
+                <a:schemeClr val="accent1"/>
+              </a:effectRef>
+              <a:fontRef idx="minor">
+                <a:schemeClr val="lt1"/>
+              </a:fontRef>
+            </p:style>
+            <p:txBody>
+              <a:bodyPr rtlCol="0" anchor="ctr"/>
+              <a:lstStyle/>
+              <a:p>
+                <a:pPr algn="ctr"/>
+                <a:endParaRPr lang="en-US"/>
+              </a:p>
+            </p:txBody>
+          </p:sp>
+          <p:sp>
+            <p:nvSpPr>
+              <p:cNvPr id="64" name="Abgerundetes Rechteck 63"/>
+              <p:cNvSpPr/>
+              <p:nvPr/>
+            </p:nvSpPr>
+            <p:spPr>
+              <a:xfrm>
+                <a:off x="9350527" y="1609533"/>
+                <a:ext cx="502260" cy="538981"/>
+              </a:xfrm>
+              <a:prstGeom prst="roundRect">
+                <a:avLst/>
+              </a:prstGeom>
+              <a:pattFill prst="dkUpDiag">
+                <a:fgClr>
+                  <a:schemeClr val="tx1"/>
+                </a:fgClr>
+                <a:bgClr>
+                  <a:srgbClr val="C00000"/>
+                </a:bgClr>
+              </a:pattFill>
+            </p:spPr>
+            <p:style>
+              <a:lnRef idx="2">
+                <a:schemeClr val="accent1">
+                  <a:shade val="50000"/>
+                </a:schemeClr>
+              </a:lnRef>
+              <a:fillRef idx="1">
+                <a:schemeClr val="accent1"/>
+              </a:fillRef>
+              <a:effectRef idx="0">
+                <a:schemeClr val="accent1"/>
+              </a:effectRef>
+              <a:fontRef idx="minor">
+                <a:schemeClr val="lt1"/>
+              </a:fontRef>
+            </p:style>
+            <p:txBody>
+              <a:bodyPr rtlCol="0" anchor="ctr"/>
+              <a:lstStyle/>
+              <a:p>
+                <a:pPr algn="ctr"/>
+                <a:endParaRPr lang="en-US"/>
+              </a:p>
+            </p:txBody>
+          </p:sp>
+          <p:sp>
+            <p:nvSpPr>
+              <p:cNvPr id="65" name="Abgerundetes Rechteck 64"/>
+              <p:cNvSpPr/>
+              <p:nvPr/>
+            </p:nvSpPr>
+            <p:spPr>
+              <a:xfrm>
+                <a:off x="9852788" y="1609533"/>
+                <a:ext cx="512425" cy="538981"/>
+              </a:xfrm>
+              <a:prstGeom prst="roundRect">
+                <a:avLst/>
+              </a:prstGeom>
+              <a:pattFill prst="dkUpDiag">
+                <a:fgClr>
+                  <a:schemeClr val="bg1"/>
+                </a:fgClr>
+                <a:bgClr>
+                  <a:srgbClr val="C00000"/>
+                </a:bgClr>
+              </a:pattFill>
+            </p:spPr>
+            <p:style>
+              <a:lnRef idx="2">
+                <a:schemeClr val="accent1">
+                  <a:shade val="50000"/>
+                </a:schemeClr>
+              </a:lnRef>
+              <a:fillRef idx="1">
+                <a:schemeClr val="accent1"/>
+              </a:fillRef>
+              <a:effectRef idx="0">
+                <a:schemeClr val="accent1"/>
+              </a:effectRef>
+              <a:fontRef idx="minor">
+                <a:schemeClr val="lt1"/>
+              </a:fontRef>
+            </p:style>
+            <p:txBody>
+              <a:bodyPr rtlCol="0" anchor="ctr"/>
+              <a:lstStyle/>
+              <a:p>
+                <a:pPr algn="ctr"/>
+                <a:endParaRPr lang="en-US"/>
+              </a:p>
+            </p:txBody>
+          </p:sp>
+        </p:grpSp>
+        <p:grpSp>
+          <p:nvGrpSpPr>
+            <p:cNvPr id="28" name="Gruppieren 27"/>
+            <p:cNvGrpSpPr/>
+            <p:nvPr/>
+          </p:nvGrpSpPr>
+          <p:grpSpPr>
+            <a:xfrm>
+              <a:off x="1034646" y="4371046"/>
+              <a:ext cx="3176456" cy="2297947"/>
+              <a:chOff x="1035050" y="3562350"/>
+              <a:chExt cx="3176456" cy="2672968"/>
+            </a:xfrm>
+          </p:grpSpPr>
+          <p:sp>
+            <p:nvSpPr>
+              <p:cNvPr id="33" name="Abgerundetes Rechteck 32"/>
+              <p:cNvSpPr/>
+              <p:nvPr/>
+            </p:nvSpPr>
+            <p:spPr>
+              <a:xfrm>
+                <a:off x="1035050" y="3562350"/>
+                <a:ext cx="3079750" cy="2672968"/>
+              </a:xfrm>
+              <a:prstGeom prst="roundRect">
+                <a:avLst/>
+              </a:prstGeom>
+              <a:noFill/>
+            </p:spPr>
+            <p:style>
+              <a:lnRef idx="2">
+                <a:schemeClr val="accent1">
+                  <a:shade val="50000"/>
+                </a:schemeClr>
+              </a:lnRef>
+              <a:fillRef idx="1">
+                <a:schemeClr val="accent1"/>
+              </a:fillRef>
+              <a:effectRef idx="0">
+                <a:schemeClr val="accent1"/>
+              </a:effectRef>
+              <a:fontRef idx="minor">
+                <a:schemeClr val="lt1"/>
+              </a:fontRef>
+            </p:style>
+            <p:txBody>
+              <a:bodyPr rtlCol="0" anchor="ctr"/>
+              <a:lstStyle/>
+              <a:p>
+                <a:pPr algn="ctr"/>
+                <a:endParaRPr lang="en-US"/>
+              </a:p>
+            </p:txBody>
+          </p:sp>
+          <p:grpSp>
+            <p:nvGrpSpPr>
+              <p:cNvPr id="34" name="Gruppieren 33"/>
+              <p:cNvGrpSpPr/>
+              <p:nvPr/>
+            </p:nvGrpSpPr>
+            <p:grpSpPr>
+              <a:xfrm>
+                <a:off x="1062473" y="5061720"/>
+                <a:ext cx="3025140" cy="539496"/>
+                <a:chOff x="1586842" y="4783312"/>
+                <a:chExt cx="3025140" cy="539496"/>
+              </a:xfrm>
+            </p:grpSpPr>
+            <p:sp>
+              <p:nvSpPr>
+                <p:cNvPr id="40" name="Abgerundetes Rechteck 39"/>
+                <p:cNvSpPr/>
+                <p:nvPr/>
+              </p:nvSpPr>
+              <p:spPr>
+                <a:xfrm>
+                  <a:off x="1586842" y="4783312"/>
+                  <a:ext cx="3025140" cy="539496"/>
+                </a:xfrm>
+                <a:prstGeom prst="roundRect">
+                  <a:avLst/>
+                </a:prstGeom>
+                <a:pattFill prst="wdDnDiag">
+                  <a:fgClr>
+                    <a:srgbClr val="FF0000"/>
+                  </a:fgClr>
+                  <a:bgClr>
+                    <a:schemeClr val="accent1"/>
+                  </a:bgClr>
+                </a:pattFill>
+              </p:spPr>
+              <p:style>
+                <a:lnRef idx="2">
+                  <a:schemeClr val="accent1">
+                    <a:shade val="50000"/>
+                  </a:schemeClr>
+                </a:lnRef>
+                <a:fillRef idx="1">
+                  <a:schemeClr val="accent1"/>
+                </a:fillRef>
+                <a:effectRef idx="0">
+                  <a:schemeClr val="accent1"/>
+                </a:effectRef>
+                <a:fontRef idx="minor">
+                  <a:schemeClr val="lt1"/>
+                </a:fontRef>
+              </p:style>
+              <p:txBody>
+                <a:bodyPr rtlCol="0" anchor="ctr"/>
+                <a:lstStyle/>
+                <a:p>
+                  <a:pPr algn="ctr"/>
+                  <a:endParaRPr lang="en-US"/>
+                </a:p>
+              </p:txBody>
+            </p:sp>
+            <p:sp>
+              <p:nvSpPr>
+                <p:cNvPr id="41" name="Abgerundetes Rechteck 40"/>
+                <p:cNvSpPr/>
+                <p:nvPr/>
+              </p:nvSpPr>
+              <p:spPr>
+                <a:xfrm>
+                  <a:off x="4051300" y="4783312"/>
+                  <a:ext cx="560682" cy="539496"/>
+                </a:xfrm>
+                <a:prstGeom prst="roundRect">
+                  <a:avLst/>
+                </a:prstGeom>
+                <a:solidFill>
+                  <a:srgbClr val="00B050"/>
+                </a:solidFill>
+                <a:ln>
+                  <a:noFill/>
+                </a:ln>
+              </p:spPr>
+              <p:style>
+                <a:lnRef idx="2">
+                  <a:schemeClr val="accent1">
+                    <a:shade val="50000"/>
+                  </a:schemeClr>
+                </a:lnRef>
+                <a:fillRef idx="1">
+                  <a:schemeClr val="accent1"/>
+                </a:fillRef>
+                <a:effectRef idx="0">
+                  <a:schemeClr val="accent1"/>
+                </a:effectRef>
+                <a:fontRef idx="minor">
+                  <a:schemeClr val="lt1"/>
+                </a:fontRef>
+              </p:style>
+              <p:txBody>
+                <a:bodyPr rtlCol="0" anchor="ctr"/>
+                <a:lstStyle/>
+                <a:p>
+                  <a:pPr algn="ctr"/>
+                  <a:endParaRPr lang="en-US"/>
+                </a:p>
+              </p:txBody>
+            </p:sp>
+            <p:sp>
+              <p:nvSpPr>
+                <p:cNvPr id="42" name="Abgerundetes Rechteck 41"/>
+                <p:cNvSpPr/>
+                <p:nvPr/>
+              </p:nvSpPr>
+              <p:spPr>
+                <a:xfrm>
+                  <a:off x="4051300" y="4783312"/>
+                  <a:ext cx="234950" cy="539496"/>
+                </a:xfrm>
+                <a:prstGeom prst="roundRect">
+                  <a:avLst/>
+                </a:prstGeom>
+                <a:pattFill prst="wdDnDiag">
+                  <a:fgClr>
+                    <a:srgbClr val="C00000"/>
+                  </a:fgClr>
+                  <a:bgClr>
+                    <a:srgbClr val="00B050"/>
+                  </a:bgClr>
+                </a:pattFill>
+                <a:ln>
+                  <a:noFill/>
+                </a:ln>
+              </p:spPr>
+              <p:style>
+                <a:lnRef idx="2">
+                  <a:schemeClr val="accent1">
+                    <a:shade val="50000"/>
+                  </a:schemeClr>
+                </a:lnRef>
+                <a:fillRef idx="1">
+                  <a:schemeClr val="accent1"/>
+                </a:fillRef>
+                <a:effectRef idx="0">
+                  <a:schemeClr val="accent1"/>
+                </a:effectRef>
+                <a:fontRef idx="minor">
+                  <a:schemeClr val="lt1"/>
+                </a:fontRef>
+              </p:style>
+              <p:txBody>
+                <a:bodyPr rtlCol="0" anchor="ctr"/>
+                <a:lstStyle/>
+                <a:p>
+                  <a:pPr algn="ctr"/>
+                  <a:endParaRPr lang="en-US"/>
+                </a:p>
+              </p:txBody>
+            </p:sp>
+          </p:grpSp>
+          <p:sp>
+            <p:nvSpPr>
+              <p:cNvPr id="35" name="Abgerundetes Rechteck 34"/>
+              <p:cNvSpPr/>
+              <p:nvPr/>
+            </p:nvSpPr>
+            <p:spPr>
+              <a:xfrm>
+                <a:off x="1062474" y="4125495"/>
+                <a:ext cx="1508760" cy="539496"/>
+              </a:xfrm>
+              <a:prstGeom prst="roundRect">
+                <a:avLst/>
+              </a:prstGeom>
+            </p:spPr>
+            <p:style>
+              <a:lnRef idx="2">
+                <a:schemeClr val="accent1">
+                  <a:shade val="50000"/>
+                </a:schemeClr>
+              </a:lnRef>
+              <a:fillRef idx="1">
+                <a:schemeClr val="accent1"/>
+              </a:fillRef>
+              <a:effectRef idx="0">
+                <a:schemeClr val="accent1"/>
+              </a:effectRef>
+              <a:fontRef idx="minor">
+                <a:schemeClr val="lt1"/>
+              </a:fontRef>
+            </p:style>
+            <p:txBody>
+              <a:bodyPr rtlCol="0" anchor="ctr"/>
+              <a:lstStyle/>
+              <a:p>
+                <a:pPr algn="ctr"/>
+                <a:endParaRPr lang="en-US"/>
+              </a:p>
+            </p:txBody>
+          </p:sp>
+          <p:sp>
+            <p:nvSpPr>
+              <p:cNvPr id="36" name="Abgerundetes Rechteck 35"/>
+              <p:cNvSpPr/>
+              <p:nvPr/>
+            </p:nvSpPr>
+            <p:spPr>
+              <a:xfrm>
+                <a:off x="2578854" y="4125495"/>
+                <a:ext cx="1508760" cy="539496"/>
+              </a:xfrm>
+              <a:prstGeom prst="roundRect">
+                <a:avLst/>
+              </a:prstGeom>
+            </p:spPr>
+            <p:style>
+              <a:lnRef idx="2">
+                <a:schemeClr val="accent1">
+                  <a:shade val="50000"/>
+                </a:schemeClr>
+              </a:lnRef>
+              <a:fillRef idx="1">
+                <a:schemeClr val="accent1"/>
+              </a:fillRef>
+              <a:effectRef idx="0">
+                <a:schemeClr val="accent1"/>
+              </a:effectRef>
+              <a:fontRef idx="minor">
+                <a:schemeClr val="lt1"/>
+              </a:fontRef>
+            </p:style>
+            <p:txBody>
+              <a:bodyPr rtlCol="0" anchor="ctr"/>
+              <a:lstStyle/>
+              <a:p>
+                <a:pPr algn="ctr"/>
+                <a:endParaRPr lang="en-US"/>
+              </a:p>
+            </p:txBody>
+          </p:sp>
+          <p:sp>
+            <p:nvSpPr>
+              <p:cNvPr id="37" name="Textfeld 36"/>
+              <p:cNvSpPr txBox="1"/>
+              <p:nvPr/>
+            </p:nvSpPr>
+            <p:spPr>
+              <a:xfrm>
+                <a:off x="1062474" y="5764030"/>
+                <a:ext cx="1508760" cy="393092"/>
+              </a:xfrm>
+              <a:prstGeom prst="rect">
+                <a:avLst/>
+              </a:prstGeom>
+              <a:noFill/>
+            </p:spPr>
+            <p:txBody>
+              <a:bodyPr wrap="square" rtlCol="0">
+                <a:spAutoFit/>
+              </a:bodyPr>
+              <a:lstStyle/>
+              <a:p>
+                <a:pPr algn="ctr"/>
+                <a:r>
+                  <a:rPr lang="en-US" sz="1600" smtClean="0">
+                    <a:solidFill>
+                      <a:srgbClr val="C00000"/>
+                    </a:solidFill>
+                  </a:rPr>
+                  <a:t>Decoys</a:t>
+                </a:r>
+                <a:endParaRPr lang="en-US">
+                  <a:solidFill>
+                    <a:srgbClr val="C00000"/>
+                  </a:solidFill>
+                </a:endParaRPr>
+              </a:p>
+            </p:txBody>
+          </p:sp>
+          <p:sp>
+            <p:nvSpPr>
+              <p:cNvPr id="38" name="Textfeld 37"/>
+              <p:cNvSpPr txBox="1"/>
+              <p:nvPr/>
+            </p:nvSpPr>
+            <p:spPr>
+              <a:xfrm>
+                <a:off x="2173041" y="5764032"/>
+                <a:ext cx="2038465" cy="393092"/>
+              </a:xfrm>
+              <a:prstGeom prst="rect">
+                <a:avLst/>
+              </a:prstGeom>
+              <a:noFill/>
+            </p:spPr>
+            <p:txBody>
+              <a:bodyPr wrap="square" rtlCol="0">
+                <a:spAutoFit/>
+              </a:bodyPr>
+              <a:lstStyle/>
+              <a:p>
+                <a:pPr algn="ctr"/>
+                <a:r>
+                  <a:rPr lang="en-US" sz="1600" smtClean="0">
+                    <a:solidFill>
+                      <a:srgbClr val="00B050"/>
+                    </a:solidFill>
+                  </a:rPr>
+                  <a:t>5% q-value</a:t>
+                </a:r>
+                <a:endParaRPr lang="en-US" sz="1600">
+                  <a:solidFill>
+                    <a:srgbClr val="00B050"/>
+                  </a:solidFill>
+                </a:endParaRPr>
+              </a:p>
+            </p:txBody>
+          </p:sp>
+          <p:sp>
+            <p:nvSpPr>
+              <p:cNvPr id="39" name="Textfeld 38"/>
+              <p:cNvSpPr txBox="1"/>
+              <p:nvPr/>
+            </p:nvSpPr>
+            <p:spPr>
+              <a:xfrm>
+                <a:off x="1062472" y="3587497"/>
+                <a:ext cx="3025139" cy="393092"/>
+              </a:xfrm>
+              <a:prstGeom prst="rect">
+                <a:avLst/>
+              </a:prstGeom>
+              <a:noFill/>
+            </p:spPr>
+            <p:txBody>
+              <a:bodyPr wrap="square" rtlCol="0">
+                <a:spAutoFit/>
+              </a:bodyPr>
+              <a:lstStyle/>
+              <a:p>
+                <a:pPr algn="ctr"/>
+                <a:r>
+                  <a:rPr lang="en-US" sz="1600" b="1" smtClean="0">
+                    <a:solidFill>
+                      <a:schemeClr val="accent1"/>
+                    </a:solidFill>
+                  </a:rPr>
+                  <a:t>Training</a:t>
+                </a:r>
+                <a:endParaRPr lang="en-US" b="1">
+                  <a:solidFill>
+                    <a:schemeClr val="accent1"/>
+                  </a:solidFill>
+                </a:endParaRPr>
+              </a:p>
+            </p:txBody>
+          </p:sp>
+        </p:grpSp>
+        <p:grpSp>
+          <p:nvGrpSpPr>
+            <p:cNvPr id="29" name="Gruppieren 28"/>
+            <p:cNvGrpSpPr/>
+            <p:nvPr/>
+          </p:nvGrpSpPr>
+          <p:grpSpPr>
+            <a:xfrm>
+              <a:off x="5157435" y="4390908"/>
+              <a:ext cx="1508760" cy="1697568"/>
+              <a:chOff x="5157839" y="3388967"/>
+              <a:chExt cx="1508760" cy="1974608"/>
+            </a:xfrm>
+          </p:grpSpPr>
+          <p:sp>
+            <p:nvSpPr>
+              <p:cNvPr id="30" name="Pfeil nach rechts 29"/>
+              <p:cNvSpPr/>
+              <p:nvPr/>
+            </p:nvSpPr>
+            <p:spPr>
+              <a:xfrm>
+                <a:off x="5433312" y="4359256"/>
+                <a:ext cx="961043" cy="1004319"/>
+              </a:xfrm>
+              <a:prstGeom prst="rightArrow">
+                <a:avLst/>
+              </a:prstGeom>
+            </p:spPr>
+            <p:style>
+              <a:lnRef idx="2">
+                <a:schemeClr val="accent1">
+                  <a:shade val="50000"/>
+                </a:schemeClr>
+              </a:lnRef>
+              <a:fillRef idx="1">
+                <a:schemeClr val="accent1"/>
+              </a:fillRef>
+              <a:effectRef idx="0">
+                <a:schemeClr val="accent1"/>
+              </a:effectRef>
+              <a:fontRef idx="minor">
+                <a:schemeClr val="lt1"/>
+              </a:fontRef>
+            </p:style>
+            <p:txBody>
+              <a:bodyPr rtlCol="0" anchor="ctr"/>
+              <a:lstStyle/>
+              <a:p>
+                <a:pPr algn="r"/>
+                <a:r>
+                  <a:rPr lang="en-US" sz="2000" smtClean="0">
+                    <a:solidFill>
+                      <a:schemeClr val="bg1"/>
+                    </a:solidFill>
+                  </a:rPr>
+                  <a:t>3x</a:t>
+                </a:r>
+                <a:endParaRPr lang="en-US">
+                  <a:solidFill>
+                    <a:schemeClr val="bg1"/>
+                  </a:solidFill>
+                </a:endParaRPr>
+              </a:p>
+            </p:txBody>
+          </p:sp>
+          <p:sp>
+            <p:nvSpPr>
+              <p:cNvPr id="31" name="Abgerundetes Rechteck 30"/>
+              <p:cNvSpPr/>
+              <p:nvPr/>
+            </p:nvSpPr>
+            <p:spPr>
+              <a:xfrm>
+                <a:off x="5157839" y="3753643"/>
+                <a:ext cx="1508760" cy="539496"/>
+              </a:xfrm>
+              <a:prstGeom prst="roundRect">
+                <a:avLst/>
+              </a:prstGeom>
+              <a:solidFill>
+                <a:schemeClr val="accent4"/>
+              </a:solidFill>
+            </p:spPr>
+            <p:style>
+              <a:lnRef idx="2">
+                <a:schemeClr val="accent1">
+                  <a:shade val="50000"/>
+                </a:schemeClr>
+              </a:lnRef>
+              <a:fillRef idx="1">
+                <a:schemeClr val="accent1"/>
+              </a:fillRef>
+              <a:effectRef idx="0">
+                <a:schemeClr val="accent1"/>
+              </a:effectRef>
+              <a:fontRef idx="minor">
+                <a:schemeClr val="lt1"/>
+              </a:fontRef>
+            </p:style>
+            <p:txBody>
+              <a:bodyPr rtlCol="0" anchor="ctr"/>
+              <a:lstStyle/>
+              <a:p>
+                <a:pPr algn="ctr"/>
+                <a:endParaRPr lang="en-US"/>
+              </a:p>
+            </p:txBody>
+          </p:sp>
+          <p:sp>
+            <p:nvSpPr>
+              <p:cNvPr id="32" name="Textfeld 31"/>
+              <p:cNvSpPr txBox="1"/>
+              <p:nvPr/>
+            </p:nvSpPr>
+            <p:spPr>
+              <a:xfrm>
+                <a:off x="5157839" y="3388967"/>
+                <a:ext cx="1508760" cy="393092"/>
+              </a:xfrm>
+              <a:prstGeom prst="rect">
+                <a:avLst/>
+              </a:prstGeom>
+              <a:noFill/>
+            </p:spPr>
+            <p:txBody>
+              <a:bodyPr wrap="square" rtlCol="0">
+                <a:spAutoFit/>
+              </a:bodyPr>
+              <a:lstStyle/>
+              <a:p>
+                <a:pPr algn="ctr"/>
+                <a:r>
+                  <a:rPr lang="en-US" sz="1600" b="1" smtClean="0">
+                    <a:solidFill>
+                      <a:schemeClr val="accent4"/>
+                    </a:solidFill>
+                  </a:rPr>
+                  <a:t>Scoring</a:t>
+                </a:r>
+                <a:endParaRPr lang="en-US" b="1">
+                  <a:solidFill>
+                    <a:schemeClr val="accent4"/>
+                  </a:solidFill>
+                </a:endParaRPr>
+              </a:p>
+            </p:txBody>
+          </p:sp>
+        </p:grpSp>
+      </p:grpSp>
+      <p:graphicFrame>
+        <p:nvGraphicFramePr>
+          <p:cNvPr id="111" name="Tabelle 110"/>
+          <p:cNvGraphicFramePr>
+            <a:graphicFrameLocks noGrp="1"/>
+          </p:cNvGraphicFramePr>
+          <p:nvPr>
+            <p:extLst>
+              <p:ext uri="{D42A27DB-BD31-4B8C-83A1-F6EECF244321}">
+                <p14:modId xmlns:p14="http://schemas.microsoft.com/office/powerpoint/2010/main" val="1249470389"/>
+              </p:ext>
+            </p:extLst>
+          </p:nvPr>
+        </p:nvGraphicFramePr>
+        <p:xfrm>
+          <a:off x="2869767" y="2837600"/>
+          <a:ext cx="1538800" cy="960692"/>
+        </p:xfrm>
+        <a:graphic>
+          <a:graphicData uri="http://schemas.openxmlformats.org/drawingml/2006/table">
+            <a:tbl>
+              <a:tblPr firstRow="1" bandRow="1">
+                <a:tableStyleId>{5C22544A-7EE6-4342-B048-85BDC9FD1C3A}</a:tableStyleId>
+              </a:tblPr>
+              <a:tblGrid>
+                <a:gridCol w="384700"/>
+                <a:gridCol w="384700"/>
+                <a:gridCol w="384700"/>
+                <a:gridCol w="384700"/>
+              </a:tblGrid>
+              <a:tr h="276274">
+                <a:tc>
+                  <a:txBody>
+                    <a:bodyPr/>
+                    <a:lstStyle/>
+                    <a:p>
+                      <a:r>
+                        <a:rPr lang="en-US" sz="1400" smtClean="0">
+                          <a:solidFill>
+                            <a:schemeClr val="tx1"/>
+                          </a:solidFill>
+                        </a:rPr>
+                        <a:t>C</a:t>
+                      </a:r>
+                      <a:r>
+                        <a:rPr lang="en-US" sz="1400" baseline="30000" smtClean="0">
+                          <a:solidFill>
+                            <a:schemeClr val="tx1"/>
+                          </a:solidFill>
+                        </a:rPr>
+                        <a:t>+</a:t>
+                      </a:r>
+                      <a:endParaRPr lang="en-US" sz="1400" baseline="0">
+                        <a:solidFill>
+                          <a:schemeClr val="tx1"/>
+                        </a:solidFill>
+                      </a:endParaRPr>
+                    </a:p>
+                  </a:txBody>
+                  <a:tcPr marL="66818" marR="66818" marT="33409" marB="33409">
+                    <a:lnL w="12700" cap="flat" cmpd="sng" algn="ctr">
+                      <a:solidFill>
+                        <a:schemeClr val="tx1"/>
+                      </a:solidFill>
+                      <a:prstDash val="solid"/>
+                      <a:round/>
+                      <a:headEnd type="none" w="med" len="med"/>
+                      <a:tailEnd type="none" w="med" len="med"/>
+                    </a:lnL>
+                    <a:lnR w="12700" cap="flat" cmpd="sng" algn="ctr">
+                      <a:solidFill>
+                        <a:schemeClr val="tx1"/>
+                      </a:solidFill>
+                      <a:prstDash val="solid"/>
+                      <a:round/>
+                      <a:headEnd type="none" w="med" len="med"/>
+                      <a:tailEnd type="none" w="med" len="med"/>
+                    </a:lnR>
+                    <a:lnT w="12700" cap="flat" cmpd="sng" algn="ctr">
+                      <a:solidFill>
+                        <a:schemeClr val="tx1"/>
+                      </a:solidFill>
+                      <a:prstDash val="solid"/>
+                      <a:round/>
+                      <a:headEnd type="none" w="med" len="med"/>
+                      <a:tailEnd type="none" w="med" len="med"/>
+                    </a:lnT>
+                    <a:lnB w="12700" cap="flat" cmpd="sng" algn="ctr">
+                      <a:solidFill>
+                        <a:schemeClr val="tx1"/>
+                      </a:solidFill>
+                      <a:prstDash val="solid"/>
+                      <a:round/>
+                      <a:headEnd type="none" w="med" len="med"/>
+                      <a:tailEnd type="none" w="med" len="med"/>
+                    </a:lnB>
+                    <a:lnTlToBr w="12700" cmpd="sng">
+                      <a:noFill/>
+                      <a:prstDash val="solid"/>
+                    </a:lnTlToBr>
+                    <a:lnBlToTr w="12700" cmpd="sng">
+                      <a:noFill/>
+                      <a:prstDash val="solid"/>
+                    </a:lnBlToTr>
+                    <a:solidFill>
+                      <a:schemeClr val="bg1"/>
+                    </a:solidFill>
+                  </a:tcPr>
+                </a:tc>
+                <a:tc>
+                  <a:txBody>
+                    <a:bodyPr/>
+                    <a:lstStyle/>
+                    <a:p>
+                      <a:r>
+                        <a:rPr lang="en-US" sz="1400" smtClean="0">
+                          <a:solidFill>
+                            <a:schemeClr val="tx1"/>
+                          </a:solidFill>
+                        </a:rPr>
+                        <a:t>0.1</a:t>
+                      </a:r>
+                      <a:endParaRPr lang="en-US" sz="1400">
+                        <a:solidFill>
+                          <a:schemeClr val="tx1"/>
+                        </a:solidFill>
+                      </a:endParaRPr>
+                    </a:p>
+                  </a:txBody>
+                  <a:tcPr marL="66818" marR="66818" marT="33409" marB="33409">
+                    <a:lnL w="12700" cap="flat" cmpd="sng" algn="ctr">
+                      <a:solidFill>
+                        <a:schemeClr val="tx1"/>
+                      </a:solidFill>
+                      <a:prstDash val="solid"/>
+                      <a:round/>
+                      <a:headEnd type="none" w="med" len="med"/>
+                      <a:tailEnd type="none" w="med" len="med"/>
+                    </a:lnL>
+                    <a:lnR w="12700" cap="flat" cmpd="sng" algn="ctr">
+                      <a:noFill/>
+                      <a:prstDash val="solid"/>
+                      <a:round/>
+                      <a:headEnd type="none" w="med" len="med"/>
+                      <a:tailEnd type="none" w="med" len="med"/>
+                    </a:lnR>
+                    <a:lnT w="12700" cap="flat" cmpd="sng" algn="ctr">
+                      <a:solidFill>
+                        <a:schemeClr val="tx1"/>
+                      </a:solidFill>
+                      <a:prstDash val="solid"/>
+                      <a:round/>
+                      <a:headEnd type="none" w="med" len="med"/>
+                      <a:tailEnd type="none" w="med" len="med"/>
+                    </a:lnT>
+                    <a:lnB w="12700" cap="flat" cmpd="sng" algn="ctr">
+                      <a:solidFill>
+                        <a:schemeClr val="tx1"/>
+                      </a:solidFill>
+                      <a:prstDash val="solid"/>
+                      <a:round/>
+                      <a:headEnd type="none" w="med" len="med"/>
+                      <a:tailEnd type="none" w="med" len="med"/>
+                    </a:lnB>
+                    <a:lnTlToBr w="12700" cmpd="sng">
+                      <a:noFill/>
+                      <a:prstDash val="solid"/>
+                    </a:lnTlToBr>
+                    <a:lnBlToTr w="12700" cmpd="sng">
+                      <a:noFill/>
+                      <a:prstDash val="solid"/>
+                    </a:lnBlToTr>
+                    <a:solidFill>
+                      <a:schemeClr val="accent2">
+                        <a:lumMod val="75000"/>
+                      </a:schemeClr>
+                    </a:solidFill>
+                  </a:tcPr>
+                </a:tc>
+                <a:tc>
+                  <a:txBody>
+                    <a:bodyPr/>
+                    <a:lstStyle/>
+                    <a:p>
+                      <a:r>
+                        <a:rPr lang="en-US" sz="1400" smtClean="0">
+                          <a:solidFill>
+                            <a:schemeClr val="tx1"/>
+                          </a:solidFill>
+                        </a:rPr>
+                        <a:t>1</a:t>
+                      </a:r>
+                      <a:endParaRPr lang="en-US" sz="1400">
+                        <a:solidFill>
+                          <a:schemeClr val="tx1"/>
+                        </a:solidFill>
+                      </a:endParaRPr>
+                    </a:p>
+                  </a:txBody>
+                  <a:tcPr marL="66818" marR="66818" marT="33409" marB="33409">
+                    <a:lnL w="12700" cap="flat" cmpd="sng" algn="ctr">
+                      <a:noFill/>
+                      <a:prstDash val="solid"/>
+                      <a:round/>
+                      <a:headEnd type="none" w="med" len="med"/>
+                      <a:tailEnd type="none" w="med" len="med"/>
+                    </a:lnL>
+                    <a:lnR w="12700" cap="flat" cmpd="sng" algn="ctr">
+                      <a:noFill/>
+                      <a:prstDash val="solid"/>
+                      <a:round/>
+                      <a:headEnd type="none" w="med" len="med"/>
+                      <a:tailEnd type="none" w="med" len="med"/>
+                    </a:lnR>
+                    <a:lnT w="12700" cap="flat" cmpd="sng" algn="ctr">
+                      <a:solidFill>
+                        <a:schemeClr val="tx1"/>
+                      </a:solidFill>
+                      <a:prstDash val="solid"/>
+                      <a:round/>
+                      <a:headEnd type="none" w="med" len="med"/>
+                      <a:tailEnd type="none" w="med" len="med"/>
+                    </a:lnT>
+                    <a:lnB w="12700" cap="flat" cmpd="sng" algn="ctr">
+                      <a:solidFill>
+                        <a:schemeClr val="tx1"/>
+                      </a:solidFill>
+                      <a:prstDash val="solid"/>
+                      <a:round/>
+                      <a:headEnd type="none" w="med" len="med"/>
+                      <a:tailEnd type="none" w="med" len="med"/>
+                    </a:lnB>
+                    <a:lnTlToBr w="12700" cmpd="sng">
+                      <a:noFill/>
+                      <a:prstDash val="solid"/>
+                    </a:lnTlToBr>
+                    <a:lnBlToTr w="12700" cmpd="sng">
+                      <a:noFill/>
+                      <a:prstDash val="solid"/>
+                    </a:lnBlToTr>
+                    <a:solidFill>
+                      <a:schemeClr val="accent6">
+                        <a:lumMod val="75000"/>
+                      </a:schemeClr>
+                    </a:solidFill>
+                  </a:tcPr>
+                </a:tc>
+                <a:tc>
+                  <a:txBody>
+                    <a:bodyPr/>
+                    <a:lstStyle/>
+                    <a:p>
+                      <a:r>
+                        <a:rPr lang="en-US" sz="1400" smtClean="0">
+                          <a:solidFill>
+                            <a:schemeClr val="tx1"/>
+                          </a:solidFill>
+                        </a:rPr>
+                        <a:t>10</a:t>
+                      </a:r>
+                      <a:endParaRPr lang="en-US" sz="1400">
+                        <a:solidFill>
+                          <a:schemeClr val="tx1"/>
+                        </a:solidFill>
+                      </a:endParaRPr>
+                    </a:p>
+                  </a:txBody>
+                  <a:tcPr marL="66818" marR="66818" marT="33409" marB="33409">
+                    <a:lnL w="12700" cap="flat" cmpd="sng" algn="ctr">
+                      <a:noFill/>
+                      <a:prstDash val="solid"/>
+                      <a:round/>
+                      <a:headEnd type="none" w="med" len="med"/>
+                      <a:tailEnd type="none" w="med" len="med"/>
+                    </a:lnL>
+                    <a:lnR w="12700" cap="flat" cmpd="sng" algn="ctr">
+                      <a:solidFill>
+                        <a:schemeClr val="tx1"/>
+                      </a:solidFill>
+                      <a:prstDash val="solid"/>
+                      <a:round/>
+                      <a:headEnd type="none" w="med" len="med"/>
+                      <a:tailEnd type="none" w="med" len="med"/>
+                    </a:lnR>
+                    <a:lnT w="12700" cap="flat" cmpd="sng" algn="ctr">
+                      <a:solidFill>
+                        <a:schemeClr val="tx1"/>
+                      </a:solidFill>
+                      <a:prstDash val="solid"/>
+                      <a:round/>
+                      <a:headEnd type="none" w="med" len="med"/>
+                      <a:tailEnd type="none" w="med" len="med"/>
+                    </a:lnT>
+                    <a:lnB w="12700" cap="flat" cmpd="sng" algn="ctr">
+                      <a:solidFill>
+                        <a:schemeClr val="tx1"/>
+                      </a:solidFill>
+                      <a:prstDash val="solid"/>
+                      <a:round/>
+                      <a:headEnd type="none" w="med" len="med"/>
+                      <a:tailEnd type="none" w="med" len="med"/>
+                    </a:lnB>
+                    <a:lnTlToBr w="12700" cmpd="sng">
+                      <a:noFill/>
+                      <a:prstDash val="solid"/>
+                    </a:lnTlToBr>
+                    <a:lnBlToTr w="12700" cmpd="sng">
+                      <a:noFill/>
+                      <a:prstDash val="solid"/>
+                    </a:lnBlToTr>
+                    <a:solidFill>
+                      <a:schemeClr val="tx2">
+                        <a:lumMod val="60000"/>
+                        <a:lumOff val="40000"/>
+                      </a:schemeClr>
+                    </a:solidFill>
+                  </a:tcPr>
+                </a:tc>
+              </a:tr>
+              <a:tr h="206471">
+                <a:tc rowSpan="3">
+                  <a:txBody>
+                    <a:bodyPr/>
+                    <a:lstStyle/>
+                    <a:p>
+                      <a:r>
+                        <a:rPr lang="en-US" sz="2000" smtClean="0">
+                          <a:solidFill>
+                            <a:schemeClr val="tx1"/>
+                          </a:solidFill>
+                        </a:rPr>
+                        <a:t>C</a:t>
+                      </a:r>
+                      <a:r>
+                        <a:rPr lang="en-US" sz="2000" baseline="30000" smtClean="0">
+                          <a:solidFill>
+                            <a:schemeClr val="tx1"/>
+                          </a:solidFill>
+                        </a:rPr>
+                        <a:t>-</a:t>
+                      </a:r>
+                      <a:endParaRPr lang="en-US" sz="2000">
+                        <a:solidFill>
+                          <a:schemeClr val="tx1"/>
+                        </a:solidFill>
+                      </a:endParaRPr>
+                    </a:p>
+                  </a:txBody>
+                  <a:tcPr marL="66818" marR="66818" marT="33409" marB="33409" anchor="ctr">
+                    <a:lnL w="12700" cap="flat" cmpd="sng" algn="ctr">
+                      <a:solidFill>
+                        <a:schemeClr val="tx1"/>
+                      </a:solidFill>
+                      <a:prstDash val="solid"/>
+                      <a:round/>
+                      <a:headEnd type="none" w="med" len="med"/>
+                      <a:tailEnd type="none" w="med" len="med"/>
+                    </a:lnL>
+                    <a:lnR w="12700" cap="flat" cmpd="sng" algn="ctr">
+                      <a:solidFill>
+                        <a:schemeClr val="tx1"/>
+                      </a:solidFill>
+                      <a:prstDash val="solid"/>
+                      <a:round/>
+                      <a:headEnd type="none" w="med" len="med"/>
+                      <a:tailEnd type="none" w="med" len="med"/>
+                    </a:lnR>
+                    <a:lnT w="12700" cap="flat" cmpd="sng" algn="ctr">
+                      <a:solidFill>
+                        <a:schemeClr val="tx1"/>
+                      </a:solidFill>
+                      <a:prstDash val="solid"/>
+                      <a:round/>
+                      <a:headEnd type="none" w="med" len="med"/>
+                      <a:tailEnd type="none" w="med" len="med"/>
+                    </a:lnT>
+                    <a:lnB w="12700" cap="flat" cmpd="sng" algn="ctr">
+                      <a:solidFill>
+                        <a:schemeClr val="tx1"/>
+                      </a:solidFill>
+                      <a:prstDash val="solid"/>
+                      <a:round/>
+                      <a:headEnd type="none" w="med" len="med"/>
+                      <a:tailEnd type="none" w="med" len="med"/>
+                    </a:lnB>
+                    <a:lnTlToBr w="12700" cmpd="sng">
+                      <a:noFill/>
+                      <a:prstDash val="solid"/>
+                    </a:lnTlToBr>
+                    <a:lnBlToTr w="12700" cmpd="sng">
+                      <a:noFill/>
+                      <a:prstDash val="solid"/>
+                    </a:lnBlToTr>
+                    <a:solidFill>
+                      <a:schemeClr val="bg1"/>
+                    </a:solidFill>
+                  </a:tcPr>
+                </a:tc>
+                <a:tc>
+                  <a:txBody>
+                    <a:bodyPr/>
+                    <a:lstStyle/>
+                    <a:p>
+                      <a:r>
+                        <a:rPr lang="en-US" sz="1050" b="1" smtClean="0">
+                          <a:solidFill>
+                            <a:schemeClr val="tx1"/>
+                          </a:solidFill>
+                        </a:rPr>
+                        <a:t>0.1</a:t>
+                      </a:r>
+                      <a:endParaRPr lang="en-US" sz="1050" b="1">
+                        <a:solidFill>
+                          <a:schemeClr val="tx1"/>
+                        </a:solidFill>
+                      </a:endParaRPr>
+                    </a:p>
+                  </a:txBody>
+                  <a:tcPr marL="66818" marR="66818" marT="33409" marB="33409">
+                    <a:lnL w="12700" cap="flat" cmpd="sng" algn="ctr">
+                      <a:solidFill>
+                        <a:schemeClr val="tx1"/>
+                      </a:solidFill>
+                      <a:prstDash val="solid"/>
+                      <a:round/>
+                      <a:headEnd type="none" w="med" len="med"/>
+                      <a:tailEnd type="none" w="med" len="med"/>
+                    </a:lnL>
+                    <a:lnR w="12700" cap="flat" cmpd="sng" algn="ctr">
+                      <a:noFill/>
+                      <a:prstDash val="solid"/>
+                      <a:round/>
+                      <a:headEnd type="none" w="med" len="med"/>
+                      <a:tailEnd type="none" w="med" len="med"/>
+                    </a:lnR>
+                    <a:lnT w="12700" cap="flat" cmpd="sng" algn="ctr">
+                      <a:solidFill>
+                        <a:schemeClr val="tx1"/>
+                      </a:solidFill>
+                      <a:prstDash val="solid"/>
+                      <a:round/>
+                      <a:headEnd type="none" w="med" len="med"/>
+                      <a:tailEnd type="none" w="med" len="med"/>
+                    </a:lnT>
+                    <a:lnB w="12700" cap="flat" cmpd="sng" algn="ctr">
+                      <a:noFill/>
+                      <a:prstDash val="solid"/>
+                      <a:round/>
+                      <a:headEnd type="none" w="med" len="med"/>
+                      <a:tailEnd type="none" w="med" len="med"/>
+                    </a:lnB>
+                    <a:lnTlToBr w="12700" cmpd="sng">
+                      <a:noFill/>
+                      <a:prstDash val="solid"/>
+                    </a:lnTlToBr>
+                    <a:lnBlToTr w="12700" cmpd="sng">
+                      <a:noFill/>
+                      <a:prstDash val="solid"/>
+                    </a:lnBlToTr>
+                    <a:solidFill>
+                      <a:schemeClr val="accent2">
+                        <a:lumMod val="60000"/>
+                        <a:lumOff val="40000"/>
+                      </a:schemeClr>
+                    </a:solidFill>
+                  </a:tcPr>
+                </a:tc>
+                <a:tc>
+                  <a:txBody>
+                    <a:bodyPr/>
+                    <a:lstStyle/>
+                    <a:p>
+                      <a:r>
+                        <a:rPr lang="en-US" sz="1050" b="1" smtClean="0">
+                          <a:solidFill>
+                            <a:schemeClr val="tx1"/>
+                          </a:solidFill>
+                        </a:rPr>
+                        <a:t>1</a:t>
+                      </a:r>
+                      <a:endParaRPr lang="en-US" sz="1050" b="1">
+                        <a:solidFill>
+                          <a:schemeClr val="tx1"/>
+                        </a:solidFill>
+                      </a:endParaRPr>
+                    </a:p>
+                  </a:txBody>
+                  <a:tcPr marL="66818" marR="66818" marT="33409" marB="33409">
+                    <a:lnL w="12700" cap="flat" cmpd="sng" algn="ctr">
+                      <a:noFill/>
+                      <a:prstDash val="solid"/>
+                      <a:round/>
+                      <a:headEnd type="none" w="med" len="med"/>
+                      <a:tailEnd type="none" w="med" len="med"/>
+                    </a:lnL>
+                    <a:lnR w="12700" cap="flat" cmpd="sng" algn="ctr">
+                      <a:noFill/>
+                      <a:prstDash val="solid"/>
+                      <a:round/>
+                      <a:headEnd type="none" w="med" len="med"/>
+                      <a:tailEnd type="none" w="med" len="med"/>
+                    </a:lnR>
+                    <a:lnT w="12700" cap="flat" cmpd="sng" algn="ctr">
+                      <a:solidFill>
+                        <a:schemeClr val="tx1"/>
+                      </a:solidFill>
+                      <a:prstDash val="solid"/>
+                      <a:round/>
+                      <a:headEnd type="none" w="med" len="med"/>
+                      <a:tailEnd type="none" w="med" len="med"/>
+                    </a:lnT>
+                    <a:lnB w="12700" cap="flat" cmpd="sng" algn="ctr">
+                      <a:noFill/>
+                      <a:prstDash val="solid"/>
+                      <a:round/>
+                      <a:headEnd type="none" w="med" len="med"/>
+                      <a:tailEnd type="none" w="med" len="med"/>
+                    </a:lnB>
+                    <a:lnTlToBr w="12700" cmpd="sng">
+                      <a:noFill/>
+                      <a:prstDash val="solid"/>
+                    </a:lnTlToBr>
+                    <a:lnBlToTr w="12700" cmpd="sng">
+                      <a:noFill/>
+                      <a:prstDash val="solid"/>
+                    </a:lnBlToTr>
+                    <a:solidFill>
+                      <a:schemeClr val="accent6">
+                        <a:lumMod val="60000"/>
+                        <a:lumOff val="40000"/>
+                      </a:schemeClr>
+                    </a:solidFill>
+                  </a:tcPr>
+                </a:tc>
+                <a:tc>
+                  <a:txBody>
+                    <a:bodyPr/>
+                    <a:lstStyle/>
+                    <a:p>
+                      <a:r>
+                        <a:rPr lang="en-US" sz="1050" b="1" smtClean="0">
+                          <a:solidFill>
+                            <a:schemeClr val="tx1"/>
+                          </a:solidFill>
+                        </a:rPr>
+                        <a:t>10</a:t>
+                      </a:r>
+                      <a:endParaRPr lang="en-US" sz="1050" b="1">
+                        <a:solidFill>
+                          <a:schemeClr val="tx1"/>
+                        </a:solidFill>
+                      </a:endParaRPr>
+                    </a:p>
+                  </a:txBody>
+                  <a:tcPr marL="66818" marR="66818" marT="33409" marB="33409">
+                    <a:lnL w="12700" cap="flat" cmpd="sng" algn="ctr">
+                      <a:noFill/>
+                      <a:prstDash val="solid"/>
+                      <a:round/>
+                      <a:headEnd type="none" w="med" len="med"/>
+                      <a:tailEnd type="none" w="med" len="med"/>
+                    </a:lnL>
+                    <a:lnR w="12700" cap="flat" cmpd="sng" algn="ctr">
+                      <a:solidFill>
+                        <a:schemeClr val="tx1"/>
+                      </a:solidFill>
+                      <a:prstDash val="solid"/>
+                      <a:round/>
+                      <a:headEnd type="none" w="med" len="med"/>
+                      <a:tailEnd type="none" w="med" len="med"/>
+                    </a:lnR>
+                    <a:lnT w="12700" cap="flat" cmpd="sng" algn="ctr">
+                      <a:solidFill>
+                        <a:schemeClr val="tx1"/>
+                      </a:solidFill>
+                      <a:prstDash val="solid"/>
+                      <a:round/>
+                      <a:headEnd type="none" w="med" len="med"/>
+                      <a:tailEnd type="none" w="med" len="med"/>
+                    </a:lnT>
+                    <a:lnB w="12700" cap="flat" cmpd="sng" algn="ctr">
+                      <a:noFill/>
+                      <a:prstDash val="solid"/>
+                      <a:round/>
+                      <a:headEnd type="none" w="med" len="med"/>
+                      <a:tailEnd type="none" w="med" len="med"/>
+                    </a:lnB>
+                    <a:lnTlToBr w="12700" cmpd="sng">
+                      <a:noFill/>
+                      <a:prstDash val="solid"/>
+                    </a:lnTlToBr>
+                    <a:lnBlToTr w="12700" cmpd="sng">
+                      <a:noFill/>
+                      <a:prstDash val="solid"/>
+                    </a:lnBlToTr>
+                    <a:solidFill>
+                      <a:schemeClr val="tx2">
+                        <a:lumMod val="40000"/>
+                        <a:lumOff val="60000"/>
+                      </a:schemeClr>
+                    </a:solidFill>
+                  </a:tcPr>
+                </a:tc>
+              </a:tr>
+              <a:tr h="206471">
+                <a:tc vMerge="1">
+                  <a:txBody>
+                    <a:bodyPr/>
+                    <a:lstStyle/>
+                    <a:p>
+                      <a:endParaRPr lang="en-US">
+                        <a:solidFill>
+                          <a:schemeClr val="tx1"/>
+                        </a:solidFill>
+                      </a:endParaRPr>
+                    </a:p>
+                  </a:txBody>
+                  <a:tcPr>
+                    <a:lnL w="12700" cap="flat" cmpd="sng" algn="ctr">
+                      <a:solidFill>
+                        <a:schemeClr val="tx1"/>
+                      </a:solidFill>
+                      <a:prstDash val="solid"/>
+                      <a:round/>
+                      <a:headEnd type="none" w="med" len="med"/>
+                      <a:tailEnd type="none" w="med" len="med"/>
+                    </a:lnL>
+                    <a:lnR w="12700" cap="flat" cmpd="sng" algn="ctr">
+                      <a:solidFill>
+                        <a:schemeClr val="tx1"/>
+                      </a:solidFill>
+                      <a:prstDash val="solid"/>
+                      <a:round/>
+                      <a:headEnd type="none" w="med" len="med"/>
+                      <a:tailEnd type="none" w="med" len="med"/>
+                    </a:lnR>
+                    <a:lnT w="12700" cap="flat" cmpd="sng" algn="ctr">
+                      <a:noFill/>
+                      <a:prstDash val="solid"/>
+                      <a:round/>
+                      <a:headEnd type="none" w="med" len="med"/>
+                      <a:tailEnd type="none" w="med" len="med"/>
+                    </a:lnT>
+                    <a:lnB w="12700" cap="flat" cmpd="sng" algn="ctr">
+                      <a:noFill/>
+                      <a:prstDash val="solid"/>
+                      <a:round/>
+                      <a:headEnd type="none" w="med" len="med"/>
+                      <a:tailEnd type="none" w="med" len="med"/>
+                    </a:lnB>
+                    <a:lnTlToBr w="12700" cmpd="sng">
+                      <a:noFill/>
+                      <a:prstDash val="solid"/>
+                    </a:lnTlToBr>
+                    <a:lnBlToTr w="12700" cmpd="sng">
+                      <a:noFill/>
+                      <a:prstDash val="solid"/>
+                    </a:lnBlToTr>
+                    <a:solidFill>
+                      <a:schemeClr val="bg1"/>
+                    </a:solidFill>
+                  </a:tcPr>
+                </a:tc>
+                <a:tc>
+                  <a:txBody>
+                    <a:bodyPr/>
+                    <a:lstStyle/>
+                    <a:p>
+                      <a:r>
+                        <a:rPr lang="en-US" sz="1050" b="1" smtClean="0">
+                          <a:solidFill>
+                            <a:schemeClr val="tx1"/>
+                          </a:solidFill>
+                        </a:rPr>
+                        <a:t>0.3</a:t>
+                      </a:r>
+                      <a:endParaRPr lang="en-US" sz="1050" b="1">
+                        <a:solidFill>
+                          <a:schemeClr val="tx1"/>
+                        </a:solidFill>
+                      </a:endParaRPr>
+                    </a:p>
+                  </a:txBody>
+                  <a:tcPr marL="66818" marR="66818" marT="33409" marB="33409">
+                    <a:lnL w="12700" cap="flat" cmpd="sng" algn="ctr">
+                      <a:solidFill>
+                        <a:schemeClr val="tx1"/>
+                      </a:solidFill>
+                      <a:prstDash val="solid"/>
+                      <a:round/>
+                      <a:headEnd type="none" w="med" len="med"/>
+                      <a:tailEnd type="none" w="med" len="med"/>
+                    </a:lnL>
+                    <a:lnR w="12700" cap="flat" cmpd="sng" algn="ctr">
+                      <a:noFill/>
+                      <a:prstDash val="solid"/>
+                      <a:round/>
+                      <a:headEnd type="none" w="med" len="med"/>
+                      <a:tailEnd type="none" w="med" len="med"/>
+                    </a:lnR>
+                    <a:lnT w="12700" cap="flat" cmpd="sng" algn="ctr">
+                      <a:noFill/>
+                      <a:prstDash val="solid"/>
+                      <a:round/>
+                      <a:headEnd type="none" w="med" len="med"/>
+                      <a:tailEnd type="none" w="med" len="med"/>
+                    </a:lnT>
+                    <a:lnB w="12700" cap="flat" cmpd="sng" algn="ctr">
+                      <a:noFill/>
+                      <a:prstDash val="solid"/>
+                      <a:round/>
+                      <a:headEnd type="none" w="med" len="med"/>
+                      <a:tailEnd type="none" w="med" len="med"/>
+                    </a:lnB>
+                    <a:lnTlToBr w="12700" cmpd="sng">
+                      <a:noFill/>
+                      <a:prstDash val="solid"/>
+                    </a:lnTlToBr>
+                    <a:lnBlToTr w="12700" cmpd="sng">
+                      <a:noFill/>
+                      <a:prstDash val="solid"/>
+                    </a:lnBlToTr>
+                    <a:solidFill>
+                      <a:schemeClr val="accent2">
+                        <a:lumMod val="60000"/>
+                        <a:lumOff val="40000"/>
+                      </a:schemeClr>
+                    </a:solidFill>
+                  </a:tcPr>
+                </a:tc>
+                <a:tc>
+                  <a:txBody>
+                    <a:bodyPr/>
+                    <a:lstStyle/>
+                    <a:p>
+                      <a:r>
+                        <a:rPr lang="en-US" sz="1050" b="1" smtClean="0">
+                          <a:solidFill>
+                            <a:schemeClr val="tx1"/>
+                          </a:solidFill>
+                        </a:rPr>
+                        <a:t>3</a:t>
+                      </a:r>
+                      <a:endParaRPr lang="en-US" sz="1050" b="1">
+                        <a:solidFill>
+                          <a:schemeClr val="tx1"/>
+                        </a:solidFill>
+                      </a:endParaRPr>
+                    </a:p>
+                  </a:txBody>
+                  <a:tcPr marL="66818" marR="66818" marT="33409" marB="33409">
+                    <a:lnL w="12700" cap="flat" cmpd="sng" algn="ctr">
+                      <a:noFill/>
+                      <a:prstDash val="solid"/>
+                      <a:round/>
+                      <a:headEnd type="none" w="med" len="med"/>
+                      <a:tailEnd type="none" w="med" len="med"/>
+                    </a:lnL>
+                    <a:lnR w="12700" cap="flat" cmpd="sng" algn="ctr">
+                      <a:noFill/>
+                      <a:prstDash val="solid"/>
+                      <a:round/>
+                      <a:headEnd type="none" w="med" len="med"/>
+                      <a:tailEnd type="none" w="med" len="med"/>
+                    </a:lnR>
+                    <a:lnT w="12700" cap="flat" cmpd="sng" algn="ctr">
+                      <a:noFill/>
+                      <a:prstDash val="solid"/>
+                      <a:round/>
+                      <a:headEnd type="none" w="med" len="med"/>
+                      <a:tailEnd type="none" w="med" len="med"/>
+                    </a:lnT>
+                    <a:lnB w="12700" cap="flat" cmpd="sng" algn="ctr">
+                      <a:noFill/>
+                      <a:prstDash val="solid"/>
+                      <a:round/>
+                      <a:headEnd type="none" w="med" len="med"/>
+                      <a:tailEnd type="none" w="med" len="med"/>
+                    </a:lnB>
+                    <a:lnTlToBr w="12700" cmpd="sng">
+                      <a:noFill/>
+                      <a:prstDash val="solid"/>
+                    </a:lnTlToBr>
+                    <a:lnBlToTr w="12700" cmpd="sng">
+                      <a:noFill/>
+                      <a:prstDash val="solid"/>
+                    </a:lnBlToTr>
+                    <a:solidFill>
+                      <a:schemeClr val="accent6">
+                        <a:lumMod val="60000"/>
+                        <a:lumOff val="40000"/>
+                      </a:schemeClr>
+                    </a:solidFill>
+                  </a:tcPr>
+                </a:tc>
+                <a:tc>
+                  <a:txBody>
+                    <a:bodyPr/>
+                    <a:lstStyle/>
+                    <a:p>
+                      <a:r>
+                        <a:rPr lang="en-US" sz="1050" b="1" smtClean="0">
+                          <a:solidFill>
+                            <a:schemeClr val="tx1"/>
+                          </a:solidFill>
+                        </a:rPr>
+                        <a:t>30</a:t>
+                      </a:r>
+                      <a:endParaRPr lang="en-US" sz="1050" b="1">
+                        <a:solidFill>
+                          <a:schemeClr val="tx1"/>
+                        </a:solidFill>
+                      </a:endParaRPr>
+                    </a:p>
+                  </a:txBody>
+                  <a:tcPr marL="66818" marR="66818" marT="33409" marB="33409">
+                    <a:lnL w="12700" cap="flat" cmpd="sng" algn="ctr">
+                      <a:noFill/>
+                      <a:prstDash val="solid"/>
+                      <a:round/>
+                      <a:headEnd type="none" w="med" len="med"/>
+                      <a:tailEnd type="none" w="med" len="med"/>
+                    </a:lnL>
+                    <a:lnR w="12700" cap="flat" cmpd="sng" algn="ctr">
+                      <a:solidFill>
+                        <a:schemeClr val="tx1"/>
+                      </a:solidFill>
+                      <a:prstDash val="solid"/>
+                      <a:round/>
+                      <a:headEnd type="none" w="med" len="med"/>
+                      <a:tailEnd type="none" w="med" len="med"/>
+                    </a:lnR>
+                    <a:lnT w="12700" cap="flat" cmpd="sng" algn="ctr">
+                      <a:noFill/>
+                      <a:prstDash val="solid"/>
+                      <a:round/>
+                      <a:headEnd type="none" w="med" len="med"/>
+                      <a:tailEnd type="none" w="med" len="med"/>
+                    </a:lnT>
+                    <a:lnB w="12700" cap="flat" cmpd="sng" algn="ctr">
+                      <a:noFill/>
+                      <a:prstDash val="solid"/>
+                      <a:round/>
+                      <a:headEnd type="none" w="med" len="med"/>
+                      <a:tailEnd type="none" w="med" len="med"/>
+                    </a:lnB>
+                    <a:lnTlToBr w="12700" cmpd="sng">
+                      <a:noFill/>
+                      <a:prstDash val="solid"/>
+                    </a:lnTlToBr>
+                    <a:lnBlToTr w="12700" cmpd="sng">
+                      <a:noFill/>
+                      <a:prstDash val="solid"/>
+                    </a:lnBlToTr>
+                    <a:solidFill>
+                      <a:schemeClr val="tx2">
+                        <a:lumMod val="40000"/>
+                        <a:lumOff val="60000"/>
+                      </a:schemeClr>
+                    </a:solidFill>
+                  </a:tcPr>
+                </a:tc>
+              </a:tr>
+              <a:tr h="206471">
+                <a:tc vMerge="1">
+                  <a:txBody>
+                    <a:bodyPr/>
+                    <a:lstStyle/>
+                    <a:p>
+                      <a:endParaRPr lang="en-US">
+                        <a:solidFill>
+                          <a:schemeClr val="tx1"/>
+                        </a:solidFill>
+                      </a:endParaRPr>
+                    </a:p>
+                  </a:txBody>
+                  <a:tcPr>
+                    <a:lnL w="12700" cap="flat" cmpd="sng" algn="ctr">
+                      <a:solidFill>
+                        <a:schemeClr val="tx1"/>
+                      </a:solidFill>
+                      <a:prstDash val="solid"/>
+                      <a:round/>
+                      <a:headEnd type="none" w="med" len="med"/>
+                      <a:tailEnd type="none" w="med" len="med"/>
+                    </a:lnL>
+                    <a:lnR w="12700" cap="flat" cmpd="sng" algn="ctr">
+                      <a:solidFill>
+                        <a:schemeClr val="tx1"/>
+                      </a:solidFill>
+                      <a:prstDash val="solid"/>
+                      <a:round/>
+                      <a:headEnd type="none" w="med" len="med"/>
+                      <a:tailEnd type="none" w="med" len="med"/>
+                    </a:lnR>
+                    <a:lnT w="12700" cap="flat" cmpd="sng" algn="ctr">
+                      <a:noFill/>
+                      <a:prstDash val="solid"/>
+                      <a:round/>
+                      <a:headEnd type="none" w="med" len="med"/>
+                      <a:tailEnd type="none" w="med" len="med"/>
+                    </a:lnT>
+                    <a:lnB w="12700" cap="flat" cmpd="sng" algn="ctr">
+                      <a:solidFill>
+                        <a:schemeClr val="tx1"/>
+                      </a:solidFill>
+                      <a:prstDash val="solid"/>
+                      <a:round/>
+                      <a:headEnd type="none" w="med" len="med"/>
+                      <a:tailEnd type="none" w="med" len="med"/>
+                    </a:lnB>
+                    <a:lnTlToBr w="12700" cmpd="sng">
+                      <a:noFill/>
+                      <a:prstDash val="solid"/>
+                    </a:lnTlToBr>
+                    <a:lnBlToTr w="12700" cmpd="sng">
+                      <a:noFill/>
+                      <a:prstDash val="solid"/>
+                    </a:lnBlToTr>
+                    <a:solidFill>
+                      <a:schemeClr val="bg1"/>
+                    </a:solidFill>
+                  </a:tcPr>
+                </a:tc>
+                <a:tc>
+                  <a:txBody>
+                    <a:bodyPr/>
+                    <a:lstStyle/>
+                    <a:p>
+                      <a:r>
+                        <a:rPr lang="en-US" sz="1050" b="1" smtClean="0">
+                          <a:solidFill>
+                            <a:schemeClr val="tx1"/>
+                          </a:solidFill>
+                        </a:rPr>
+                        <a:t>1</a:t>
+                      </a:r>
+                      <a:endParaRPr lang="en-US" sz="1050" b="1">
+                        <a:solidFill>
+                          <a:schemeClr val="tx1"/>
+                        </a:solidFill>
+                      </a:endParaRPr>
+                    </a:p>
+                  </a:txBody>
+                  <a:tcPr marL="66818" marR="66818" marT="33409" marB="33409">
+                    <a:lnL w="12700" cap="flat" cmpd="sng" algn="ctr">
+                      <a:solidFill>
+                        <a:schemeClr val="tx1"/>
+                      </a:solidFill>
+                      <a:prstDash val="solid"/>
+                      <a:round/>
+                      <a:headEnd type="none" w="med" len="med"/>
+                      <a:tailEnd type="none" w="med" len="med"/>
+                    </a:lnL>
+                    <a:lnR w="12700" cap="flat" cmpd="sng" algn="ctr">
+                      <a:noFill/>
+                      <a:prstDash val="solid"/>
+                      <a:round/>
+                      <a:headEnd type="none" w="med" len="med"/>
+                      <a:tailEnd type="none" w="med" len="med"/>
+                    </a:lnR>
+                    <a:lnT w="12700" cap="flat" cmpd="sng" algn="ctr">
+                      <a:noFill/>
+                      <a:prstDash val="solid"/>
+                      <a:round/>
+                      <a:headEnd type="none" w="med" len="med"/>
+                      <a:tailEnd type="none" w="med" len="med"/>
+                    </a:lnT>
+                    <a:lnB w="12700" cap="flat" cmpd="sng" algn="ctr">
+                      <a:solidFill>
+                        <a:schemeClr val="tx1"/>
+                      </a:solidFill>
+                      <a:prstDash val="solid"/>
+                      <a:round/>
+                      <a:headEnd type="none" w="med" len="med"/>
+                      <a:tailEnd type="none" w="med" len="med"/>
+                    </a:lnB>
+                    <a:lnTlToBr w="12700" cmpd="sng">
+                      <a:noFill/>
+                      <a:prstDash val="solid"/>
+                    </a:lnTlToBr>
+                    <a:lnBlToTr w="12700" cmpd="sng">
+                      <a:noFill/>
+                      <a:prstDash val="solid"/>
+                    </a:lnBlToTr>
+                    <a:solidFill>
+                      <a:schemeClr val="accent2">
+                        <a:lumMod val="60000"/>
+                        <a:lumOff val="40000"/>
+                      </a:schemeClr>
+                    </a:solidFill>
+                  </a:tcPr>
+                </a:tc>
+                <a:tc>
+                  <a:txBody>
+                    <a:bodyPr/>
+                    <a:lstStyle/>
+                    <a:p>
+                      <a:r>
+                        <a:rPr lang="en-US" sz="1050" b="1" smtClean="0">
+                          <a:solidFill>
+                            <a:schemeClr val="tx1"/>
+                          </a:solidFill>
+                        </a:rPr>
+                        <a:t>10</a:t>
+                      </a:r>
+                      <a:endParaRPr lang="en-US" sz="1050" b="1">
+                        <a:solidFill>
+                          <a:schemeClr val="tx1"/>
+                        </a:solidFill>
+                      </a:endParaRPr>
+                    </a:p>
+                  </a:txBody>
+                  <a:tcPr marL="66818" marR="66818" marT="33409" marB="33409">
+                    <a:lnL w="12700" cap="flat" cmpd="sng" algn="ctr">
+                      <a:noFill/>
+                      <a:prstDash val="solid"/>
+                      <a:round/>
+                      <a:headEnd type="none" w="med" len="med"/>
+                      <a:tailEnd type="none" w="med" len="med"/>
+                    </a:lnL>
+                    <a:lnR w="12700" cap="flat" cmpd="sng" algn="ctr">
+                      <a:noFill/>
+                      <a:prstDash val="solid"/>
+                      <a:round/>
+                      <a:headEnd type="none" w="med" len="med"/>
+                      <a:tailEnd type="none" w="med" len="med"/>
+                    </a:lnR>
+                    <a:lnT w="12700" cap="flat" cmpd="sng" algn="ctr">
+                      <a:noFill/>
+                      <a:prstDash val="solid"/>
+                      <a:round/>
+                      <a:headEnd type="none" w="med" len="med"/>
+                      <a:tailEnd type="none" w="med" len="med"/>
+                    </a:lnT>
+                    <a:lnB w="12700" cap="flat" cmpd="sng" algn="ctr">
+                      <a:solidFill>
+                        <a:schemeClr val="tx1"/>
+                      </a:solidFill>
+                      <a:prstDash val="solid"/>
+                      <a:round/>
+                      <a:headEnd type="none" w="med" len="med"/>
+                      <a:tailEnd type="none" w="med" len="med"/>
+                    </a:lnB>
+                    <a:lnTlToBr w="12700" cmpd="sng">
+                      <a:noFill/>
+                      <a:prstDash val="solid"/>
+                    </a:lnTlToBr>
+                    <a:lnBlToTr w="12700" cmpd="sng">
+                      <a:noFill/>
+                      <a:prstDash val="solid"/>
+                    </a:lnBlToTr>
+                    <a:solidFill>
+                      <a:schemeClr val="accent6">
+                        <a:lumMod val="60000"/>
+                        <a:lumOff val="40000"/>
+                      </a:schemeClr>
+                    </a:solidFill>
+                  </a:tcPr>
+                </a:tc>
+                <a:tc>
+                  <a:txBody>
+                    <a:bodyPr/>
+                    <a:lstStyle/>
+                    <a:p>
+                      <a:r>
+                        <a:rPr lang="en-US" sz="1050" b="1" smtClean="0">
+                          <a:solidFill>
+                            <a:schemeClr val="tx1"/>
+                          </a:solidFill>
+                        </a:rPr>
+                        <a:t>100</a:t>
+                      </a:r>
+                      <a:endParaRPr lang="en-US" sz="1050" b="1">
+                        <a:solidFill>
+                          <a:schemeClr val="tx1"/>
+                        </a:solidFill>
+                      </a:endParaRPr>
+                    </a:p>
+                  </a:txBody>
+                  <a:tcPr marL="66818" marR="66818" marT="33409" marB="33409">
+                    <a:lnL w="12700" cap="flat" cmpd="sng" algn="ctr">
+                      <a:noFill/>
+                      <a:prstDash val="solid"/>
+                      <a:round/>
+                      <a:headEnd type="none" w="med" len="med"/>
+                      <a:tailEnd type="none" w="med" len="med"/>
+                    </a:lnL>
+                    <a:lnR w="12700" cap="flat" cmpd="sng" algn="ctr">
+                      <a:solidFill>
+                        <a:schemeClr val="tx1"/>
+                      </a:solidFill>
+                      <a:prstDash val="solid"/>
+                      <a:round/>
+                      <a:headEnd type="none" w="med" len="med"/>
+                      <a:tailEnd type="none" w="med" len="med"/>
+                    </a:lnR>
+                    <a:lnT w="12700" cap="flat" cmpd="sng" algn="ctr">
+                      <a:noFill/>
+                      <a:prstDash val="solid"/>
+                      <a:round/>
+                      <a:headEnd type="none" w="med" len="med"/>
+                      <a:tailEnd type="none" w="med" len="med"/>
+                    </a:lnT>
+                    <a:lnB w="12700" cap="flat" cmpd="sng" algn="ctr">
+                      <a:solidFill>
+                        <a:schemeClr val="tx1"/>
+                      </a:solidFill>
+                      <a:prstDash val="solid"/>
+                      <a:round/>
+                      <a:headEnd type="none" w="med" len="med"/>
+                      <a:tailEnd type="none" w="med" len="med"/>
+                    </a:lnB>
+                    <a:lnTlToBr w="12700" cmpd="sng">
+                      <a:noFill/>
+                      <a:prstDash val="solid"/>
+                    </a:lnTlToBr>
+                    <a:lnBlToTr w="12700" cmpd="sng">
+                      <a:noFill/>
+                      <a:prstDash val="solid"/>
+                    </a:lnBlToTr>
+                    <a:solidFill>
+                      <a:schemeClr val="tx2">
+                        <a:lumMod val="40000"/>
+                        <a:lumOff val="60000"/>
+                      </a:schemeClr>
+                    </a:solidFill>
+                  </a:tcPr>
+                </a:tc>
+              </a:tr>
+            </a:tbl>
+          </a:graphicData>
+        </a:graphic>
+      </p:graphicFrame>
+      <p:grpSp>
+        <p:nvGrpSpPr>
+          <p:cNvPr id="112" name="Gruppieren 111"/>
+          <p:cNvGrpSpPr/>
+          <p:nvPr/>
+        </p:nvGrpSpPr>
+        <p:grpSpPr>
+          <a:xfrm>
+            <a:off x="7324032" y="2661306"/>
+            <a:ext cx="4791559" cy="4129317"/>
+            <a:chOff x="86627" y="348343"/>
+            <a:chExt cx="12018746" cy="5529944"/>
+          </a:xfrm>
+        </p:grpSpPr>
+        <p:grpSp>
+          <p:nvGrpSpPr>
+            <p:cNvPr id="113" name="Gruppieren 112"/>
+            <p:cNvGrpSpPr/>
+            <p:nvPr/>
+          </p:nvGrpSpPr>
+          <p:grpSpPr>
+            <a:xfrm>
+              <a:off x="849086" y="838201"/>
+              <a:ext cx="4593771" cy="2373085"/>
+              <a:chOff x="1524000" y="609601"/>
+              <a:chExt cx="10058400" cy="4299857"/>
+            </a:xfrm>
+          </p:grpSpPr>
+          <p:grpSp>
+            <p:nvGrpSpPr>
+              <p:cNvPr id="143" name="Gruppieren 142"/>
+              <p:cNvGrpSpPr/>
+              <p:nvPr/>
+            </p:nvGrpSpPr>
+            <p:grpSpPr>
+              <a:xfrm>
+                <a:off x="1524000" y="609601"/>
+                <a:ext cx="3287486" cy="4299857"/>
+                <a:chOff x="1524000" y="609601"/>
+                <a:chExt cx="3287486" cy="4299857"/>
+              </a:xfrm>
+            </p:grpSpPr>
+            <p:sp>
+              <p:nvSpPr>
+                <p:cNvPr id="154" name="Abgerundetes Rechteck 153"/>
+                <p:cNvSpPr/>
+                <p:nvPr/>
+              </p:nvSpPr>
+              <p:spPr>
+                <a:xfrm>
+                  <a:off x="1524000" y="1709058"/>
+                  <a:ext cx="3287486" cy="1001486"/>
+                </a:xfrm>
+                <a:prstGeom prst="roundRect">
+                  <a:avLst/>
+                </a:prstGeom>
+                <a:solidFill>
+                  <a:srgbClr val="00B050"/>
+                </a:solidFill>
+              </p:spPr>
+              <p:style>
+                <a:lnRef idx="2">
+                  <a:schemeClr val="accent1">
+                    <a:shade val="50000"/>
+                  </a:schemeClr>
+                </a:lnRef>
+                <a:fillRef idx="1">
+                  <a:schemeClr val="accent1"/>
+                </a:fillRef>
+                <a:effectRef idx="0">
+                  <a:schemeClr val="accent1"/>
+                </a:effectRef>
+                <a:fontRef idx="minor">
+                  <a:schemeClr val="lt1"/>
+                </a:fontRef>
+              </p:style>
+              <p:txBody>
+                <a:bodyPr rtlCol="0" anchor="ctr"/>
+                <a:lstStyle/>
+                <a:p>
+                  <a:pPr algn="ctr"/>
+                  <a:r>
+                    <a:rPr lang="en-US" sz="1050" smtClean="0">
+                      <a:solidFill>
+                        <a:schemeClr val="tx1"/>
+                      </a:solidFill>
+                    </a:rPr>
+                    <a:t>Cross-linked</a:t>
+                  </a:r>
+                  <a:endParaRPr lang="en-US" sz="300">
+                    <a:solidFill>
+                      <a:schemeClr val="tx1"/>
+                    </a:solidFill>
+                  </a:endParaRPr>
+                </a:p>
+              </p:txBody>
+            </p:sp>
+            <p:sp>
+              <p:nvSpPr>
+                <p:cNvPr id="155" name="Abgerundetes Rechteck 154"/>
+                <p:cNvSpPr/>
+                <p:nvPr/>
+              </p:nvSpPr>
+              <p:spPr>
+                <a:xfrm>
+                  <a:off x="1524000" y="2808515"/>
+                  <a:ext cx="3287486" cy="1001486"/>
+                </a:xfrm>
+                <a:prstGeom prst="roundRect">
+                  <a:avLst/>
+                </a:prstGeom>
+                <a:solidFill>
+                  <a:srgbClr val="FF0000"/>
+                </a:solidFill>
+              </p:spPr>
+              <p:style>
+                <a:lnRef idx="2">
+                  <a:schemeClr val="accent1">
+                    <a:shade val="50000"/>
+                  </a:schemeClr>
+                </a:lnRef>
+                <a:fillRef idx="1">
+                  <a:schemeClr val="accent1"/>
+                </a:fillRef>
+                <a:effectRef idx="0">
+                  <a:schemeClr val="accent1"/>
+                </a:effectRef>
+                <a:fontRef idx="minor">
+                  <a:schemeClr val="lt1"/>
+                </a:fontRef>
+              </p:style>
+              <p:txBody>
+                <a:bodyPr rtlCol="0" anchor="ctr"/>
+                <a:lstStyle/>
+                <a:p>
+                  <a:pPr algn="ctr"/>
+                  <a:r>
+                    <a:rPr lang="en-US" sz="1050" smtClean="0">
+                      <a:solidFill>
+                        <a:schemeClr val="tx1"/>
+                      </a:solidFill>
+                    </a:rPr>
+                    <a:t>Linear</a:t>
+                  </a:r>
+                  <a:endParaRPr lang="en-US" sz="300">
+                    <a:solidFill>
+                      <a:schemeClr val="tx1"/>
+                    </a:solidFill>
+                  </a:endParaRPr>
+                </a:p>
+              </p:txBody>
+            </p:sp>
+            <p:sp>
+              <p:nvSpPr>
+                <p:cNvPr id="156" name="Abgerundetes Rechteck 155"/>
+                <p:cNvSpPr/>
+                <p:nvPr/>
+              </p:nvSpPr>
+              <p:spPr>
+                <a:xfrm>
+                  <a:off x="1524000" y="609601"/>
+                  <a:ext cx="3287486" cy="1001486"/>
+                </a:xfrm>
+                <a:prstGeom prst="roundRect">
+                  <a:avLst/>
+                </a:prstGeom>
+                <a:solidFill>
+                  <a:schemeClr val="accent4">
+                    <a:lumMod val="60000"/>
+                    <a:lumOff val="40000"/>
+                  </a:schemeClr>
+                </a:solidFill>
+              </p:spPr>
+              <p:style>
+                <a:lnRef idx="2">
+                  <a:schemeClr val="accent1">
+                    <a:shade val="50000"/>
+                  </a:schemeClr>
+                </a:lnRef>
+                <a:fillRef idx="1">
+                  <a:schemeClr val="accent1"/>
+                </a:fillRef>
+                <a:effectRef idx="0">
+                  <a:schemeClr val="accent1"/>
+                </a:effectRef>
+                <a:fontRef idx="minor">
+                  <a:schemeClr val="lt1"/>
+                </a:fontRef>
+              </p:style>
+              <p:txBody>
+                <a:bodyPr rtlCol="0" anchor="ctr"/>
+                <a:lstStyle/>
+                <a:p>
+                  <a:pPr algn="ctr"/>
+                  <a:r>
+                    <a:rPr lang="en-US" sz="1050" smtClean="0">
+                      <a:solidFill>
+                        <a:schemeClr val="tx1"/>
+                      </a:solidFill>
+                    </a:rPr>
+                    <a:t>Linear</a:t>
+                  </a:r>
+                  <a:endParaRPr lang="en-US" sz="300">
+                    <a:solidFill>
+                      <a:schemeClr val="tx1"/>
+                    </a:solidFill>
+                  </a:endParaRPr>
+                </a:p>
+              </p:txBody>
+            </p:sp>
+            <p:sp>
+              <p:nvSpPr>
+                <p:cNvPr id="157" name="Abgerundetes Rechteck 156"/>
+                <p:cNvSpPr/>
+                <p:nvPr/>
+              </p:nvSpPr>
+              <p:spPr>
+                <a:xfrm>
+                  <a:off x="1524000" y="3907972"/>
+                  <a:ext cx="3287486" cy="1001486"/>
+                </a:xfrm>
+                <a:prstGeom prst="roundRect">
+                  <a:avLst/>
+                </a:prstGeom>
+                <a:solidFill>
+                  <a:srgbClr val="FF0000"/>
+                </a:solidFill>
+              </p:spPr>
+              <p:style>
+                <a:lnRef idx="2">
+                  <a:schemeClr val="accent1">
+                    <a:shade val="50000"/>
+                  </a:schemeClr>
+                </a:lnRef>
+                <a:fillRef idx="1">
+                  <a:schemeClr val="accent1"/>
+                </a:fillRef>
+                <a:effectRef idx="0">
+                  <a:schemeClr val="accent1"/>
+                </a:effectRef>
+                <a:fontRef idx="minor">
+                  <a:schemeClr val="lt1"/>
+                </a:fontRef>
+              </p:style>
+              <p:txBody>
+                <a:bodyPr rtlCol="0" anchor="ctr"/>
+                <a:lstStyle/>
+                <a:p>
+                  <a:pPr algn="ctr"/>
+                  <a:r>
+                    <a:rPr lang="en-US" sz="1050">
+                      <a:solidFill>
+                        <a:schemeClr val="tx1"/>
+                      </a:solidFill>
+                    </a:rPr>
+                    <a:t>Cross-linked</a:t>
+                  </a:r>
+                </a:p>
+              </p:txBody>
+            </p:sp>
+          </p:grpSp>
+          <p:grpSp>
+            <p:nvGrpSpPr>
+              <p:cNvPr id="144" name="Gruppieren 143"/>
+              <p:cNvGrpSpPr/>
+              <p:nvPr/>
+            </p:nvGrpSpPr>
+            <p:grpSpPr>
+              <a:xfrm>
+                <a:off x="4909457" y="609601"/>
+                <a:ext cx="3287486" cy="4299857"/>
+                <a:chOff x="1524000" y="609601"/>
+                <a:chExt cx="3287486" cy="4299857"/>
+              </a:xfrm>
+            </p:grpSpPr>
+            <p:sp>
+              <p:nvSpPr>
+                <p:cNvPr id="150" name="Abgerundetes Rechteck 149"/>
+                <p:cNvSpPr/>
+                <p:nvPr/>
+              </p:nvSpPr>
+              <p:spPr>
+                <a:xfrm>
+                  <a:off x="1524000" y="1709058"/>
+                  <a:ext cx="3287486" cy="1001486"/>
+                </a:xfrm>
+                <a:prstGeom prst="roundRect">
+                  <a:avLst/>
+                </a:prstGeom>
+                <a:solidFill>
+                  <a:srgbClr val="75B000"/>
+                </a:solidFill>
+              </p:spPr>
+              <p:style>
+                <a:lnRef idx="2">
+                  <a:schemeClr val="accent1">
+                    <a:shade val="50000"/>
+                  </a:schemeClr>
+                </a:lnRef>
+                <a:fillRef idx="1">
+                  <a:schemeClr val="accent1"/>
+                </a:fillRef>
+                <a:effectRef idx="0">
+                  <a:schemeClr val="accent1"/>
+                </a:effectRef>
+                <a:fontRef idx="minor">
+                  <a:schemeClr val="lt1"/>
+                </a:fontRef>
+              </p:style>
+              <p:txBody>
+                <a:bodyPr rtlCol="0" anchor="ctr"/>
+                <a:lstStyle/>
+                <a:p>
+                  <a:pPr algn="ctr"/>
+                  <a:r>
+                    <a:rPr lang="en-US" sz="1050">
+                      <a:solidFill>
+                        <a:schemeClr val="tx1"/>
+                      </a:solidFill>
+                    </a:rPr>
+                    <a:t>Cross-linked</a:t>
+                  </a:r>
+                  <a:endParaRPr lang="en-US" sz="300">
+                    <a:solidFill>
+                      <a:schemeClr val="tx1"/>
+                    </a:solidFill>
+                  </a:endParaRPr>
+                </a:p>
+              </p:txBody>
+            </p:sp>
+            <p:sp>
+              <p:nvSpPr>
+                <p:cNvPr id="151" name="Abgerundetes Rechteck 150"/>
+                <p:cNvSpPr/>
+                <p:nvPr/>
+              </p:nvSpPr>
+              <p:spPr>
+                <a:xfrm>
+                  <a:off x="1524000" y="2808515"/>
+                  <a:ext cx="3287486" cy="1001486"/>
+                </a:xfrm>
+                <a:prstGeom prst="roundRect">
+                  <a:avLst/>
+                </a:prstGeom>
+                <a:solidFill>
+                  <a:srgbClr val="FF0000"/>
+                </a:solidFill>
+              </p:spPr>
+              <p:style>
+                <a:lnRef idx="2">
+                  <a:schemeClr val="accent1">
+                    <a:shade val="50000"/>
+                  </a:schemeClr>
+                </a:lnRef>
+                <a:fillRef idx="1">
+                  <a:schemeClr val="accent1"/>
+                </a:fillRef>
+                <a:effectRef idx="0">
+                  <a:schemeClr val="accent1"/>
+                </a:effectRef>
+                <a:fontRef idx="minor">
+                  <a:schemeClr val="lt1"/>
+                </a:fontRef>
+              </p:style>
+              <p:txBody>
+                <a:bodyPr rtlCol="0" anchor="ctr"/>
+                <a:lstStyle/>
+                <a:p>
+                  <a:pPr algn="ctr"/>
+                  <a:r>
+                    <a:rPr lang="en-US" sz="1050" smtClean="0">
+                      <a:solidFill>
+                        <a:schemeClr val="tx1"/>
+                      </a:solidFill>
+                    </a:rPr>
+                    <a:t>Linear</a:t>
+                  </a:r>
+                  <a:endParaRPr lang="en-US" sz="300">
+                    <a:solidFill>
+                      <a:schemeClr val="tx1"/>
+                    </a:solidFill>
+                  </a:endParaRPr>
+                </a:p>
+              </p:txBody>
+            </p:sp>
+            <p:sp>
+              <p:nvSpPr>
+                <p:cNvPr id="152" name="Abgerundetes Rechteck 151"/>
+                <p:cNvSpPr/>
+                <p:nvPr/>
+              </p:nvSpPr>
+              <p:spPr>
+                <a:xfrm>
+                  <a:off x="1524000" y="609601"/>
+                  <a:ext cx="3287486" cy="1001486"/>
+                </a:xfrm>
+                <a:prstGeom prst="roundRect">
+                  <a:avLst/>
+                </a:prstGeom>
+                <a:solidFill>
+                  <a:schemeClr val="accent4">
+                    <a:lumMod val="60000"/>
+                    <a:lumOff val="40000"/>
+                  </a:schemeClr>
+                </a:solidFill>
+              </p:spPr>
+              <p:style>
+                <a:lnRef idx="2">
+                  <a:schemeClr val="accent1">
+                    <a:shade val="50000"/>
+                  </a:schemeClr>
+                </a:lnRef>
+                <a:fillRef idx="1">
+                  <a:schemeClr val="accent1"/>
+                </a:fillRef>
+                <a:effectRef idx="0">
+                  <a:schemeClr val="accent1"/>
+                </a:effectRef>
+                <a:fontRef idx="minor">
+                  <a:schemeClr val="lt1"/>
+                </a:fontRef>
+              </p:style>
+              <p:txBody>
+                <a:bodyPr rtlCol="0" anchor="ctr"/>
+                <a:lstStyle/>
+                <a:p>
+                  <a:pPr algn="ctr"/>
+                  <a:r>
+                    <a:rPr lang="en-US" sz="1050" smtClean="0">
+                      <a:solidFill>
+                        <a:schemeClr val="tx1"/>
+                      </a:solidFill>
+                    </a:rPr>
+                    <a:t>Cross-linked</a:t>
+                  </a:r>
+                  <a:endParaRPr lang="en-US" sz="300">
+                    <a:solidFill>
+                      <a:schemeClr val="tx1"/>
+                    </a:solidFill>
+                  </a:endParaRPr>
+                </a:p>
+              </p:txBody>
+            </p:sp>
+            <p:sp>
+              <p:nvSpPr>
+                <p:cNvPr id="153" name="Abgerundetes Rechteck 152"/>
+                <p:cNvSpPr/>
+                <p:nvPr/>
+              </p:nvSpPr>
+              <p:spPr>
+                <a:xfrm>
+                  <a:off x="1524000" y="3907972"/>
+                  <a:ext cx="3287486" cy="1001486"/>
+                </a:xfrm>
+                <a:prstGeom prst="roundRect">
+                  <a:avLst/>
+                </a:prstGeom>
+                <a:solidFill>
+                  <a:srgbClr val="FF0000"/>
+                </a:solidFill>
+              </p:spPr>
+              <p:style>
+                <a:lnRef idx="2">
+                  <a:schemeClr val="accent1">
+                    <a:shade val="50000"/>
+                  </a:schemeClr>
+                </a:lnRef>
+                <a:fillRef idx="1">
+                  <a:schemeClr val="accent1"/>
+                </a:fillRef>
+                <a:effectRef idx="0">
+                  <a:schemeClr val="accent1"/>
+                </a:effectRef>
+                <a:fontRef idx="minor">
+                  <a:schemeClr val="lt1"/>
+                </a:fontRef>
+              </p:style>
+              <p:txBody>
+                <a:bodyPr rtlCol="0" anchor="ctr"/>
+                <a:lstStyle/>
+                <a:p>
+                  <a:pPr algn="ctr"/>
+                  <a:r>
+                    <a:rPr lang="en-US" sz="1050">
+                      <a:solidFill>
+                        <a:schemeClr val="tx1"/>
+                      </a:solidFill>
+                    </a:rPr>
+                    <a:t>Linear</a:t>
+                  </a:r>
+                </a:p>
+              </p:txBody>
+            </p:sp>
+          </p:grpSp>
+          <p:grpSp>
+            <p:nvGrpSpPr>
+              <p:cNvPr id="145" name="Gruppieren 144"/>
+              <p:cNvGrpSpPr/>
+              <p:nvPr/>
+            </p:nvGrpSpPr>
+            <p:grpSpPr>
+              <a:xfrm>
+                <a:off x="8294914" y="609601"/>
+                <a:ext cx="3287486" cy="4299857"/>
+                <a:chOff x="1524000" y="609601"/>
+                <a:chExt cx="3287486" cy="4299857"/>
+              </a:xfrm>
+            </p:grpSpPr>
+            <p:sp>
+              <p:nvSpPr>
+                <p:cNvPr id="146" name="Abgerundetes Rechteck 145"/>
+                <p:cNvSpPr/>
+                <p:nvPr/>
+              </p:nvSpPr>
+              <p:spPr>
+                <a:xfrm>
+                  <a:off x="1524000" y="1709058"/>
+                  <a:ext cx="3287486" cy="1001486"/>
+                </a:xfrm>
+                <a:prstGeom prst="roundRect">
+                  <a:avLst/>
+                </a:prstGeom>
+                <a:solidFill>
+                  <a:schemeClr val="accent4">
+                    <a:lumMod val="60000"/>
+                    <a:lumOff val="40000"/>
+                  </a:schemeClr>
+                </a:solidFill>
+              </p:spPr>
+              <p:style>
+                <a:lnRef idx="2">
+                  <a:schemeClr val="accent1">
+                    <a:shade val="50000"/>
+                  </a:schemeClr>
+                </a:lnRef>
+                <a:fillRef idx="1">
+                  <a:schemeClr val="accent1"/>
+                </a:fillRef>
+                <a:effectRef idx="0">
+                  <a:schemeClr val="accent1"/>
+                </a:effectRef>
+                <a:fontRef idx="minor">
+                  <a:schemeClr val="lt1"/>
+                </a:fontRef>
+              </p:style>
+              <p:txBody>
+                <a:bodyPr rtlCol="0" anchor="ctr"/>
+                <a:lstStyle/>
+                <a:p>
+                  <a:pPr algn="ctr"/>
+                  <a:r>
+                    <a:rPr lang="en-US" sz="1050" smtClean="0">
+                      <a:solidFill>
+                        <a:schemeClr val="tx1"/>
+                      </a:solidFill>
+                    </a:rPr>
+                    <a:t>Cross-linked</a:t>
+                  </a:r>
+                  <a:endParaRPr lang="en-US" sz="300">
+                    <a:solidFill>
+                      <a:schemeClr val="tx1"/>
+                    </a:solidFill>
+                  </a:endParaRPr>
+                </a:p>
+              </p:txBody>
+            </p:sp>
+            <p:sp>
+              <p:nvSpPr>
+                <p:cNvPr id="147" name="Abgerundetes Rechteck 146"/>
+                <p:cNvSpPr/>
+                <p:nvPr/>
+              </p:nvSpPr>
+              <p:spPr>
+                <a:xfrm>
+                  <a:off x="1524000" y="2808515"/>
+                  <a:ext cx="3287486" cy="1001486"/>
+                </a:xfrm>
+                <a:prstGeom prst="roundRect">
+                  <a:avLst/>
+                </a:prstGeom>
+                <a:solidFill>
+                  <a:srgbClr val="FF0000"/>
+                </a:solidFill>
+              </p:spPr>
+              <p:style>
+                <a:lnRef idx="2">
+                  <a:schemeClr val="accent1">
+                    <a:shade val="50000"/>
+                  </a:schemeClr>
+                </a:lnRef>
+                <a:fillRef idx="1">
+                  <a:schemeClr val="accent1"/>
+                </a:fillRef>
+                <a:effectRef idx="0">
+                  <a:schemeClr val="accent1"/>
+                </a:effectRef>
+                <a:fontRef idx="minor">
+                  <a:schemeClr val="lt1"/>
+                </a:fontRef>
+              </p:style>
+              <p:txBody>
+                <a:bodyPr rtlCol="0" anchor="ctr"/>
+                <a:lstStyle/>
+                <a:p>
+                  <a:pPr algn="ctr"/>
+                  <a:r>
+                    <a:rPr lang="en-US" sz="1050" smtClean="0">
+                      <a:solidFill>
+                        <a:schemeClr val="tx1"/>
+                      </a:solidFill>
+                    </a:rPr>
+                    <a:t>Cross-linked</a:t>
+                  </a:r>
+                  <a:endParaRPr lang="en-US" sz="1050">
+                    <a:solidFill>
+                      <a:schemeClr val="tx1"/>
+                    </a:solidFill>
+                  </a:endParaRPr>
+                </a:p>
+              </p:txBody>
+            </p:sp>
+            <p:sp>
+              <p:nvSpPr>
+                <p:cNvPr id="148" name="Abgerundetes Rechteck 147"/>
+                <p:cNvSpPr/>
+                <p:nvPr/>
+              </p:nvSpPr>
+              <p:spPr>
+                <a:xfrm>
+                  <a:off x="1524000" y="609601"/>
+                  <a:ext cx="3287486" cy="1001486"/>
+                </a:xfrm>
+                <a:prstGeom prst="roundRect">
+                  <a:avLst/>
+                </a:prstGeom>
+                <a:solidFill>
+                  <a:srgbClr val="009242"/>
+                </a:solidFill>
+              </p:spPr>
+              <p:style>
+                <a:lnRef idx="2">
+                  <a:schemeClr val="accent1">
+                    <a:shade val="50000"/>
+                  </a:schemeClr>
+                </a:lnRef>
+                <a:fillRef idx="1">
+                  <a:schemeClr val="accent1"/>
+                </a:fillRef>
+                <a:effectRef idx="0">
+                  <a:schemeClr val="accent1"/>
+                </a:effectRef>
+                <a:fontRef idx="minor">
+                  <a:schemeClr val="lt1"/>
+                </a:fontRef>
+              </p:style>
+              <p:txBody>
+                <a:bodyPr rtlCol="0" anchor="ctr"/>
+                <a:lstStyle/>
+                <a:p>
+                  <a:pPr algn="ctr"/>
+                  <a:r>
+                    <a:rPr lang="en-US" sz="1050" smtClean="0">
+                      <a:solidFill>
+                        <a:schemeClr val="tx1"/>
+                      </a:solidFill>
+                    </a:rPr>
+                    <a:t>Linear</a:t>
+                  </a:r>
+                  <a:endParaRPr lang="en-US" sz="300">
+                    <a:solidFill>
+                      <a:schemeClr val="tx1"/>
+                    </a:solidFill>
+                  </a:endParaRPr>
+                </a:p>
+              </p:txBody>
+            </p:sp>
+            <p:sp>
+              <p:nvSpPr>
+                <p:cNvPr id="149" name="Abgerundetes Rechteck 148"/>
+                <p:cNvSpPr/>
+                <p:nvPr/>
+              </p:nvSpPr>
+              <p:spPr>
+                <a:xfrm>
+                  <a:off x="1524000" y="3907972"/>
+                  <a:ext cx="3287486" cy="1001486"/>
+                </a:xfrm>
+                <a:prstGeom prst="roundRect">
+                  <a:avLst/>
+                </a:prstGeom>
+                <a:solidFill>
+                  <a:srgbClr val="FF0000"/>
+                </a:solidFill>
+              </p:spPr>
+              <p:style>
+                <a:lnRef idx="2">
+                  <a:schemeClr val="accent1">
+                    <a:shade val="50000"/>
+                  </a:schemeClr>
+                </a:lnRef>
+                <a:fillRef idx="1">
+                  <a:schemeClr val="accent1"/>
+                </a:fillRef>
+                <a:effectRef idx="0">
+                  <a:schemeClr val="accent1"/>
+                </a:effectRef>
+                <a:fontRef idx="minor">
+                  <a:schemeClr val="lt1"/>
+                </a:fontRef>
+              </p:style>
+              <p:txBody>
+                <a:bodyPr rtlCol="0" anchor="ctr"/>
+                <a:lstStyle/>
+                <a:p>
+                  <a:pPr algn="ctr"/>
+                  <a:r>
+                    <a:rPr lang="en-US" sz="1050">
+                      <a:solidFill>
+                        <a:schemeClr val="tx1"/>
+                      </a:solidFill>
+                    </a:rPr>
+                    <a:t>Linear</a:t>
+                  </a:r>
+                </a:p>
+              </p:txBody>
+            </p:sp>
+          </p:grpSp>
+        </p:grpSp>
+        <p:grpSp>
+          <p:nvGrpSpPr>
+            <p:cNvPr id="114" name="Gruppieren 113"/>
+            <p:cNvGrpSpPr/>
+            <p:nvPr/>
+          </p:nvGrpSpPr>
+          <p:grpSpPr>
+            <a:xfrm>
+              <a:off x="6858000" y="838201"/>
+              <a:ext cx="4593771" cy="2373085"/>
+              <a:chOff x="6858000" y="838201"/>
+              <a:chExt cx="4593771" cy="2373085"/>
+            </a:xfrm>
+          </p:grpSpPr>
+          <p:grpSp>
+            <p:nvGrpSpPr>
+              <p:cNvPr id="128" name="Gruppieren 127"/>
+              <p:cNvGrpSpPr/>
+              <p:nvPr/>
+            </p:nvGrpSpPr>
+            <p:grpSpPr>
+              <a:xfrm>
+                <a:off x="6858000" y="838201"/>
+                <a:ext cx="1501427" cy="2373085"/>
+                <a:chOff x="6858000" y="838201"/>
+                <a:chExt cx="1501427" cy="2373085"/>
+              </a:xfrm>
+            </p:grpSpPr>
+            <p:sp>
+              <p:nvSpPr>
+                <p:cNvPr id="139" name="Abgerundetes Rechteck 138"/>
+                <p:cNvSpPr/>
+                <p:nvPr/>
+              </p:nvSpPr>
+              <p:spPr>
+                <a:xfrm>
+                  <a:off x="6858000" y="1444990"/>
+                  <a:ext cx="1501427" cy="552719"/>
+                </a:xfrm>
+                <a:prstGeom prst="roundRect">
+                  <a:avLst/>
+                </a:prstGeom>
+                <a:solidFill>
+                  <a:schemeClr val="accent4">
+                    <a:lumMod val="60000"/>
+                    <a:lumOff val="40000"/>
+                  </a:schemeClr>
+                </a:solidFill>
+              </p:spPr>
+              <p:style>
+                <a:lnRef idx="2">
+                  <a:schemeClr val="accent1">
+                    <a:shade val="50000"/>
+                  </a:schemeClr>
+                </a:lnRef>
+                <a:fillRef idx="1">
+                  <a:schemeClr val="accent1"/>
+                </a:fillRef>
+                <a:effectRef idx="0">
+                  <a:schemeClr val="accent1"/>
+                </a:effectRef>
+                <a:fontRef idx="minor">
+                  <a:schemeClr val="lt1"/>
+                </a:fontRef>
+              </p:style>
+              <p:txBody>
+                <a:bodyPr rtlCol="0" anchor="ctr"/>
+                <a:lstStyle/>
+                <a:p>
+                  <a:pPr algn="ctr"/>
+                  <a:r>
+                    <a:rPr lang="en-US" sz="1050">
+                      <a:solidFill>
+                        <a:schemeClr val="tx1"/>
+                      </a:solidFill>
+                    </a:rPr>
+                    <a:t>Linear</a:t>
+                  </a:r>
+                </a:p>
+              </p:txBody>
+            </p:sp>
+            <p:sp>
+              <p:nvSpPr>
+                <p:cNvPr id="140" name="Abgerundetes Rechteck 139"/>
+                <p:cNvSpPr/>
+                <p:nvPr/>
+              </p:nvSpPr>
+              <p:spPr>
+                <a:xfrm>
+                  <a:off x="6858000" y="2051779"/>
+                  <a:ext cx="1501427" cy="552719"/>
+                </a:xfrm>
+                <a:prstGeom prst="roundRect">
+                  <a:avLst/>
+                </a:prstGeom>
+                <a:solidFill>
+                  <a:srgbClr val="FF0000"/>
+                </a:solidFill>
+              </p:spPr>
+              <p:style>
+                <a:lnRef idx="2">
+                  <a:schemeClr val="accent1">
+                    <a:shade val="50000"/>
+                  </a:schemeClr>
+                </a:lnRef>
+                <a:fillRef idx="1">
+                  <a:schemeClr val="accent1"/>
+                </a:fillRef>
+                <a:effectRef idx="0">
+                  <a:schemeClr val="accent1"/>
+                </a:effectRef>
+                <a:fontRef idx="minor">
+                  <a:schemeClr val="lt1"/>
+                </a:fontRef>
+              </p:style>
+              <p:txBody>
+                <a:bodyPr rtlCol="0" anchor="ctr"/>
+                <a:lstStyle/>
+                <a:p>
+                  <a:pPr algn="ctr"/>
+                  <a:r>
+                    <a:rPr lang="en-US" sz="1050" smtClean="0">
+                      <a:solidFill>
+                        <a:schemeClr val="tx1"/>
+                      </a:solidFill>
+                    </a:rPr>
+                    <a:t>Linear</a:t>
+                  </a:r>
+                  <a:endParaRPr lang="en-US" sz="300">
+                    <a:solidFill>
+                      <a:schemeClr val="tx1"/>
+                    </a:solidFill>
+                  </a:endParaRPr>
+                </a:p>
+              </p:txBody>
+            </p:sp>
+            <p:sp>
+              <p:nvSpPr>
+                <p:cNvPr id="141" name="Abgerundetes Rechteck 140"/>
+                <p:cNvSpPr/>
+                <p:nvPr/>
+              </p:nvSpPr>
+              <p:spPr>
+                <a:xfrm>
+                  <a:off x="6858000" y="838201"/>
+                  <a:ext cx="1501427" cy="552719"/>
+                </a:xfrm>
+                <a:prstGeom prst="roundRect">
+                  <a:avLst/>
+                </a:prstGeom>
+                <a:solidFill>
+                  <a:srgbClr val="00B050"/>
+                </a:solidFill>
+              </p:spPr>
+              <p:style>
+                <a:lnRef idx="2">
+                  <a:schemeClr val="accent1">
+                    <a:shade val="50000"/>
+                  </a:schemeClr>
+                </a:lnRef>
+                <a:fillRef idx="1">
+                  <a:schemeClr val="accent1"/>
+                </a:fillRef>
+                <a:effectRef idx="0">
+                  <a:schemeClr val="accent1"/>
+                </a:effectRef>
+                <a:fontRef idx="minor">
+                  <a:schemeClr val="lt1"/>
+                </a:fontRef>
+              </p:style>
+              <p:txBody>
+                <a:bodyPr rtlCol="0" anchor="ctr"/>
+                <a:lstStyle/>
+                <a:p>
+                  <a:pPr algn="ctr"/>
+                  <a:r>
+                    <a:rPr lang="en-US" sz="1050" smtClean="0">
+                      <a:solidFill>
+                        <a:schemeClr val="tx1"/>
+                      </a:solidFill>
+                    </a:rPr>
+                    <a:t>Cross-linked</a:t>
+                  </a:r>
+                  <a:endParaRPr lang="en-US" sz="1050">
+                    <a:solidFill>
+                      <a:schemeClr val="tx1"/>
+                    </a:solidFill>
+                  </a:endParaRPr>
+                </a:p>
+              </p:txBody>
+            </p:sp>
+            <p:sp>
+              <p:nvSpPr>
+                <p:cNvPr id="142" name="Abgerundetes Rechteck 141"/>
+                <p:cNvSpPr/>
+                <p:nvPr/>
+              </p:nvSpPr>
+              <p:spPr>
+                <a:xfrm>
+                  <a:off x="6858000" y="2658567"/>
+                  <a:ext cx="1501427" cy="552719"/>
+                </a:xfrm>
+                <a:prstGeom prst="roundRect">
+                  <a:avLst/>
+                </a:prstGeom>
+                <a:solidFill>
+                  <a:srgbClr val="FF0000"/>
+                </a:solidFill>
+              </p:spPr>
+              <p:style>
+                <a:lnRef idx="2">
+                  <a:schemeClr val="accent1">
+                    <a:shade val="50000"/>
+                  </a:schemeClr>
+                </a:lnRef>
+                <a:fillRef idx="1">
+                  <a:schemeClr val="accent1"/>
+                </a:fillRef>
+                <a:effectRef idx="0">
+                  <a:schemeClr val="accent1"/>
+                </a:effectRef>
+                <a:fontRef idx="minor">
+                  <a:schemeClr val="lt1"/>
+                </a:fontRef>
+              </p:style>
+              <p:txBody>
+                <a:bodyPr rtlCol="0" anchor="ctr"/>
+                <a:lstStyle/>
+                <a:p>
+                  <a:pPr algn="ctr"/>
+                  <a:r>
+                    <a:rPr lang="en-US" sz="1050">
+                      <a:solidFill>
+                        <a:schemeClr val="tx1"/>
+                      </a:solidFill>
+                    </a:rPr>
+                    <a:t>Cross-linked</a:t>
+                  </a:r>
+                </a:p>
+              </p:txBody>
+            </p:sp>
+          </p:grpSp>
+          <p:grpSp>
+            <p:nvGrpSpPr>
+              <p:cNvPr id="129" name="Gruppieren 128"/>
+              <p:cNvGrpSpPr/>
+              <p:nvPr/>
+            </p:nvGrpSpPr>
+            <p:grpSpPr>
+              <a:xfrm>
+                <a:off x="8404172" y="838201"/>
+                <a:ext cx="1501427" cy="2373085"/>
+                <a:chOff x="1524000" y="609601"/>
+                <a:chExt cx="3287486" cy="4299857"/>
+              </a:xfrm>
+            </p:grpSpPr>
+            <p:sp>
+              <p:nvSpPr>
+                <p:cNvPr id="135" name="Abgerundetes Rechteck 134"/>
+                <p:cNvSpPr/>
+                <p:nvPr/>
+              </p:nvSpPr>
+              <p:spPr>
+                <a:xfrm>
+                  <a:off x="1524000" y="1709058"/>
+                  <a:ext cx="3287486" cy="1001486"/>
+                </a:xfrm>
+                <a:prstGeom prst="roundRect">
+                  <a:avLst/>
+                </a:prstGeom>
+                <a:solidFill>
+                  <a:schemeClr val="accent4">
+                    <a:lumMod val="60000"/>
+                    <a:lumOff val="40000"/>
+                  </a:schemeClr>
+                </a:solidFill>
+              </p:spPr>
+              <p:style>
+                <a:lnRef idx="2">
+                  <a:schemeClr val="accent1">
+                    <a:shade val="50000"/>
+                  </a:schemeClr>
+                </a:lnRef>
+                <a:fillRef idx="1">
+                  <a:schemeClr val="accent1"/>
+                </a:fillRef>
+                <a:effectRef idx="0">
+                  <a:schemeClr val="accent1"/>
+                </a:effectRef>
+                <a:fontRef idx="minor">
+                  <a:schemeClr val="lt1"/>
+                </a:fontRef>
+              </p:style>
+              <p:txBody>
+                <a:bodyPr rtlCol="0" anchor="ctr"/>
+                <a:lstStyle/>
+                <a:p>
+                  <a:pPr algn="ctr"/>
+                  <a:r>
+                    <a:rPr lang="en-US" sz="1050">
+                      <a:solidFill>
+                        <a:schemeClr val="tx1"/>
+                      </a:solidFill>
+                    </a:rPr>
+                    <a:t>Cross-linked</a:t>
+                  </a:r>
+                </a:p>
+              </p:txBody>
+            </p:sp>
+            <p:sp>
+              <p:nvSpPr>
+                <p:cNvPr id="136" name="Abgerundetes Rechteck 135"/>
+                <p:cNvSpPr/>
+                <p:nvPr/>
+              </p:nvSpPr>
+              <p:spPr>
+                <a:xfrm>
+                  <a:off x="1524000" y="2808515"/>
+                  <a:ext cx="3287486" cy="1001486"/>
+                </a:xfrm>
+                <a:prstGeom prst="roundRect">
+                  <a:avLst/>
+                </a:prstGeom>
+                <a:solidFill>
+                  <a:srgbClr val="FF0000"/>
+                </a:solidFill>
+              </p:spPr>
+              <p:style>
+                <a:lnRef idx="2">
+                  <a:schemeClr val="accent1">
+                    <a:shade val="50000"/>
+                  </a:schemeClr>
+                </a:lnRef>
+                <a:fillRef idx="1">
+                  <a:schemeClr val="accent1"/>
+                </a:fillRef>
+                <a:effectRef idx="0">
+                  <a:schemeClr val="accent1"/>
+                </a:effectRef>
+                <a:fontRef idx="minor">
+                  <a:schemeClr val="lt1"/>
+                </a:fontRef>
+              </p:style>
+              <p:txBody>
+                <a:bodyPr rtlCol="0" anchor="ctr"/>
+                <a:lstStyle/>
+                <a:p>
+                  <a:pPr algn="ctr"/>
+                  <a:r>
+                    <a:rPr lang="en-US" sz="1050" smtClean="0">
+                      <a:solidFill>
+                        <a:schemeClr val="tx1"/>
+                      </a:solidFill>
+                    </a:rPr>
+                    <a:t>Linear</a:t>
+                  </a:r>
+                  <a:endParaRPr lang="en-US" sz="300">
+                    <a:solidFill>
+                      <a:schemeClr val="tx1"/>
+                    </a:solidFill>
+                  </a:endParaRPr>
+                </a:p>
+              </p:txBody>
+            </p:sp>
+            <p:sp>
+              <p:nvSpPr>
+                <p:cNvPr id="137" name="Abgerundetes Rechteck 136"/>
+                <p:cNvSpPr/>
+                <p:nvPr/>
+              </p:nvSpPr>
+              <p:spPr>
+                <a:xfrm>
+                  <a:off x="1524000" y="609601"/>
+                  <a:ext cx="3287486" cy="1001486"/>
+                </a:xfrm>
+                <a:prstGeom prst="roundRect">
+                  <a:avLst/>
+                </a:prstGeom>
+                <a:solidFill>
+                  <a:srgbClr val="75B000"/>
+                </a:solidFill>
+              </p:spPr>
+              <p:style>
+                <a:lnRef idx="2">
+                  <a:schemeClr val="accent1">
+                    <a:shade val="50000"/>
+                  </a:schemeClr>
+                </a:lnRef>
+                <a:fillRef idx="1">
+                  <a:schemeClr val="accent1"/>
+                </a:fillRef>
+                <a:effectRef idx="0">
+                  <a:schemeClr val="accent1"/>
+                </a:effectRef>
+                <a:fontRef idx="minor">
+                  <a:schemeClr val="lt1"/>
+                </a:fontRef>
+              </p:style>
+              <p:txBody>
+                <a:bodyPr rtlCol="0" anchor="ctr"/>
+                <a:lstStyle/>
+                <a:p>
+                  <a:pPr algn="ctr"/>
+                  <a:r>
+                    <a:rPr lang="en-US" sz="1050">
+                      <a:solidFill>
+                        <a:schemeClr val="tx1"/>
+                      </a:solidFill>
+                    </a:rPr>
+                    <a:t>Cross-linked</a:t>
+                  </a:r>
+                </a:p>
+              </p:txBody>
+            </p:sp>
+            <p:sp>
+              <p:nvSpPr>
+                <p:cNvPr id="138" name="Abgerundetes Rechteck 137"/>
+                <p:cNvSpPr/>
+                <p:nvPr/>
+              </p:nvSpPr>
+              <p:spPr>
+                <a:xfrm>
+                  <a:off x="1524000" y="3907972"/>
+                  <a:ext cx="3287486" cy="1001486"/>
+                </a:xfrm>
+                <a:prstGeom prst="roundRect">
+                  <a:avLst/>
+                </a:prstGeom>
+                <a:solidFill>
+                  <a:srgbClr val="FF0000"/>
+                </a:solidFill>
+              </p:spPr>
+              <p:style>
+                <a:lnRef idx="2">
+                  <a:schemeClr val="accent1">
+                    <a:shade val="50000"/>
+                  </a:schemeClr>
+                </a:lnRef>
+                <a:fillRef idx="1">
+                  <a:schemeClr val="accent1"/>
+                </a:fillRef>
+                <a:effectRef idx="0">
+                  <a:schemeClr val="accent1"/>
+                </a:effectRef>
+                <a:fontRef idx="minor">
+                  <a:schemeClr val="lt1"/>
+                </a:fontRef>
+              </p:style>
+              <p:txBody>
+                <a:bodyPr rtlCol="0" anchor="ctr"/>
+                <a:lstStyle/>
+                <a:p>
+                  <a:pPr algn="ctr"/>
+                  <a:r>
+                    <a:rPr lang="en-US" sz="1050">
+                      <a:solidFill>
+                        <a:schemeClr val="tx1"/>
+                      </a:solidFill>
+                    </a:rPr>
+                    <a:t>Linear</a:t>
+                  </a:r>
+                </a:p>
+              </p:txBody>
+            </p:sp>
+          </p:grpSp>
+          <p:grpSp>
+            <p:nvGrpSpPr>
+              <p:cNvPr id="130" name="Gruppieren 129"/>
+              <p:cNvGrpSpPr/>
+              <p:nvPr/>
+            </p:nvGrpSpPr>
+            <p:grpSpPr>
+              <a:xfrm>
+                <a:off x="9950344" y="838201"/>
+                <a:ext cx="1501427" cy="2373085"/>
+                <a:chOff x="1524000" y="609601"/>
+                <a:chExt cx="3287486" cy="4299857"/>
+              </a:xfrm>
+            </p:grpSpPr>
+            <p:sp>
+              <p:nvSpPr>
+                <p:cNvPr id="131" name="Abgerundetes Rechteck 130"/>
+                <p:cNvSpPr/>
+                <p:nvPr/>
+              </p:nvSpPr>
+              <p:spPr>
+                <a:xfrm>
+                  <a:off x="1524000" y="1709058"/>
+                  <a:ext cx="3287486" cy="1001486"/>
+                </a:xfrm>
+                <a:prstGeom prst="roundRect">
+                  <a:avLst/>
+                </a:prstGeom>
+                <a:solidFill>
+                  <a:schemeClr val="accent4">
+                    <a:lumMod val="60000"/>
+                    <a:lumOff val="40000"/>
+                  </a:schemeClr>
+                </a:solidFill>
+              </p:spPr>
+              <p:style>
+                <a:lnRef idx="2">
+                  <a:schemeClr val="accent1">
+                    <a:shade val="50000"/>
+                  </a:schemeClr>
+                </a:lnRef>
+                <a:fillRef idx="1">
+                  <a:schemeClr val="accent1"/>
+                </a:fillRef>
+                <a:effectRef idx="0">
+                  <a:schemeClr val="accent1"/>
+                </a:effectRef>
+                <a:fontRef idx="minor">
+                  <a:schemeClr val="lt1"/>
+                </a:fontRef>
+              </p:style>
+              <p:txBody>
+                <a:bodyPr rtlCol="0" anchor="ctr"/>
+                <a:lstStyle/>
+                <a:p>
+                  <a:pPr algn="ctr"/>
+                  <a:r>
+                    <a:rPr lang="en-US" sz="1050" smtClean="0">
+                      <a:solidFill>
+                        <a:schemeClr val="tx1"/>
+                      </a:solidFill>
+                    </a:rPr>
+                    <a:t>Cross-linked</a:t>
+                  </a:r>
+                  <a:endParaRPr lang="en-US" sz="300">
+                    <a:solidFill>
+                      <a:schemeClr val="tx1"/>
+                    </a:solidFill>
+                  </a:endParaRPr>
+                </a:p>
+              </p:txBody>
+            </p:sp>
+            <p:sp>
+              <p:nvSpPr>
+                <p:cNvPr id="132" name="Abgerundetes Rechteck 131"/>
+                <p:cNvSpPr/>
+                <p:nvPr/>
+              </p:nvSpPr>
+              <p:spPr>
+                <a:xfrm>
+                  <a:off x="1524000" y="2808515"/>
+                  <a:ext cx="3287486" cy="1001486"/>
+                </a:xfrm>
+                <a:prstGeom prst="roundRect">
+                  <a:avLst/>
+                </a:prstGeom>
+                <a:solidFill>
+                  <a:srgbClr val="FF0000"/>
+                </a:solidFill>
+              </p:spPr>
+              <p:style>
+                <a:lnRef idx="2">
+                  <a:schemeClr val="accent1">
+                    <a:shade val="50000"/>
+                  </a:schemeClr>
+                </a:lnRef>
+                <a:fillRef idx="1">
+                  <a:schemeClr val="accent1"/>
+                </a:fillRef>
+                <a:effectRef idx="0">
+                  <a:schemeClr val="accent1"/>
+                </a:effectRef>
+                <a:fontRef idx="minor">
+                  <a:schemeClr val="lt1"/>
+                </a:fontRef>
+              </p:style>
+              <p:txBody>
+                <a:bodyPr rtlCol="0" anchor="ctr"/>
+                <a:lstStyle/>
+                <a:p>
+                  <a:pPr algn="ctr"/>
+                  <a:r>
+                    <a:rPr lang="en-US" sz="1050" smtClean="0">
+                      <a:solidFill>
+                        <a:schemeClr val="tx1"/>
+                      </a:solidFill>
+                    </a:rPr>
+                    <a:t>Cross-linked</a:t>
+                  </a:r>
+                  <a:endParaRPr lang="en-US" sz="1050">
+                    <a:solidFill>
+                      <a:schemeClr val="tx1"/>
+                    </a:solidFill>
+                  </a:endParaRPr>
+                </a:p>
+              </p:txBody>
+            </p:sp>
+            <p:sp>
+              <p:nvSpPr>
+                <p:cNvPr id="133" name="Abgerundetes Rechteck 132"/>
+                <p:cNvSpPr/>
+                <p:nvPr/>
+              </p:nvSpPr>
+              <p:spPr>
+                <a:xfrm>
+                  <a:off x="1524000" y="609601"/>
+                  <a:ext cx="3287486" cy="1001486"/>
+                </a:xfrm>
+                <a:prstGeom prst="roundRect">
+                  <a:avLst/>
+                </a:prstGeom>
+                <a:solidFill>
+                  <a:srgbClr val="009242"/>
+                </a:solidFill>
+              </p:spPr>
+              <p:style>
+                <a:lnRef idx="2">
+                  <a:schemeClr val="accent1">
+                    <a:shade val="50000"/>
+                  </a:schemeClr>
+                </a:lnRef>
+                <a:fillRef idx="1">
+                  <a:schemeClr val="accent1"/>
+                </a:fillRef>
+                <a:effectRef idx="0">
+                  <a:schemeClr val="accent1"/>
+                </a:effectRef>
+                <a:fontRef idx="minor">
+                  <a:schemeClr val="lt1"/>
+                </a:fontRef>
+              </p:style>
+              <p:txBody>
+                <a:bodyPr rtlCol="0" anchor="ctr"/>
+                <a:lstStyle/>
+                <a:p>
+                  <a:pPr algn="ctr"/>
+                  <a:r>
+                    <a:rPr lang="en-US" sz="1050" smtClean="0">
+                      <a:solidFill>
+                        <a:schemeClr val="tx1"/>
+                      </a:solidFill>
+                    </a:rPr>
+                    <a:t>Linear</a:t>
+                  </a:r>
+                  <a:endParaRPr lang="en-US" sz="300">
+                    <a:solidFill>
+                      <a:schemeClr val="tx1"/>
+                    </a:solidFill>
+                  </a:endParaRPr>
+                </a:p>
+              </p:txBody>
+            </p:sp>
+            <p:sp>
+              <p:nvSpPr>
+                <p:cNvPr id="134" name="Abgerundetes Rechteck 133"/>
+                <p:cNvSpPr/>
+                <p:nvPr/>
+              </p:nvSpPr>
+              <p:spPr>
+                <a:xfrm>
+                  <a:off x="1524000" y="3907972"/>
+                  <a:ext cx="3287486" cy="1001486"/>
+                </a:xfrm>
+                <a:prstGeom prst="roundRect">
+                  <a:avLst/>
+                </a:prstGeom>
+                <a:solidFill>
+                  <a:srgbClr val="FF0000"/>
+                </a:solidFill>
+              </p:spPr>
+              <p:style>
+                <a:lnRef idx="2">
+                  <a:schemeClr val="accent1">
+                    <a:shade val="50000"/>
+                  </a:schemeClr>
+                </a:lnRef>
+                <a:fillRef idx="1">
+                  <a:schemeClr val="accent1"/>
+                </a:fillRef>
+                <a:effectRef idx="0">
+                  <a:schemeClr val="accent1"/>
+                </a:effectRef>
+                <a:fontRef idx="minor">
+                  <a:schemeClr val="lt1"/>
+                </a:fontRef>
+              </p:style>
+              <p:txBody>
+                <a:bodyPr rtlCol="0" anchor="ctr"/>
+                <a:lstStyle/>
+                <a:p>
+                  <a:pPr algn="ctr"/>
+                  <a:r>
+                    <a:rPr lang="en-US" sz="1050">
+                      <a:solidFill>
+                        <a:schemeClr val="tx1"/>
+                      </a:solidFill>
+                    </a:rPr>
+                    <a:t>Linear</a:t>
+                  </a:r>
+                </a:p>
+              </p:txBody>
+            </p:sp>
+          </p:grpSp>
+        </p:grpSp>
+        <p:sp>
+          <p:nvSpPr>
+            <p:cNvPr id="115" name="Abgerundetes Rechteck 114"/>
+            <p:cNvSpPr/>
+            <p:nvPr/>
+          </p:nvSpPr>
+          <p:spPr>
+            <a:xfrm>
+              <a:off x="849086" y="4824824"/>
+              <a:ext cx="1501427" cy="552719"/>
+            </a:xfrm>
+            <a:prstGeom prst="roundRect">
+              <a:avLst/>
+            </a:prstGeom>
+            <a:solidFill>
+              <a:srgbClr val="00B050"/>
+            </a:solidFill>
+          </p:spPr>
+          <p:style>
+            <a:lnRef idx="2">
+              <a:schemeClr val="accent1">
+                <a:shade val="50000"/>
+              </a:schemeClr>
+            </a:lnRef>
+            <a:fillRef idx="1">
+              <a:schemeClr val="accent1"/>
+            </a:fillRef>
+            <a:effectRef idx="0">
+              <a:schemeClr val="accent1"/>
+            </a:effectRef>
+            <a:fontRef idx="minor">
+              <a:schemeClr val="lt1"/>
+            </a:fontRef>
+          </p:style>
+          <p:txBody>
+            <a:bodyPr rtlCol="0" anchor="ctr"/>
+            <a:lstStyle/>
+            <a:p>
+              <a:pPr algn="ctr"/>
+              <a:r>
+                <a:rPr lang="en-US" sz="1050" smtClean="0">
+                  <a:solidFill>
+                    <a:schemeClr val="tx1"/>
+                  </a:solidFill>
+                </a:rPr>
+                <a:t>Cross-linked</a:t>
+              </a:r>
+              <a:endParaRPr lang="en-US" sz="1050">
+                <a:solidFill>
+                  <a:schemeClr val="tx1"/>
+                </a:solidFill>
+              </a:endParaRPr>
+            </a:p>
+          </p:txBody>
+        </p:sp>
+        <p:sp>
+          <p:nvSpPr>
+            <p:cNvPr id="116" name="Abgerundetes Rechteck 115"/>
+            <p:cNvSpPr/>
+            <p:nvPr/>
+          </p:nvSpPr>
+          <p:spPr>
+            <a:xfrm>
+              <a:off x="2395258" y="4824824"/>
+              <a:ext cx="1501427" cy="552719"/>
+            </a:xfrm>
+            <a:prstGeom prst="roundRect">
+              <a:avLst/>
+            </a:prstGeom>
+            <a:solidFill>
+              <a:srgbClr val="75B000"/>
+            </a:solidFill>
+          </p:spPr>
+          <p:style>
+            <a:lnRef idx="2">
+              <a:schemeClr val="accent1">
+                <a:shade val="50000"/>
+              </a:schemeClr>
+            </a:lnRef>
+            <a:fillRef idx="1">
+              <a:schemeClr val="accent1"/>
+            </a:fillRef>
+            <a:effectRef idx="0">
+              <a:schemeClr val="accent1"/>
+            </a:effectRef>
+            <a:fontRef idx="minor">
+              <a:schemeClr val="lt1"/>
+            </a:fontRef>
+          </p:style>
+          <p:txBody>
+            <a:bodyPr rtlCol="0" anchor="ctr"/>
+            <a:lstStyle/>
+            <a:p>
+              <a:pPr algn="ctr"/>
+              <a:r>
+                <a:rPr lang="en-US" sz="1050">
+                  <a:solidFill>
+                    <a:schemeClr val="tx1"/>
+                  </a:solidFill>
+                </a:rPr>
+                <a:t>Cross-linked</a:t>
+              </a:r>
+            </a:p>
+          </p:txBody>
+        </p:sp>
+        <p:sp>
+          <p:nvSpPr>
+            <p:cNvPr id="117" name="Abgerundetes Rechteck 116"/>
+            <p:cNvSpPr/>
+            <p:nvPr/>
+          </p:nvSpPr>
+          <p:spPr>
+            <a:xfrm>
+              <a:off x="3941430" y="4824824"/>
+              <a:ext cx="1501427" cy="552719"/>
+            </a:xfrm>
+            <a:prstGeom prst="roundRect">
+              <a:avLst/>
+            </a:prstGeom>
+            <a:solidFill>
+              <a:srgbClr val="009242"/>
+            </a:solidFill>
+          </p:spPr>
+          <p:style>
+            <a:lnRef idx="2">
+              <a:schemeClr val="accent1">
+                <a:shade val="50000"/>
+              </a:schemeClr>
+            </a:lnRef>
+            <a:fillRef idx="1">
+              <a:schemeClr val="accent1"/>
+            </a:fillRef>
+            <a:effectRef idx="0">
+              <a:schemeClr val="accent1"/>
+            </a:effectRef>
+            <a:fontRef idx="minor">
+              <a:schemeClr val="lt1"/>
+            </a:fontRef>
+          </p:style>
+          <p:txBody>
+            <a:bodyPr rtlCol="0" anchor="ctr"/>
+            <a:lstStyle/>
+            <a:p>
+              <a:pPr algn="ctr"/>
+              <a:r>
+                <a:rPr lang="en-US" sz="1050">
+                  <a:solidFill>
+                    <a:schemeClr val="tx1"/>
+                  </a:solidFill>
+                </a:rPr>
+                <a:t>Linear</a:t>
+              </a:r>
+            </a:p>
+          </p:txBody>
+        </p:sp>
+        <p:sp>
+          <p:nvSpPr>
+            <p:cNvPr id="118" name="Abgerundetes Rechteck 117"/>
+            <p:cNvSpPr/>
+            <p:nvPr/>
+          </p:nvSpPr>
+          <p:spPr>
+            <a:xfrm>
+              <a:off x="6858000" y="4824824"/>
+              <a:ext cx="1501427" cy="552719"/>
+            </a:xfrm>
+            <a:prstGeom prst="roundRect">
+              <a:avLst/>
+            </a:prstGeom>
+            <a:solidFill>
+              <a:srgbClr val="75B000"/>
+            </a:solidFill>
+          </p:spPr>
+          <p:style>
+            <a:lnRef idx="2">
+              <a:schemeClr val="accent1">
+                <a:shade val="50000"/>
+              </a:schemeClr>
+            </a:lnRef>
+            <a:fillRef idx="1">
+              <a:schemeClr val="accent1"/>
+            </a:fillRef>
+            <a:effectRef idx="0">
+              <a:schemeClr val="accent1"/>
+            </a:effectRef>
+            <a:fontRef idx="minor">
+              <a:schemeClr val="lt1"/>
+            </a:fontRef>
+          </p:style>
+          <p:txBody>
+            <a:bodyPr rtlCol="0" anchor="ctr"/>
+            <a:lstStyle/>
+            <a:p>
+              <a:pPr algn="ctr"/>
+              <a:r>
+                <a:rPr lang="en-US" sz="1050">
+                  <a:solidFill>
+                    <a:schemeClr val="tx1"/>
+                  </a:solidFill>
+                </a:rPr>
+                <a:t>Cross-linked</a:t>
+              </a:r>
+            </a:p>
+          </p:txBody>
+        </p:sp>
+        <p:sp>
+          <p:nvSpPr>
+            <p:cNvPr id="119" name="Abgerundetes Rechteck 118"/>
+            <p:cNvSpPr/>
+            <p:nvPr/>
+          </p:nvSpPr>
+          <p:spPr>
+            <a:xfrm>
+              <a:off x="8404172" y="4824824"/>
+              <a:ext cx="1501427" cy="552719"/>
+            </a:xfrm>
+            <a:prstGeom prst="roundRect">
+              <a:avLst/>
+            </a:prstGeom>
+            <a:solidFill>
+              <a:srgbClr val="00B050"/>
+            </a:solidFill>
+          </p:spPr>
+          <p:style>
+            <a:lnRef idx="2">
+              <a:schemeClr val="accent1">
+                <a:shade val="50000"/>
+              </a:schemeClr>
+            </a:lnRef>
+            <a:fillRef idx="1">
+              <a:schemeClr val="accent1"/>
+            </a:fillRef>
+            <a:effectRef idx="0">
+              <a:schemeClr val="accent1"/>
+            </a:effectRef>
+            <a:fontRef idx="minor">
+              <a:schemeClr val="lt1"/>
+            </a:fontRef>
+          </p:style>
+          <p:txBody>
+            <a:bodyPr rtlCol="0" anchor="ctr"/>
+            <a:lstStyle/>
+            <a:p>
+              <a:pPr algn="ctr"/>
+              <a:r>
+                <a:rPr lang="en-US" sz="1050">
+                  <a:solidFill>
+                    <a:schemeClr val="tx1"/>
+                  </a:solidFill>
+                </a:rPr>
+                <a:t>Cross-linked</a:t>
+              </a:r>
+            </a:p>
+          </p:txBody>
+        </p:sp>
+        <p:sp>
+          <p:nvSpPr>
+            <p:cNvPr id="120" name="Abgerundetes Rechteck 119"/>
+            <p:cNvSpPr/>
+            <p:nvPr/>
+          </p:nvSpPr>
+          <p:spPr>
+            <a:xfrm>
+              <a:off x="9950344" y="4824824"/>
+              <a:ext cx="1501427" cy="552719"/>
+            </a:xfrm>
+            <a:prstGeom prst="roundRect">
+              <a:avLst/>
+            </a:prstGeom>
+            <a:solidFill>
+              <a:srgbClr val="009242"/>
+            </a:solidFill>
+          </p:spPr>
+          <p:style>
+            <a:lnRef idx="2">
+              <a:schemeClr val="accent1">
+                <a:shade val="50000"/>
+              </a:schemeClr>
+            </a:lnRef>
+            <a:fillRef idx="1">
+              <a:schemeClr val="accent1"/>
+            </a:fillRef>
+            <a:effectRef idx="0">
+              <a:schemeClr val="accent1"/>
+            </a:effectRef>
+            <a:fontRef idx="minor">
+              <a:schemeClr val="lt1"/>
+            </a:fontRef>
+          </p:style>
+          <p:txBody>
+            <a:bodyPr rtlCol="0" anchor="ctr"/>
+            <a:lstStyle/>
+            <a:p>
+              <a:pPr algn="ctr"/>
+              <a:r>
+                <a:rPr lang="en-US" sz="1050">
+                  <a:solidFill>
+                    <a:schemeClr val="tx1"/>
+                  </a:solidFill>
+                </a:rPr>
+                <a:t>Linear</a:t>
+              </a:r>
+            </a:p>
+          </p:txBody>
+        </p:sp>
+        <p:sp>
+          <p:nvSpPr>
+            <p:cNvPr id="121" name="Pfeil nach rechts 120"/>
+            <p:cNvSpPr/>
+            <p:nvPr/>
+          </p:nvSpPr>
+          <p:spPr>
+            <a:xfrm>
+              <a:off x="5802086" y="1748384"/>
+              <a:ext cx="696685" cy="606790"/>
+            </a:xfrm>
+            <a:prstGeom prst="rightArrow">
+              <a:avLst/>
+            </a:prstGeom>
+          </p:spPr>
+          <p:style>
+            <a:lnRef idx="2">
+              <a:schemeClr val="accent1">
+                <a:shade val="50000"/>
+              </a:schemeClr>
+            </a:lnRef>
+            <a:fillRef idx="1">
+              <a:schemeClr val="accent1"/>
+            </a:fillRef>
+            <a:effectRef idx="0">
+              <a:schemeClr val="accent1"/>
+            </a:effectRef>
+            <a:fontRef idx="minor">
+              <a:schemeClr val="lt1"/>
+            </a:fontRef>
+          </p:style>
+          <p:txBody>
+            <a:bodyPr rtlCol="0" anchor="ctr"/>
+            <a:lstStyle/>
+            <a:p>
+              <a:pPr algn="ctr"/>
+              <a:endParaRPr lang="en-US" sz="1000"/>
+            </a:p>
+          </p:txBody>
+        </p:sp>
+        <p:sp>
+          <p:nvSpPr>
+            <p:cNvPr id="122" name="Pfeil nach rechts 121"/>
+            <p:cNvSpPr/>
+            <p:nvPr/>
+          </p:nvSpPr>
+          <p:spPr>
+            <a:xfrm rot="8100000">
+              <a:off x="5480156" y="3592312"/>
+              <a:ext cx="1323795" cy="606790"/>
+            </a:xfrm>
+            <a:prstGeom prst="rightArrow">
+              <a:avLst/>
+            </a:prstGeom>
+          </p:spPr>
+          <p:style>
+            <a:lnRef idx="2">
+              <a:schemeClr val="accent1">
+                <a:shade val="50000"/>
+              </a:schemeClr>
+            </a:lnRef>
+            <a:fillRef idx="1">
+              <a:schemeClr val="accent1"/>
+            </a:fillRef>
+            <a:effectRef idx="0">
+              <a:schemeClr val="accent1"/>
+            </a:effectRef>
+            <a:fontRef idx="minor">
+              <a:schemeClr val="lt1"/>
+            </a:fontRef>
+          </p:style>
+          <p:txBody>
+            <a:bodyPr rtlCol="0" anchor="ctr"/>
+            <a:lstStyle/>
+            <a:p>
+              <a:pPr algn="ctr"/>
+              <a:endParaRPr lang="en-US" sz="1000"/>
+            </a:p>
+          </p:txBody>
+        </p:sp>
+        <p:sp>
+          <p:nvSpPr>
+            <p:cNvPr id="123" name="Pfeil nach rechts 122"/>
+            <p:cNvSpPr/>
+            <p:nvPr/>
+          </p:nvSpPr>
+          <p:spPr>
+            <a:xfrm>
+              <a:off x="5790600" y="4797788"/>
+              <a:ext cx="696685" cy="606790"/>
+            </a:xfrm>
+            <a:prstGeom prst="rightArrow">
+              <a:avLst/>
+            </a:prstGeom>
+          </p:spPr>
+          <p:style>
+            <a:lnRef idx="2">
+              <a:schemeClr val="accent1">
+                <a:shade val="50000"/>
+              </a:schemeClr>
+            </a:lnRef>
+            <a:fillRef idx="1">
+              <a:schemeClr val="accent1"/>
+            </a:fillRef>
+            <a:effectRef idx="0">
+              <a:schemeClr val="accent1"/>
+            </a:effectRef>
+            <a:fontRef idx="minor">
+              <a:schemeClr val="lt1"/>
+            </a:fontRef>
+          </p:style>
+          <p:txBody>
+            <a:bodyPr rtlCol="0" anchor="ctr"/>
+            <a:lstStyle/>
+            <a:p>
+              <a:pPr algn="ctr"/>
+              <a:endParaRPr lang="en-US" sz="1000"/>
+            </a:p>
+          </p:txBody>
+        </p:sp>
+        <p:sp>
+          <p:nvSpPr>
+            <p:cNvPr id="124" name="Textfeld 123"/>
+            <p:cNvSpPr txBox="1"/>
+            <p:nvPr/>
+          </p:nvSpPr>
+          <p:spPr>
+            <a:xfrm>
+              <a:off x="5270013" y="1415081"/>
+              <a:ext cx="2209134" cy="298824"/>
+            </a:xfrm>
+            <a:prstGeom prst="rect">
+              <a:avLst/>
+            </a:prstGeom>
+            <a:noFill/>
+          </p:spPr>
+          <p:txBody>
+            <a:bodyPr wrap="square" rtlCol="0">
+              <a:spAutoFit/>
+            </a:bodyPr>
+            <a:lstStyle/>
+            <a:p>
+              <a:r>
+                <a:rPr lang="en-US" sz="850" b="1" smtClean="0"/>
+                <a:t>Re-Ranking</a:t>
+              </a:r>
+              <a:endParaRPr lang="en-US" sz="850" b="1"/>
+            </a:p>
+          </p:txBody>
+        </p:sp>
+        <p:sp>
+          <p:nvSpPr>
+            <p:cNvPr id="125" name="Textfeld 124"/>
+            <p:cNvSpPr txBox="1"/>
+            <p:nvPr/>
+          </p:nvSpPr>
+          <p:spPr>
+            <a:xfrm rot="18900000">
+              <a:off x="4971498" y="3286860"/>
+              <a:ext cx="1779219" cy="329737"/>
+            </a:xfrm>
+            <a:prstGeom prst="rect">
+              <a:avLst/>
+            </a:prstGeom>
+            <a:noFill/>
+          </p:spPr>
+          <p:txBody>
+            <a:bodyPr wrap="square" rtlCol="0">
+              <a:spAutoFit/>
+            </a:bodyPr>
+            <a:lstStyle/>
+            <a:p>
+              <a:r>
+                <a:rPr lang="en-US" sz="1000" b="1" smtClean="0"/>
+                <a:t>Cropping</a:t>
+              </a:r>
+              <a:endParaRPr lang="en-US" sz="1000" b="1"/>
+            </a:p>
+          </p:txBody>
+        </p:sp>
+        <p:sp>
+          <p:nvSpPr>
+            <p:cNvPr id="126" name="Textfeld 125"/>
+            <p:cNvSpPr txBox="1"/>
+            <p:nvPr/>
+          </p:nvSpPr>
+          <p:spPr>
+            <a:xfrm>
+              <a:off x="4422026" y="4428456"/>
+              <a:ext cx="3555383" cy="329737"/>
+            </a:xfrm>
+            <a:prstGeom prst="rect">
+              <a:avLst/>
+            </a:prstGeom>
+            <a:noFill/>
+          </p:spPr>
+          <p:txBody>
+            <a:bodyPr wrap="square" rtlCol="0">
+              <a:spAutoFit/>
+            </a:bodyPr>
+            <a:lstStyle/>
+            <a:p>
+              <a:pPr algn="ctr"/>
+              <a:r>
+                <a:rPr lang="en-US" sz="1000" b="1" smtClean="0"/>
+                <a:t>Correct Scoring</a:t>
+              </a:r>
+              <a:endParaRPr lang="en-US" sz="1000" b="1"/>
+            </a:p>
+          </p:txBody>
+        </p:sp>
+        <p:sp>
+          <p:nvSpPr>
+            <p:cNvPr id="127" name="Abgerundetes Rechteck 126"/>
+            <p:cNvSpPr/>
+            <p:nvPr/>
+          </p:nvSpPr>
+          <p:spPr>
+            <a:xfrm>
+              <a:off x="86627" y="348343"/>
+              <a:ext cx="12018746" cy="5529944"/>
+            </a:xfrm>
+            <a:prstGeom prst="roundRect">
+              <a:avLst/>
+            </a:prstGeom>
+            <a:noFill/>
+            <a:ln w="38100">
+              <a:solidFill>
+                <a:schemeClr val="tx1"/>
+              </a:solidFill>
+            </a:ln>
+          </p:spPr>
+          <p:style>
+            <a:lnRef idx="2">
+              <a:schemeClr val="accent1">
+                <a:shade val="50000"/>
+              </a:schemeClr>
+            </a:lnRef>
+            <a:fillRef idx="1">
+              <a:schemeClr val="accent1"/>
+            </a:fillRef>
+            <a:effectRef idx="0">
+              <a:schemeClr val="accent1"/>
+            </a:effectRef>
+            <a:fontRef idx="minor">
+              <a:schemeClr val="lt1"/>
+            </a:fontRef>
+          </p:style>
+          <p:txBody>
+            <a:bodyPr rtlCol="0" anchor="ctr"/>
+            <a:lstStyle/>
+            <a:p>
+              <a:pPr algn="ctr"/>
+              <a:endParaRPr lang="en-US" sz="1000"/>
+            </a:p>
+          </p:txBody>
+        </p:sp>
+      </p:grpSp>
+      <p:sp>
+        <p:nvSpPr>
+          <p:cNvPr id="159" name="Geschweifte Klammer rechts 158"/>
+          <p:cNvSpPr/>
+          <p:nvPr/>
+        </p:nvSpPr>
+        <p:spPr>
+          <a:xfrm>
+            <a:off x="7424928" y="210312"/>
+            <a:ext cx="779918" cy="2113934"/>
+          </a:xfrm>
+          <a:prstGeom prst="rightBrace">
+            <a:avLst>
+              <a:gd name="adj1" fmla="val 8333"/>
+              <a:gd name="adj2" fmla="val 36943"/>
+            </a:avLst>
+          </a:prstGeom>
+          <a:ln w="76200"/>
+        </p:spPr>
+        <p:style>
+          <a:lnRef idx="1">
+            <a:schemeClr val="accent1"/>
+          </a:lnRef>
+          <a:fillRef idx="0">
+            <a:schemeClr val="accent1"/>
+          </a:fillRef>
+          <a:effectRef idx="0">
+            <a:schemeClr val="accent1"/>
+          </a:effectRef>
+          <a:fontRef idx="minor">
+            <a:schemeClr val="tx1"/>
+          </a:fontRef>
+        </p:style>
+        <p:txBody>
+          <a:bodyPr rtlCol="0" anchor="ctr"/>
+          <a:lstStyle/>
+          <a:p>
+            <a:pPr algn="ctr"/>
+            <a:endParaRPr lang="en-US"/>
+          </a:p>
+        </p:txBody>
+      </p:sp>
+      <p:sp>
+        <p:nvSpPr>
+          <p:cNvPr id="163" name="Rechteck 162"/>
+          <p:cNvSpPr/>
+          <p:nvPr/>
+        </p:nvSpPr>
+        <p:spPr>
+          <a:xfrm>
+            <a:off x="8204846" y="897635"/>
+            <a:ext cx="330189" cy="184665"/>
+          </a:xfrm>
+          <a:prstGeom prst="rect">
+            <a:avLst/>
+          </a:prstGeom>
+          <a:solidFill>
+            <a:schemeClr val="bg1"/>
+          </a:solidFill>
+          <a:ln>
+            <a:solidFill>
+              <a:schemeClr val="bg1"/>
+            </a:solidFill>
+          </a:ln>
+        </p:spPr>
+        <p:style>
+          <a:lnRef idx="2">
+            <a:schemeClr val="accent1">
+              <a:shade val="50000"/>
+            </a:schemeClr>
+          </a:lnRef>
+          <a:fillRef idx="1">
+            <a:schemeClr val="accent1"/>
+          </a:fillRef>
+          <a:effectRef idx="0">
+            <a:schemeClr val="accent1"/>
+          </a:effectRef>
+          <a:fontRef idx="minor">
+            <a:schemeClr val="lt1"/>
+          </a:fontRef>
+        </p:style>
+        <p:txBody>
+          <a:bodyPr rtlCol="0" anchor="ctr"/>
+          <a:lstStyle/>
+          <a:p>
+            <a:pPr algn="ctr"/>
+            <a:endParaRPr lang="en-US"/>
+          </a:p>
+        </p:txBody>
+      </p:sp>
+      <p:sp>
+        <p:nvSpPr>
+          <p:cNvPr id="160" name="Textfeld 159"/>
+          <p:cNvSpPr txBox="1"/>
+          <p:nvPr/>
+        </p:nvSpPr>
+        <p:spPr>
+          <a:xfrm>
+            <a:off x="8337065" y="666803"/>
+            <a:ext cx="2578200" cy="646331"/>
+          </a:xfrm>
+          <a:prstGeom prst="rect">
+            <a:avLst/>
+          </a:prstGeom>
+          <a:noFill/>
+        </p:spPr>
+        <p:txBody>
+          <a:bodyPr wrap="square" rtlCol="0">
+            <a:spAutoFit/>
+          </a:bodyPr>
+          <a:lstStyle/>
+          <a:p>
+            <a:r>
+              <a:rPr lang="en-US" sz="3600" b="1" smtClean="0"/>
+              <a:t>10 Iterations</a:t>
+            </a:r>
+            <a:endParaRPr lang="en-US" b="1"/>
+          </a:p>
+        </p:txBody>
+      </p:sp>
+      <p:sp>
+        <p:nvSpPr>
+          <p:cNvPr id="164" name="Pfeil nach unten 163"/>
+          <p:cNvSpPr/>
+          <p:nvPr/>
+        </p:nvSpPr>
+        <p:spPr>
+          <a:xfrm>
+            <a:off x="8750506" y="1311254"/>
+            <a:ext cx="1751319" cy="1056967"/>
+          </a:xfrm>
+          <a:prstGeom prst="downArrow">
+            <a:avLst/>
+          </a:prstGeom>
+        </p:spPr>
+        <p:style>
+          <a:lnRef idx="2">
+            <a:schemeClr val="accent1">
+              <a:shade val="50000"/>
+            </a:schemeClr>
+          </a:lnRef>
+          <a:fillRef idx="1">
+            <a:schemeClr val="accent1"/>
+          </a:fillRef>
+          <a:effectRef idx="0">
+            <a:schemeClr val="accent1"/>
+          </a:effectRef>
+          <a:fontRef idx="minor">
+            <a:schemeClr val="lt1"/>
+          </a:fontRef>
+        </p:style>
+        <p:txBody>
+          <a:bodyPr rtlCol="0" anchor="ctr"/>
+          <a:lstStyle/>
+          <a:p>
+            <a:pPr algn="ctr"/>
+            <a:r>
+              <a:rPr lang="en-US" smtClean="0"/>
+              <a:t>Lead to</a:t>
+            </a:r>
+            <a:endParaRPr lang="en-US"/>
+          </a:p>
+        </p:txBody>
+      </p:sp>
+    </p:spTree>
+    <p:extLst>
+      <p:ext uri="{BB962C8B-B14F-4D97-AF65-F5344CB8AC3E}">
+        <p14:creationId xmlns:p14="http://schemas.microsoft.com/office/powerpoint/2010/main" val="3333293184"/>
+      </p:ext>
+    </p:extLst>
+  </p:cSld>
+  <p:clrMapOvr>
+    <a:masterClrMapping/>
+  </p:clrMapOvr>
+</p:sld>
+</file>
+
 <file path=ppt/theme/theme1.xml><?xml version="1.0" encoding="utf-8"?>
 <a:theme xmlns:a="http://schemas.openxmlformats.org/drawingml/2006/main" name="Office Theme">
   <a:themeElements>
